--- a/doc/Präsi/UnrealCup.pptx
+++ b/doc/Präsi/UnrealCup.pptx
@@ -2,10 +2,10 @@
 <file path=ppt/presentation.xml><?xml version="1.0" encoding="utf-8"?>
 <p:presentation xmlns:a="http://schemas.openxmlformats.org/drawingml/2006/main" xmlns:r="http://schemas.openxmlformats.org/officeDocument/2006/relationships" xmlns:p="http://schemas.openxmlformats.org/presentationml/2006/main" saveSubsetFonts="1">
   <p:sldMasterIdLst>
-    <p:sldMasterId id="2147483648" r:id="rId1"/>
+    <p:sldMasterId id="2147483660" r:id="rId1"/>
   </p:sldMasterIdLst>
   <p:notesMasterIdLst>
-    <p:notesMasterId r:id="rId11"/>
+    <p:notesMasterId r:id="rId13"/>
   </p:notesMasterIdLst>
   <p:sldIdLst>
     <p:sldId id="257" r:id="rId2"/>
@@ -15,8 +15,10 @@
     <p:sldId id="260" r:id="rId6"/>
     <p:sldId id="261" r:id="rId7"/>
     <p:sldId id="262" r:id="rId8"/>
-    <p:sldId id="263" r:id="rId9"/>
-    <p:sldId id="264" r:id="rId10"/>
+    <p:sldId id="266" r:id="rId9"/>
+    <p:sldId id="263" r:id="rId10"/>
+    <p:sldId id="264" r:id="rId11"/>
+    <p:sldId id="265" r:id="rId12"/>
   </p:sldIdLst>
   <p:sldSz cx="12192000" cy="6858000"/>
   <p:notesSz cx="6858000" cy="9144000"/>
@@ -115,6 +117,11 @@
       </a:defRPr>
     </a:lvl9pPr>
   </p:defaultTextStyle>
+  <p:extLst>
+    <p:ext uri="{EFAFB233-063F-42B5-8137-9DF3F51BA10A}">
+      <p15:sldGuideLst xmlns:p15="http://schemas.microsoft.com/office/powerpoint/2012/main"/>
+    </p:ext>
+  </p:extLst>
 </p:presentation>
 </file>
 
@@ -200,7 +207,7 @@
           <a:p>
             <a:fld id="{559EC9FD-91DC-4623-B1E6-940F8EBD416C}" type="datetimeFigureOut">
               <a:rPr lang="de-DE" smtClean="0"/>
-              <a:t>10.06.2015</a:t>
+              <a:t>11.06.2015</a:t>
             </a:fld>
             <a:endParaRPr lang="de-DE"/>
           </a:p>
@@ -895,33 +902,116 @@
           <a:bodyPr/>
           <a:lstStyle/>
           <a:p>
+            <a:pPr marL="0" marR="0" indent="0" algn="l" defTabSz="914400" rtl="0" eaLnBrk="1" fontAlgn="auto" latinLnBrk="0" hangingPunct="1">
+              <a:lnSpc>
+                <a:spcPct val="100000"/>
+              </a:lnSpc>
+              <a:spcBef>
+                <a:spcPts val="0"/>
+              </a:spcBef>
+              <a:spcAft>
+                <a:spcPts val="0"/>
+              </a:spcAft>
+              <a:buClrTx/>
+              <a:buSzTx/>
+              <a:buFontTx/>
+              <a:buNone/>
+              <a:tabLst/>
+              <a:defRPr/>
+            </a:pPr>
             <a:r>
               <a:rPr lang="de-DE" dirty="0" smtClean="0"/>
               <a:t>Michi</a:t>
             </a:r>
             <a:r>
               <a:rPr lang="de-DE" baseline="0" dirty="0" smtClean="0"/>
-              <a:t> M.</a:t>
-            </a:r>
-          </a:p>
-          <a:p>
+              <a:t> M</a:t>
+            </a:r>
             <a:r>
               <a:rPr lang="de-DE" baseline="0" dirty="0" smtClean="0"/>
-              <a:t>LUA</a:t>
-            </a:r>
-          </a:p>
-          <a:p>
+              <a:t>. 2 min</a:t>
+            </a:r>
+          </a:p>
+          <a:p>
+            <a:pPr marL="0" marR="0" indent="0" algn="l" defTabSz="914400" rtl="0" eaLnBrk="1" fontAlgn="auto" latinLnBrk="0" hangingPunct="1">
+              <a:lnSpc>
+                <a:spcPct val="100000"/>
+              </a:lnSpc>
+              <a:spcBef>
+                <a:spcPts val="0"/>
+              </a:spcBef>
+              <a:spcAft>
+                <a:spcPts val="0"/>
+              </a:spcAft>
+              <a:buClrTx/>
+              <a:buSzTx/>
+              <a:buFontTx/>
+              <a:buNone/>
+              <a:tabLst/>
+              <a:defRPr/>
+            </a:pPr>
             <a:r>
               <a:rPr lang="de-DE" baseline="0" dirty="0" smtClean="0"/>
-              <a:t>KI</a:t>
-            </a:r>
-          </a:p>
-          <a:p>
+              <a:t>C++, Flexible Architektur</a:t>
+            </a:r>
+          </a:p>
+          <a:p>
+            <a:pPr marL="0" marR="0" indent="0" algn="l" defTabSz="914400" rtl="0" eaLnBrk="1" fontAlgn="auto" latinLnBrk="0" hangingPunct="1">
+              <a:lnSpc>
+                <a:spcPct val="100000"/>
+              </a:lnSpc>
+              <a:spcBef>
+                <a:spcPts val="0"/>
+              </a:spcBef>
+              <a:spcAft>
+                <a:spcPts val="0"/>
+              </a:spcAft>
+              <a:buClrTx/>
+              <a:buSzTx/>
+              <a:buFontTx/>
+              <a:buNone/>
+              <a:tabLst/>
+              <a:defRPr/>
+            </a:pPr>
             <a:r>
               <a:rPr lang="de-DE" baseline="0" dirty="0" smtClean="0"/>
-              <a:t>4 min</a:t>
-            </a:r>
-            <a:endParaRPr lang="de-DE" dirty="0"/>
+              <a:t>Multithreading, gesichert durch Critical </a:t>
+            </a:r>
+            <a:r>
+              <a:rPr lang="de-DE" baseline="0" dirty="0" err="1" smtClean="0"/>
+              <a:t>Sections</a:t>
+            </a:r>
+            <a:r>
+              <a:rPr lang="de-DE" baseline="0" dirty="0" smtClean="0"/>
+              <a:t> -&gt; RPC</a:t>
+            </a:r>
+            <a:endParaRPr lang="de-DE" dirty="0" smtClean="0"/>
+          </a:p>
+          <a:p>
+            <a:r>
+              <a:rPr lang="de-DE" baseline="0" dirty="0" smtClean="0"/>
+              <a:t>LUA als erste Möglichkeit für KI</a:t>
+            </a:r>
+          </a:p>
+          <a:p>
+            <a:r>
+              <a:rPr lang="de-DE" baseline="0" dirty="0" smtClean="0"/>
+              <a:t>Weitere </a:t>
+            </a:r>
+            <a:r>
+              <a:rPr lang="de-DE" baseline="0" dirty="0" err="1" smtClean="0"/>
+              <a:t>Scriptsprachen</a:t>
+            </a:r>
+            <a:r>
+              <a:rPr lang="de-DE" baseline="0" dirty="0" smtClean="0"/>
+              <a:t> wie JS, Python, Perl leicht einbaubar</a:t>
+            </a:r>
+          </a:p>
+          <a:p>
+            <a:endParaRPr lang="de-DE" baseline="0" dirty="0" smtClean="0"/>
+          </a:p>
+          <a:p>
+            <a:endParaRPr lang="de-DE" baseline="0" dirty="0" smtClean="0"/>
           </a:p>
         </p:txBody>
       </p:sp>
@@ -1005,32 +1095,53 @@
           <a:bodyPr/>
           <a:lstStyle/>
           <a:p>
+            <a:pPr marL="0" marR="0" indent="0" algn="l" defTabSz="914400" rtl="0" eaLnBrk="1" fontAlgn="auto" latinLnBrk="0" hangingPunct="1">
+              <a:lnSpc>
+                <a:spcPct val="100000"/>
+              </a:lnSpc>
+              <a:spcBef>
+                <a:spcPts val="0"/>
+              </a:spcBef>
+              <a:spcAft>
+                <a:spcPts val="0"/>
+              </a:spcAft>
+              <a:buClrTx/>
+              <a:buSzTx/>
+              <a:buFontTx/>
+              <a:buNone/>
+              <a:tabLst/>
+              <a:defRPr/>
+            </a:pPr>
             <a:r>
               <a:rPr lang="de-DE" dirty="0" smtClean="0"/>
               <a:t>Michi</a:t>
             </a:r>
-          </a:p>
-          <a:p>
-            <a:r>
-              <a:rPr lang="de-DE" dirty="0" smtClean="0"/>
-              <a:t>Musik….erst ohne </a:t>
-            </a:r>
-            <a:r>
-              <a:rPr lang="de-DE" dirty="0" err="1" smtClean="0"/>
-              <a:t>gelaber</a:t>
-            </a:r>
-            <a:endParaRPr lang="de-DE" dirty="0" smtClean="0"/>
-          </a:p>
-          <a:p>
-            <a:r>
-              <a:rPr lang="de-DE" dirty="0" smtClean="0"/>
-              <a:t>Dann bisschen</a:t>
-            </a:r>
             <a:r>
               <a:rPr lang="de-DE" baseline="0" dirty="0" smtClean="0"/>
-              <a:t> über KI</a:t>
-            </a:r>
-            <a:endParaRPr lang="de-DE" dirty="0"/>
+              <a:t> M</a:t>
+            </a:r>
+            <a:r>
+              <a:rPr lang="de-DE" baseline="0" dirty="0" smtClean="0"/>
+              <a:t>. 2 min</a:t>
+            </a:r>
+          </a:p>
+          <a:p>
+            <a:r>
+              <a:rPr lang="de-DE" baseline="0" dirty="0" smtClean="0"/>
+              <a:t>Genauer auf KI </a:t>
+            </a:r>
+            <a:r>
+              <a:rPr lang="de-DE" baseline="0" dirty="0" err="1" smtClean="0"/>
+              <a:t>Proggen</a:t>
+            </a:r>
+            <a:r>
+              <a:rPr lang="de-DE" baseline="0" dirty="0" smtClean="0"/>
+              <a:t> mit LUA eingehen</a:t>
+            </a:r>
+            <a:endParaRPr lang="de-DE" baseline="0" dirty="0" smtClean="0"/>
+          </a:p>
+          <a:p>
+            <a:endParaRPr lang="de-DE" baseline="0" dirty="0" smtClean="0"/>
           </a:p>
         </p:txBody>
       </p:sp>
@@ -1060,7 +1171,7 @@
     </p:spTree>
     <p:extLst>
       <p:ext uri="{BB962C8B-B14F-4D97-AF65-F5344CB8AC3E}">
-        <p14:creationId xmlns:p14="http://schemas.microsoft.com/office/powerpoint/2010/main" val="2961711178"/>
+        <p14:creationId xmlns:p14="http://schemas.microsoft.com/office/powerpoint/2010/main" val="3220621003"/>
       </p:ext>
     </p:extLst>
   </p:cSld>
@@ -1116,21 +1227,28 @@
           <a:p>
             <a:r>
               <a:rPr lang="de-DE" dirty="0" smtClean="0"/>
-              <a:t>Vorlesungsinhalte…Basislogik Fahr, Designansätze</a:t>
+              <a:t>Michi</a:t>
             </a:r>
           </a:p>
           <a:p>
             <a:r>
               <a:rPr lang="de-DE" dirty="0" smtClean="0"/>
-              <a:t>Wir sind zufrieden, </a:t>
+              <a:t>Musik….erst ohne </a:t>
             </a:r>
             <a:r>
               <a:rPr lang="de-DE" dirty="0" err="1" smtClean="0"/>
-              <a:t>ImagineCup</a:t>
-            </a:r>
+              <a:t>gelaber</a:t>
+            </a:r>
+            <a:endParaRPr lang="de-DE" dirty="0" smtClean="0"/>
+          </a:p>
+          <a:p>
             <a:r>
               <a:rPr lang="de-DE" dirty="0" smtClean="0"/>
-              <a:t>…</a:t>
+              <a:t>Dann bisschen</a:t>
+            </a:r>
+            <a:r>
+              <a:rPr lang="de-DE" baseline="0" dirty="0" smtClean="0"/>
+              <a:t> über KI</a:t>
             </a:r>
             <a:endParaRPr lang="de-DE" dirty="0"/>
           </a:p>
@@ -1162,7 +1280,7 @@
     </p:spTree>
     <p:extLst>
       <p:ext uri="{BB962C8B-B14F-4D97-AF65-F5344CB8AC3E}">
-        <p14:creationId xmlns:p14="http://schemas.microsoft.com/office/powerpoint/2010/main" val="2159764023"/>
+        <p14:creationId xmlns:p14="http://schemas.microsoft.com/office/powerpoint/2010/main" val="2961711178"/>
       </p:ext>
     </p:extLst>
   </p:cSld>
@@ -1172,9 +1290,9 @@
 </p:notes>
 </file>
 
-<file path=ppt/slideLayouts/slideLayout1.xml><?xml version="1.0" encoding="utf-8"?>
-<p:sldLayout xmlns:a="http://schemas.openxmlformats.org/drawingml/2006/main" xmlns:r="http://schemas.openxmlformats.org/officeDocument/2006/relationships" xmlns:p="http://schemas.openxmlformats.org/presentationml/2006/main" type="title" preserve="1">
-  <p:cSld name="Titelfolie">
+<file path=ppt/notesSlides/notesSlide8.xml><?xml version="1.0" encoding="utf-8"?>
+<p:notes xmlns:a="http://schemas.openxmlformats.org/drawingml/2006/main" xmlns:r="http://schemas.openxmlformats.org/officeDocument/2006/relationships" xmlns:p="http://schemas.openxmlformats.org/presentationml/2006/main">
+  <p:cSld>
     <p:spTree>
       <p:nvGrpSpPr>
         <p:cNvPr id="1" name=""/>
@@ -1191,109 +1309,61 @@
       </p:grpSpPr>
       <p:sp>
         <p:nvSpPr>
-          <p:cNvPr id="2" name="Titel 1"/>
+          <p:cNvPr id="2" name="Folienbildplatzhalter 1"/>
+          <p:cNvSpPr>
+            <a:spLocks noGrp="1" noRot="1" noChangeAspect="1"/>
+          </p:cNvSpPr>
+          <p:nvPr>
+            <p:ph type="sldImg"/>
+          </p:nvPr>
+        </p:nvSpPr>
+        <p:spPr/>
+      </p:sp>
+      <p:sp>
+        <p:nvSpPr>
+          <p:cNvPr id="3" name="Notizenplatzhalter 2"/>
           <p:cNvSpPr>
             <a:spLocks noGrp="1"/>
           </p:cNvSpPr>
           <p:nvPr>
-            <p:ph type="ctrTitle"/>
-          </p:nvPr>
-        </p:nvSpPr>
-        <p:spPr>
-          <a:xfrm>
-            <a:off x="1524000" y="1122363"/>
-            <a:ext cx="9144000" cy="2387600"/>
-          </a:xfrm>
-        </p:spPr>
-        <p:txBody>
-          <a:bodyPr anchor="b"/>
-          <a:lstStyle>
-            <a:lvl1pPr algn="ctr">
-              <a:defRPr sz="6000"/>
-            </a:lvl1pPr>
-          </a:lstStyle>
-          <a:p>
-            <a:r>
-              <a:rPr lang="de-DE" smtClean="0"/>
-              <a:t>Titelmasterformat durch Klicken bearbeiten</a:t>
-            </a:r>
-            <a:endParaRPr lang="de-DE"/>
-          </a:p>
-        </p:txBody>
-      </p:sp>
-      <p:sp>
-        <p:nvSpPr>
-          <p:cNvPr id="3" name="Untertitel 2"/>
+            <p:ph type="body" idx="1"/>
+          </p:nvPr>
+        </p:nvSpPr>
+        <p:spPr/>
+        <p:txBody>
+          <a:bodyPr/>
+          <a:lstStyle/>
+          <a:p>
+            <a:r>
+              <a:rPr lang="de-DE" dirty="0" smtClean="0"/>
+              <a:t>Vorlesungsinhalte…Basislogik Fahr, Designansätze</a:t>
+            </a:r>
+          </a:p>
+          <a:p>
+            <a:r>
+              <a:rPr lang="de-DE" dirty="0" smtClean="0"/>
+              <a:t>Wir sind zufrieden, </a:t>
+            </a:r>
+            <a:r>
+              <a:rPr lang="de-DE" dirty="0" err="1" smtClean="0"/>
+              <a:t>ImagineCup</a:t>
+            </a:r>
+            <a:r>
+              <a:rPr lang="de-DE" dirty="0" smtClean="0"/>
+              <a:t>…</a:t>
+            </a:r>
+            <a:endParaRPr lang="de-DE" dirty="0"/>
+          </a:p>
+        </p:txBody>
+      </p:sp>
+      <p:sp>
+        <p:nvSpPr>
+          <p:cNvPr id="4" name="Foliennummernplatzhalter 3"/>
           <p:cNvSpPr>
             <a:spLocks noGrp="1"/>
           </p:cNvSpPr>
           <p:nvPr>
-            <p:ph type="subTitle" idx="1"/>
-          </p:nvPr>
-        </p:nvSpPr>
-        <p:spPr>
-          <a:xfrm>
-            <a:off x="1524000" y="3602038"/>
-            <a:ext cx="9144000" cy="1655762"/>
-          </a:xfrm>
-        </p:spPr>
-        <p:txBody>
-          <a:bodyPr/>
-          <a:lstStyle>
-            <a:lvl1pPr marL="0" indent="0" algn="ctr">
-              <a:buNone/>
-              <a:defRPr sz="2400"/>
-            </a:lvl1pPr>
-            <a:lvl2pPr marL="457200" indent="0" algn="ctr">
-              <a:buNone/>
-              <a:defRPr sz="2000"/>
-            </a:lvl2pPr>
-            <a:lvl3pPr marL="914400" indent="0" algn="ctr">
-              <a:buNone/>
-              <a:defRPr sz="1800"/>
-            </a:lvl3pPr>
-            <a:lvl4pPr marL="1371600" indent="0" algn="ctr">
-              <a:buNone/>
-              <a:defRPr sz="1600"/>
-            </a:lvl4pPr>
-            <a:lvl5pPr marL="1828800" indent="0" algn="ctr">
-              <a:buNone/>
-              <a:defRPr sz="1600"/>
-            </a:lvl5pPr>
-            <a:lvl6pPr marL="2286000" indent="0" algn="ctr">
-              <a:buNone/>
-              <a:defRPr sz="1600"/>
-            </a:lvl6pPr>
-            <a:lvl7pPr marL="2743200" indent="0" algn="ctr">
-              <a:buNone/>
-              <a:defRPr sz="1600"/>
-            </a:lvl7pPr>
-            <a:lvl8pPr marL="3200400" indent="0" algn="ctr">
-              <a:buNone/>
-              <a:defRPr sz="1600"/>
-            </a:lvl8pPr>
-            <a:lvl9pPr marL="3657600" indent="0" algn="ctr">
-              <a:buNone/>
-              <a:defRPr sz="1600"/>
-            </a:lvl9pPr>
-          </a:lstStyle>
-          <a:p>
-            <a:r>
-              <a:rPr lang="de-DE" smtClean="0"/>
-              <a:t>Formatvorlage des Untertitelmasters durch Klicken bearbeiten</a:t>
-            </a:r>
-            <a:endParaRPr lang="de-DE"/>
-          </a:p>
-        </p:txBody>
-      </p:sp>
-      <p:sp>
-        <p:nvSpPr>
-          <p:cNvPr id="4" name="Datumsplatzhalter 3"/>
-          <p:cNvSpPr>
-            <a:spLocks noGrp="1"/>
-          </p:cNvSpPr>
-          <p:nvPr>
-            <p:ph type="dt" sz="half" idx="10"/>
+            <p:ph type="sldNum" sz="quarter" idx="10"/>
           </p:nvPr>
         </p:nvSpPr>
         <p:spPr/>
@@ -1301,51 +1371,9 @@
           <a:bodyPr/>
           <a:lstStyle/>
           <a:p>
-            <a:fld id="{AA57E2F2-D16C-4543-AA4F-89E515367E7B}" type="datetimeFigureOut">
-              <a:rPr lang="de-DE" smtClean="0"/>
-              <a:t>10.06.2015</a:t>
-            </a:fld>
-            <a:endParaRPr lang="de-DE"/>
-          </a:p>
-        </p:txBody>
-      </p:sp>
-      <p:sp>
-        <p:nvSpPr>
-          <p:cNvPr id="5" name="Fußzeilenplatzhalter 4"/>
-          <p:cNvSpPr>
-            <a:spLocks noGrp="1"/>
-          </p:cNvSpPr>
-          <p:nvPr>
-            <p:ph type="ftr" sz="quarter" idx="11"/>
-          </p:nvPr>
-        </p:nvSpPr>
-        <p:spPr/>
-        <p:txBody>
-          <a:bodyPr/>
-          <a:lstStyle/>
-          <a:p>
-            <a:endParaRPr lang="de-DE"/>
-          </a:p>
-        </p:txBody>
-      </p:sp>
-      <p:sp>
-        <p:nvSpPr>
-          <p:cNvPr id="6" name="Foliennummernplatzhalter 5"/>
-          <p:cNvSpPr>
-            <a:spLocks noGrp="1"/>
-          </p:cNvSpPr>
-          <p:nvPr>
-            <p:ph type="sldNum" sz="quarter" idx="12"/>
-          </p:nvPr>
-        </p:nvSpPr>
-        <p:spPr/>
-        <p:txBody>
-          <a:bodyPr/>
-          <a:lstStyle/>
-          <a:p>
-            <a:fld id="{650C6515-04D2-4B67-93FB-B05FA1BD6D8B}" type="slidenum">
-              <a:rPr lang="de-DE" smtClean="0"/>
-              <a:t>‹Nr.›</a:t>
+            <a:fld id="{FF0BB335-1CC6-4DA5-831B-911D4EA4C5AD}" type="slidenum">
+              <a:rPr lang="de-DE" smtClean="0"/>
+              <a:t>10</a:t>
             </a:fld>
             <a:endParaRPr lang="de-DE"/>
           </a:p>
@@ -1354,19 +1382,19 @@
     </p:spTree>
     <p:extLst>
       <p:ext uri="{BB962C8B-B14F-4D97-AF65-F5344CB8AC3E}">
-        <p14:creationId xmlns:p14="http://schemas.microsoft.com/office/powerpoint/2010/main" val="3092070915"/>
+        <p14:creationId xmlns:p14="http://schemas.microsoft.com/office/powerpoint/2010/main" val="2159764023"/>
       </p:ext>
     </p:extLst>
   </p:cSld>
   <p:clrMapOvr>
     <a:masterClrMapping/>
   </p:clrMapOvr>
-</p:sldLayout>
+</p:notes>
 </file>
 
-<file path=ppt/slideLayouts/slideLayout10.xml><?xml version="1.0" encoding="utf-8"?>
-<p:sldLayout xmlns:a="http://schemas.openxmlformats.org/drawingml/2006/main" xmlns:r="http://schemas.openxmlformats.org/officeDocument/2006/relationships" xmlns:p="http://schemas.openxmlformats.org/presentationml/2006/main" type="vertTx" preserve="1">
-  <p:cSld name="Titel und vertikaler Text">
+<file path=ppt/notesSlides/notesSlide9.xml><?xml version="1.0" encoding="utf-8"?>
+<p:notes xmlns:a="http://schemas.openxmlformats.org/drawingml/2006/main" xmlns:r="http://schemas.openxmlformats.org/officeDocument/2006/relationships" xmlns:p="http://schemas.openxmlformats.org/presentationml/2006/main">
+  <p:cSld>
     <p:spTree>
       <p:nvGrpSpPr>
         <p:cNvPr id="1" name=""/>
@@ -1383,12 +1411,24 @@
       </p:grpSpPr>
       <p:sp>
         <p:nvSpPr>
-          <p:cNvPr id="2" name="Titel 1"/>
+          <p:cNvPr id="2" name="Folienbildplatzhalter 1"/>
+          <p:cNvSpPr>
+            <a:spLocks noGrp="1" noRot="1" noChangeAspect="1"/>
+          </p:cNvSpPr>
+          <p:nvPr>
+            <p:ph type="sldImg"/>
+          </p:nvPr>
+        </p:nvSpPr>
+        <p:spPr/>
+      </p:sp>
+      <p:sp>
+        <p:nvSpPr>
+          <p:cNvPr id="3" name="Notizenplatzhalter 2"/>
           <p:cNvSpPr>
             <a:spLocks noGrp="1"/>
           </p:cNvSpPr>
           <p:nvPr>
-            <p:ph type="title"/>
+            <p:ph type="body" idx="1"/>
           </p:nvPr>
         </p:nvSpPr>
         <p:spPr/>
@@ -1397,125 +1437,41 @@
           <a:lstStyle/>
           <a:p>
             <a:r>
-              <a:rPr lang="de-DE" smtClean="0"/>
-              <a:t>Titelmasterformat durch Klicken bearbeiten</a:t>
-            </a:r>
-            <a:endParaRPr lang="de-DE"/>
-          </a:p>
-        </p:txBody>
-      </p:sp>
-      <p:sp>
-        <p:nvSpPr>
-          <p:cNvPr id="3" name="Vertikaler Textplatzhalter 2"/>
+              <a:rPr lang="de-DE" dirty="0" smtClean="0"/>
+              <a:t>Max moderiert</a:t>
+            </a:r>
+          </a:p>
+          <a:p>
+            <a:r>
+              <a:rPr lang="de-DE" dirty="0" smtClean="0"/>
+              <a:t>Link</a:t>
+            </a:r>
+            <a:r>
+              <a:rPr lang="de-DE" baseline="0" dirty="0" smtClean="0"/>
+              <a:t> zum Download einbauen… (QR Code?)</a:t>
+            </a:r>
+            <a:endParaRPr lang="de-DE" dirty="0"/>
+          </a:p>
+        </p:txBody>
+      </p:sp>
+      <p:sp>
+        <p:nvSpPr>
+          <p:cNvPr id="4" name="Foliennummernplatzhalter 3"/>
           <p:cNvSpPr>
             <a:spLocks noGrp="1"/>
           </p:cNvSpPr>
           <p:nvPr>
-            <p:ph type="body" orient="vert" idx="1"/>
+            <p:ph type="sldNum" sz="quarter" idx="10"/>
           </p:nvPr>
         </p:nvSpPr>
         <p:spPr/>
         <p:txBody>
-          <a:bodyPr vert="eaVert"/>
+          <a:bodyPr/>
           <a:lstStyle/>
           <a:p>
-            <a:pPr lvl="0"/>
-            <a:r>
-              <a:rPr lang="de-DE" smtClean="0"/>
-              <a:t>Textmasterformat bearbeiten</a:t>
-            </a:r>
-          </a:p>
-          <a:p>
-            <a:pPr lvl="1"/>
-            <a:r>
-              <a:rPr lang="de-DE" smtClean="0"/>
-              <a:t>Zweite Ebene</a:t>
-            </a:r>
-          </a:p>
-          <a:p>
-            <a:pPr lvl="2"/>
-            <a:r>
-              <a:rPr lang="de-DE" smtClean="0"/>
-              <a:t>Dritte Ebene</a:t>
-            </a:r>
-          </a:p>
-          <a:p>
-            <a:pPr lvl="3"/>
-            <a:r>
-              <a:rPr lang="de-DE" smtClean="0"/>
-              <a:t>Vierte Ebene</a:t>
-            </a:r>
-          </a:p>
-          <a:p>
-            <a:pPr lvl="4"/>
-            <a:r>
-              <a:rPr lang="de-DE" smtClean="0"/>
-              <a:t>Fünfte Ebene</a:t>
-            </a:r>
-            <a:endParaRPr lang="de-DE"/>
-          </a:p>
-        </p:txBody>
-      </p:sp>
-      <p:sp>
-        <p:nvSpPr>
-          <p:cNvPr id="4" name="Datumsplatzhalter 3"/>
-          <p:cNvSpPr>
-            <a:spLocks noGrp="1"/>
-          </p:cNvSpPr>
-          <p:nvPr>
-            <p:ph type="dt" sz="half" idx="10"/>
-          </p:nvPr>
-        </p:nvSpPr>
-        <p:spPr/>
-        <p:txBody>
-          <a:bodyPr/>
-          <a:lstStyle/>
-          <a:p>
-            <a:fld id="{AA57E2F2-D16C-4543-AA4F-89E515367E7B}" type="datetimeFigureOut">
-              <a:rPr lang="de-DE" smtClean="0"/>
-              <a:t>10.06.2015</a:t>
-            </a:fld>
-            <a:endParaRPr lang="de-DE"/>
-          </a:p>
-        </p:txBody>
-      </p:sp>
-      <p:sp>
-        <p:nvSpPr>
-          <p:cNvPr id="5" name="Fußzeilenplatzhalter 4"/>
-          <p:cNvSpPr>
-            <a:spLocks noGrp="1"/>
-          </p:cNvSpPr>
-          <p:nvPr>
-            <p:ph type="ftr" sz="quarter" idx="11"/>
-          </p:nvPr>
-        </p:nvSpPr>
-        <p:spPr/>
-        <p:txBody>
-          <a:bodyPr/>
-          <a:lstStyle/>
-          <a:p>
-            <a:endParaRPr lang="de-DE"/>
-          </a:p>
-        </p:txBody>
-      </p:sp>
-      <p:sp>
-        <p:nvSpPr>
-          <p:cNvPr id="6" name="Foliennummernplatzhalter 5"/>
-          <p:cNvSpPr>
-            <a:spLocks noGrp="1"/>
-          </p:cNvSpPr>
-          <p:nvPr>
-            <p:ph type="sldNum" sz="quarter" idx="12"/>
-          </p:nvPr>
-        </p:nvSpPr>
-        <p:spPr/>
-        <p:txBody>
-          <a:bodyPr/>
-          <a:lstStyle/>
-          <a:p>
-            <a:fld id="{650C6515-04D2-4B67-93FB-B05FA1BD6D8B}" type="slidenum">
-              <a:rPr lang="de-DE" smtClean="0"/>
-              <a:t>‹Nr.›</a:t>
+            <a:fld id="{FF0BB335-1CC6-4DA5-831B-911D4EA4C5AD}" type="slidenum">
+              <a:rPr lang="de-DE" smtClean="0"/>
+              <a:t>11</a:t>
             </a:fld>
             <a:endParaRPr lang="de-DE"/>
           </a:p>
@@ -1524,19 +1480,19 @@
     </p:spTree>
     <p:extLst>
       <p:ext uri="{BB962C8B-B14F-4D97-AF65-F5344CB8AC3E}">
-        <p14:creationId xmlns:p14="http://schemas.microsoft.com/office/powerpoint/2010/main" val="2521569650"/>
+        <p14:creationId xmlns:p14="http://schemas.microsoft.com/office/powerpoint/2010/main" val="3082156688"/>
       </p:ext>
     </p:extLst>
   </p:cSld>
   <p:clrMapOvr>
     <a:masterClrMapping/>
   </p:clrMapOvr>
-</p:sldLayout>
+</p:notes>
 </file>
 
-<file path=ppt/slideLayouts/slideLayout11.xml><?xml version="1.0" encoding="utf-8"?>
-<p:sldLayout xmlns:a="http://schemas.openxmlformats.org/drawingml/2006/main" xmlns:r="http://schemas.openxmlformats.org/officeDocument/2006/relationships" xmlns:p="http://schemas.openxmlformats.org/presentationml/2006/main" type="vertTitleAndTx" preserve="1">
-  <p:cSld name="Vertikaler Titel und Text">
+<file path=ppt/slideLayouts/slideLayout1.xml><?xml version="1.0" encoding="utf-8"?>
+<p:sldLayout xmlns:a="http://schemas.openxmlformats.org/drawingml/2006/main" xmlns:r="http://schemas.openxmlformats.org/officeDocument/2006/relationships" xmlns:p="http://schemas.openxmlformats.org/presentationml/2006/main" type="title" preserve="1">
+  <p:cSld name="Diapositiva de título">
     <p:spTree>
       <p:nvGrpSpPr>
         <p:cNvPr id="1" name=""/>
@@ -1553,107 +1509,121 @@
       </p:grpSpPr>
       <p:sp>
         <p:nvSpPr>
-          <p:cNvPr id="2" name="Vertikaler Titel 1"/>
+          <p:cNvPr id="2" name="1 Título"/>
           <p:cNvSpPr>
             <a:spLocks noGrp="1"/>
           </p:cNvSpPr>
           <p:nvPr>
-            <p:ph type="title" orient="vert"/>
+            <p:ph type="ctrTitle"/>
           </p:nvPr>
         </p:nvSpPr>
         <p:spPr>
           <a:xfrm>
-            <a:off x="8724900" y="365125"/>
-            <a:ext cx="2628900" cy="5811838"/>
+            <a:off x="914400" y="2130426"/>
+            <a:ext cx="10363200" cy="1470025"/>
           </a:xfrm>
         </p:spPr>
         <p:txBody>
-          <a:bodyPr vert="eaVert"/>
+          <a:bodyPr/>
           <a:lstStyle/>
           <a:p>
             <a:r>
               <a:rPr lang="de-DE" smtClean="0"/>
               <a:t>Titelmasterformat durch Klicken bearbeiten</a:t>
             </a:r>
-            <a:endParaRPr lang="de-DE"/>
-          </a:p>
-        </p:txBody>
-      </p:sp>
-      <p:sp>
-        <p:nvSpPr>
-          <p:cNvPr id="3" name="Vertikaler Textplatzhalter 2"/>
+            <a:endParaRPr lang="en-US"/>
+          </a:p>
+        </p:txBody>
+      </p:sp>
+      <p:sp>
+        <p:nvSpPr>
+          <p:cNvPr id="3" name="2 Subtítulo"/>
           <p:cNvSpPr>
             <a:spLocks noGrp="1"/>
           </p:cNvSpPr>
           <p:nvPr>
-            <p:ph type="body" orient="vert" idx="1"/>
+            <p:ph type="subTitle" idx="1"/>
           </p:nvPr>
         </p:nvSpPr>
         <p:spPr>
           <a:xfrm>
-            <a:off x="838200" y="365125"/>
-            <a:ext cx="7734300" cy="5811838"/>
+            <a:off x="1828800" y="3886200"/>
+            <a:ext cx="8534400" cy="1752600"/>
           </a:xfrm>
         </p:spPr>
         <p:txBody>
-          <a:bodyPr vert="eaVert"/>
-          <a:lstStyle/>
-          <a:p>
-            <a:pPr lvl="0"/>
-            <a:r>
-              <a:rPr lang="de-DE" smtClean="0"/>
-              <a:t>Textmasterformat bearbeiten</a:t>
-            </a:r>
-          </a:p>
-          <a:p>
-            <a:pPr lvl="1"/>
-            <a:r>
-              <a:rPr lang="de-DE" smtClean="0"/>
-              <a:t>Zweite Ebene</a:t>
-            </a:r>
-          </a:p>
-          <a:p>
-            <a:pPr lvl="2"/>
-            <a:r>
-              <a:rPr lang="de-DE" smtClean="0"/>
-              <a:t>Dritte Ebene</a:t>
-            </a:r>
-          </a:p>
-          <a:p>
-            <a:pPr lvl="3"/>
-            <a:r>
-              <a:rPr lang="de-DE" smtClean="0"/>
-              <a:t>Vierte Ebene</a:t>
-            </a:r>
-          </a:p>
-          <a:p>
-            <a:pPr lvl="4"/>
-            <a:r>
-              <a:rPr lang="de-DE" smtClean="0"/>
-              <a:t>Fünfte Ebene</a:t>
-            </a:r>
-            <a:endParaRPr lang="de-DE"/>
-          </a:p>
-        </p:txBody>
-      </p:sp>
-      <p:sp>
-        <p:nvSpPr>
-          <p:cNvPr id="4" name="Datumsplatzhalter 3"/>
-          <p:cNvSpPr>
-            <a:spLocks noGrp="1"/>
+          <a:bodyPr/>
+          <a:lstStyle>
+            <a:lvl1pPr marL="0" indent="0" algn="ctr">
+              <a:buNone/>
+              <a:defRPr/>
+            </a:lvl1pPr>
+            <a:lvl2pPr marL="457200" indent="0" algn="ctr">
+              <a:buNone/>
+              <a:defRPr/>
+            </a:lvl2pPr>
+            <a:lvl3pPr marL="914400" indent="0" algn="ctr">
+              <a:buNone/>
+              <a:defRPr/>
+            </a:lvl3pPr>
+            <a:lvl4pPr marL="1371600" indent="0" algn="ctr">
+              <a:buNone/>
+              <a:defRPr/>
+            </a:lvl4pPr>
+            <a:lvl5pPr marL="1828800" indent="0" algn="ctr">
+              <a:buNone/>
+              <a:defRPr/>
+            </a:lvl5pPr>
+            <a:lvl6pPr marL="2286000" indent="0" algn="ctr">
+              <a:buNone/>
+              <a:defRPr/>
+            </a:lvl6pPr>
+            <a:lvl7pPr marL="2743200" indent="0" algn="ctr">
+              <a:buNone/>
+              <a:defRPr/>
+            </a:lvl7pPr>
+            <a:lvl8pPr marL="3200400" indent="0" algn="ctr">
+              <a:buNone/>
+              <a:defRPr/>
+            </a:lvl8pPr>
+            <a:lvl9pPr marL="3657600" indent="0" algn="ctr">
+              <a:buNone/>
+              <a:defRPr/>
+            </a:lvl9pPr>
+          </a:lstStyle>
+          <a:p>
+            <a:r>
+              <a:rPr lang="de-DE" smtClean="0"/>
+              <a:t>Formatvorlage des Untertitelmasters durch Klicken bearbeiten</a:t>
+            </a:r>
+            <a:endParaRPr lang="en-US"/>
+          </a:p>
+        </p:txBody>
+      </p:sp>
+      <p:sp>
+        <p:nvSpPr>
+          <p:cNvPr id="4" name="Rectangle 4"/>
+          <p:cNvSpPr>
+            <a:spLocks noGrp="1" noChangeArrowheads="1"/>
           </p:cNvSpPr>
           <p:nvPr>
             <p:ph type="dt" sz="half" idx="10"/>
           </p:nvPr>
         </p:nvSpPr>
-        <p:spPr/>
-        <p:txBody>
-          <a:bodyPr/>
-          <a:lstStyle/>
+        <p:spPr>
+          <a:ln/>
+        </p:spPr>
+        <p:txBody>
+          <a:bodyPr/>
+          <a:lstStyle>
+            <a:lvl1pPr>
+              <a:defRPr/>
+            </a:lvl1pPr>
+          </a:lstStyle>
           <a:p>
             <a:fld id="{AA57E2F2-D16C-4543-AA4F-89E515367E7B}" type="datetimeFigureOut">
               <a:rPr lang="de-DE" smtClean="0"/>
-              <a:t>10.06.2015</a:t>
+              <a:t>11.06.2015</a:t>
             </a:fld>
             <a:endParaRPr lang="de-DE"/>
           </a:p>
@@ -1661,18 +1631,24 @@
       </p:sp>
       <p:sp>
         <p:nvSpPr>
-          <p:cNvPr id="5" name="Fußzeilenplatzhalter 4"/>
-          <p:cNvSpPr>
-            <a:spLocks noGrp="1"/>
+          <p:cNvPr id="5" name="Rectangle 5"/>
+          <p:cNvSpPr>
+            <a:spLocks noGrp="1" noChangeArrowheads="1"/>
           </p:cNvSpPr>
           <p:nvPr>
             <p:ph type="ftr" sz="quarter" idx="11"/>
           </p:nvPr>
         </p:nvSpPr>
-        <p:spPr/>
-        <p:txBody>
-          <a:bodyPr/>
-          <a:lstStyle/>
+        <p:spPr>
+          <a:ln/>
+        </p:spPr>
+        <p:txBody>
+          <a:bodyPr/>
+          <a:lstStyle>
+            <a:lvl1pPr>
+              <a:defRPr/>
+            </a:lvl1pPr>
+          </a:lstStyle>
           <a:p>
             <a:endParaRPr lang="de-DE"/>
           </a:p>
@@ -1680,18 +1656,24 @@
       </p:sp>
       <p:sp>
         <p:nvSpPr>
-          <p:cNvPr id="6" name="Foliennummernplatzhalter 5"/>
-          <p:cNvSpPr>
-            <a:spLocks noGrp="1"/>
+          <p:cNvPr id="6" name="Rectangle 6"/>
+          <p:cNvSpPr>
+            <a:spLocks noGrp="1" noChangeArrowheads="1"/>
           </p:cNvSpPr>
           <p:nvPr>
             <p:ph type="sldNum" sz="quarter" idx="12"/>
           </p:nvPr>
         </p:nvSpPr>
-        <p:spPr/>
-        <p:txBody>
-          <a:bodyPr/>
-          <a:lstStyle/>
+        <p:spPr>
+          <a:ln/>
+        </p:spPr>
+        <p:txBody>
+          <a:bodyPr/>
+          <a:lstStyle>
+            <a:lvl1pPr>
+              <a:defRPr/>
+            </a:lvl1pPr>
+          </a:lstStyle>
           <a:p>
             <a:fld id="{650C6515-04D2-4B67-93FB-B05FA1BD6D8B}" type="slidenum">
               <a:rPr lang="de-DE" smtClean="0"/>
@@ -1704,7 +1686,7 @@
     </p:spTree>
     <p:extLst>
       <p:ext uri="{BB962C8B-B14F-4D97-AF65-F5344CB8AC3E}">
-        <p14:creationId xmlns:p14="http://schemas.microsoft.com/office/powerpoint/2010/main" val="2011109340"/>
+        <p14:creationId xmlns:p14="http://schemas.microsoft.com/office/powerpoint/2010/main" val="2441553485"/>
       </p:ext>
     </p:extLst>
   </p:cSld>
@@ -1714,9 +1696,9 @@
 </p:sldLayout>
 </file>
 
-<file path=ppt/slideLayouts/slideLayout2.xml><?xml version="1.0" encoding="utf-8"?>
-<p:sldLayout xmlns:a="http://schemas.openxmlformats.org/drawingml/2006/main" xmlns:r="http://schemas.openxmlformats.org/officeDocument/2006/relationships" xmlns:p="http://schemas.openxmlformats.org/presentationml/2006/main" type="obj" preserve="1">
-  <p:cSld name="Titel und Inhalt">
+<file path=ppt/slideLayouts/slideLayout10.xml><?xml version="1.0" encoding="utf-8"?>
+<p:sldLayout xmlns:a="http://schemas.openxmlformats.org/drawingml/2006/main" xmlns:r="http://schemas.openxmlformats.org/officeDocument/2006/relationships" xmlns:p="http://schemas.openxmlformats.org/presentationml/2006/main" type="vertTx" preserve="1">
+  <p:cSld name="Título y texto vertical">
     <p:spTree>
       <p:nvGrpSpPr>
         <p:cNvPr id="1" name=""/>
@@ -1733,7 +1715,7 @@
       </p:grpSpPr>
       <p:sp>
         <p:nvSpPr>
-          <p:cNvPr id="2" name="Titel 1"/>
+          <p:cNvPr id="2" name="1 Título"/>
           <p:cNvSpPr>
             <a:spLocks noGrp="1"/>
           </p:cNvSpPr>
@@ -1750,23 +1732,23 @@
               <a:rPr lang="de-DE" smtClean="0"/>
               <a:t>Titelmasterformat durch Klicken bearbeiten</a:t>
             </a:r>
-            <a:endParaRPr lang="de-DE"/>
-          </a:p>
-        </p:txBody>
-      </p:sp>
-      <p:sp>
-        <p:nvSpPr>
-          <p:cNvPr id="3" name="Inhaltsplatzhalter 2"/>
+            <a:endParaRPr lang="en-US"/>
+          </a:p>
+        </p:txBody>
+      </p:sp>
+      <p:sp>
+        <p:nvSpPr>
+          <p:cNvPr id="3" name="2 Marcador de texto vertical"/>
           <p:cNvSpPr>
             <a:spLocks noGrp="1"/>
           </p:cNvSpPr>
           <p:nvPr>
-            <p:ph idx="1"/>
+            <p:ph type="body" orient="vert" idx="1"/>
           </p:nvPr>
         </p:nvSpPr>
         <p:spPr/>
         <p:txBody>
-          <a:bodyPr/>
+          <a:bodyPr vert="eaVert"/>
           <a:lstStyle/>
           <a:p>
             <a:pPr lvl="0"/>
@@ -1802,28 +1784,34 @@
               <a:rPr lang="de-DE" smtClean="0"/>
               <a:t>Fünfte Ebene</a:t>
             </a:r>
-            <a:endParaRPr lang="de-DE"/>
-          </a:p>
-        </p:txBody>
-      </p:sp>
-      <p:sp>
-        <p:nvSpPr>
-          <p:cNvPr id="4" name="Datumsplatzhalter 3"/>
-          <p:cNvSpPr>
-            <a:spLocks noGrp="1"/>
+            <a:endParaRPr lang="en-US"/>
+          </a:p>
+        </p:txBody>
+      </p:sp>
+      <p:sp>
+        <p:nvSpPr>
+          <p:cNvPr id="4" name="Rectangle 4"/>
+          <p:cNvSpPr>
+            <a:spLocks noGrp="1" noChangeArrowheads="1"/>
           </p:cNvSpPr>
           <p:nvPr>
             <p:ph type="dt" sz="half" idx="10"/>
           </p:nvPr>
         </p:nvSpPr>
-        <p:spPr/>
-        <p:txBody>
-          <a:bodyPr/>
-          <a:lstStyle/>
+        <p:spPr>
+          <a:ln/>
+        </p:spPr>
+        <p:txBody>
+          <a:bodyPr/>
+          <a:lstStyle>
+            <a:lvl1pPr>
+              <a:defRPr/>
+            </a:lvl1pPr>
+          </a:lstStyle>
           <a:p>
             <a:fld id="{AA57E2F2-D16C-4543-AA4F-89E515367E7B}" type="datetimeFigureOut">
               <a:rPr lang="de-DE" smtClean="0"/>
-              <a:t>10.06.2015</a:t>
+              <a:t>11.06.2015</a:t>
             </a:fld>
             <a:endParaRPr lang="de-DE"/>
           </a:p>
@@ -1831,18 +1819,24 @@
       </p:sp>
       <p:sp>
         <p:nvSpPr>
-          <p:cNvPr id="5" name="Fußzeilenplatzhalter 4"/>
-          <p:cNvSpPr>
-            <a:spLocks noGrp="1"/>
+          <p:cNvPr id="5" name="Rectangle 5"/>
+          <p:cNvSpPr>
+            <a:spLocks noGrp="1" noChangeArrowheads="1"/>
           </p:cNvSpPr>
           <p:nvPr>
             <p:ph type="ftr" sz="quarter" idx="11"/>
           </p:nvPr>
         </p:nvSpPr>
-        <p:spPr/>
-        <p:txBody>
-          <a:bodyPr/>
-          <a:lstStyle/>
+        <p:spPr>
+          <a:ln/>
+        </p:spPr>
+        <p:txBody>
+          <a:bodyPr/>
+          <a:lstStyle>
+            <a:lvl1pPr>
+              <a:defRPr/>
+            </a:lvl1pPr>
+          </a:lstStyle>
           <a:p>
             <a:endParaRPr lang="de-DE"/>
           </a:p>
@@ -1850,18 +1844,24 @@
       </p:sp>
       <p:sp>
         <p:nvSpPr>
-          <p:cNvPr id="6" name="Foliennummernplatzhalter 5"/>
-          <p:cNvSpPr>
-            <a:spLocks noGrp="1"/>
+          <p:cNvPr id="6" name="Rectangle 6"/>
+          <p:cNvSpPr>
+            <a:spLocks noGrp="1" noChangeArrowheads="1"/>
           </p:cNvSpPr>
           <p:nvPr>
             <p:ph type="sldNum" sz="quarter" idx="12"/>
           </p:nvPr>
         </p:nvSpPr>
-        <p:spPr/>
-        <p:txBody>
-          <a:bodyPr/>
-          <a:lstStyle/>
+        <p:spPr>
+          <a:ln/>
+        </p:spPr>
+        <p:txBody>
+          <a:bodyPr/>
+          <a:lstStyle>
+            <a:lvl1pPr>
+              <a:defRPr/>
+            </a:lvl1pPr>
+          </a:lstStyle>
           <a:p>
             <a:fld id="{650C6515-04D2-4B67-93FB-B05FA1BD6D8B}" type="slidenum">
               <a:rPr lang="de-DE" smtClean="0"/>
@@ -1874,7 +1874,7 @@
     </p:spTree>
     <p:extLst>
       <p:ext uri="{BB962C8B-B14F-4D97-AF65-F5344CB8AC3E}">
-        <p14:creationId xmlns:p14="http://schemas.microsoft.com/office/powerpoint/2010/main" val="1323287542"/>
+        <p14:creationId xmlns:p14="http://schemas.microsoft.com/office/powerpoint/2010/main" val="740064397"/>
       </p:ext>
     </p:extLst>
   </p:cSld>
@@ -1884,9 +1884,9 @@
 </p:sldLayout>
 </file>
 
-<file path=ppt/slideLayouts/slideLayout3.xml><?xml version="1.0" encoding="utf-8"?>
-<p:sldLayout xmlns:a="http://schemas.openxmlformats.org/drawingml/2006/main" xmlns:r="http://schemas.openxmlformats.org/officeDocument/2006/relationships" xmlns:p="http://schemas.openxmlformats.org/presentationml/2006/main" type="secHead" preserve="1">
-  <p:cSld name="Abschnitts-&#10;überschrift">
+<file path=ppt/slideLayouts/slideLayout11.xml><?xml version="1.0" encoding="utf-8"?>
+<p:sldLayout xmlns:a="http://schemas.openxmlformats.org/drawingml/2006/main" xmlns:r="http://schemas.openxmlformats.org/officeDocument/2006/relationships" xmlns:p="http://schemas.openxmlformats.org/presentationml/2006/main" type="vertTitleAndTx" preserve="1">
+  <p:cSld name="Título vertical y texto">
     <p:spTree>
       <p:nvGrpSpPr>
         <p:cNvPr id="1" name=""/>
@@ -1903,173 +1903,113 @@
       </p:grpSpPr>
       <p:sp>
         <p:nvSpPr>
-          <p:cNvPr id="2" name="Titel 1"/>
+          <p:cNvPr id="2" name="1 Título vertical"/>
           <p:cNvSpPr>
             <a:spLocks noGrp="1"/>
           </p:cNvSpPr>
           <p:nvPr>
-            <p:ph type="title"/>
+            <p:ph type="title" orient="vert"/>
           </p:nvPr>
         </p:nvSpPr>
         <p:spPr>
           <a:xfrm>
-            <a:off x="831850" y="1709738"/>
-            <a:ext cx="10515600" cy="2852737"/>
+            <a:off x="8839200" y="274639"/>
+            <a:ext cx="2743200" cy="5851525"/>
           </a:xfrm>
         </p:spPr>
         <p:txBody>
-          <a:bodyPr anchor="b"/>
+          <a:bodyPr vert="eaVert"/>
+          <a:lstStyle/>
+          <a:p>
+            <a:r>
+              <a:rPr lang="de-DE" smtClean="0"/>
+              <a:t>Titelmasterformat durch Klicken bearbeiten</a:t>
+            </a:r>
+            <a:endParaRPr lang="en-US"/>
+          </a:p>
+        </p:txBody>
+      </p:sp>
+      <p:sp>
+        <p:nvSpPr>
+          <p:cNvPr id="3" name="2 Marcador de texto vertical"/>
+          <p:cNvSpPr>
+            <a:spLocks noGrp="1"/>
+          </p:cNvSpPr>
+          <p:nvPr>
+            <p:ph type="body" orient="vert" idx="1"/>
+          </p:nvPr>
+        </p:nvSpPr>
+        <p:spPr>
+          <a:xfrm>
+            <a:off x="609600" y="274639"/>
+            <a:ext cx="8026400" cy="5851525"/>
+          </a:xfrm>
+        </p:spPr>
+        <p:txBody>
+          <a:bodyPr vert="eaVert"/>
+          <a:lstStyle/>
+          <a:p>
+            <a:pPr lvl="0"/>
+            <a:r>
+              <a:rPr lang="de-DE" smtClean="0"/>
+              <a:t>Textmasterformat bearbeiten</a:t>
+            </a:r>
+          </a:p>
+          <a:p>
+            <a:pPr lvl="1"/>
+            <a:r>
+              <a:rPr lang="de-DE" smtClean="0"/>
+              <a:t>Zweite Ebene</a:t>
+            </a:r>
+          </a:p>
+          <a:p>
+            <a:pPr lvl="2"/>
+            <a:r>
+              <a:rPr lang="de-DE" smtClean="0"/>
+              <a:t>Dritte Ebene</a:t>
+            </a:r>
+          </a:p>
+          <a:p>
+            <a:pPr lvl="3"/>
+            <a:r>
+              <a:rPr lang="de-DE" smtClean="0"/>
+              <a:t>Vierte Ebene</a:t>
+            </a:r>
+          </a:p>
+          <a:p>
+            <a:pPr lvl="4"/>
+            <a:r>
+              <a:rPr lang="de-DE" smtClean="0"/>
+              <a:t>Fünfte Ebene</a:t>
+            </a:r>
+            <a:endParaRPr lang="en-US"/>
+          </a:p>
+        </p:txBody>
+      </p:sp>
+      <p:sp>
+        <p:nvSpPr>
+          <p:cNvPr id="4" name="Rectangle 4"/>
+          <p:cNvSpPr>
+            <a:spLocks noGrp="1" noChangeArrowheads="1"/>
+          </p:cNvSpPr>
+          <p:nvPr>
+            <p:ph type="dt" sz="half" idx="10"/>
+          </p:nvPr>
+        </p:nvSpPr>
+        <p:spPr>
+          <a:ln/>
+        </p:spPr>
+        <p:txBody>
+          <a:bodyPr/>
           <a:lstStyle>
             <a:lvl1pPr>
-              <a:defRPr sz="6000"/>
+              <a:defRPr/>
             </a:lvl1pPr>
           </a:lstStyle>
           <a:p>
-            <a:r>
-              <a:rPr lang="de-DE" smtClean="0"/>
-              <a:t>Titelmasterformat durch Klicken bearbeiten</a:t>
-            </a:r>
-            <a:endParaRPr lang="de-DE"/>
-          </a:p>
-        </p:txBody>
-      </p:sp>
-      <p:sp>
-        <p:nvSpPr>
-          <p:cNvPr id="3" name="Textplatzhalter 2"/>
-          <p:cNvSpPr>
-            <a:spLocks noGrp="1"/>
-          </p:cNvSpPr>
-          <p:nvPr>
-            <p:ph type="body" idx="1"/>
-          </p:nvPr>
-        </p:nvSpPr>
-        <p:spPr>
-          <a:xfrm>
-            <a:off x="831850" y="4589463"/>
-            <a:ext cx="10515600" cy="1500187"/>
-          </a:xfrm>
-        </p:spPr>
-        <p:txBody>
-          <a:bodyPr/>
-          <a:lstStyle>
-            <a:lvl1pPr marL="0" indent="0">
-              <a:buNone/>
-              <a:defRPr sz="2400">
-                <a:solidFill>
-                  <a:schemeClr val="tx1">
-                    <a:tint val="75000"/>
-                  </a:schemeClr>
-                </a:solidFill>
-              </a:defRPr>
-            </a:lvl1pPr>
-            <a:lvl2pPr marL="457200" indent="0">
-              <a:buNone/>
-              <a:defRPr sz="2000">
-                <a:solidFill>
-                  <a:schemeClr val="tx1">
-                    <a:tint val="75000"/>
-                  </a:schemeClr>
-                </a:solidFill>
-              </a:defRPr>
-            </a:lvl2pPr>
-            <a:lvl3pPr marL="914400" indent="0">
-              <a:buNone/>
-              <a:defRPr sz="1800">
-                <a:solidFill>
-                  <a:schemeClr val="tx1">
-                    <a:tint val="75000"/>
-                  </a:schemeClr>
-                </a:solidFill>
-              </a:defRPr>
-            </a:lvl3pPr>
-            <a:lvl4pPr marL="1371600" indent="0">
-              <a:buNone/>
-              <a:defRPr sz="1600">
-                <a:solidFill>
-                  <a:schemeClr val="tx1">
-                    <a:tint val="75000"/>
-                  </a:schemeClr>
-                </a:solidFill>
-              </a:defRPr>
-            </a:lvl4pPr>
-            <a:lvl5pPr marL="1828800" indent="0">
-              <a:buNone/>
-              <a:defRPr sz="1600">
-                <a:solidFill>
-                  <a:schemeClr val="tx1">
-                    <a:tint val="75000"/>
-                  </a:schemeClr>
-                </a:solidFill>
-              </a:defRPr>
-            </a:lvl5pPr>
-            <a:lvl6pPr marL="2286000" indent="0">
-              <a:buNone/>
-              <a:defRPr sz="1600">
-                <a:solidFill>
-                  <a:schemeClr val="tx1">
-                    <a:tint val="75000"/>
-                  </a:schemeClr>
-                </a:solidFill>
-              </a:defRPr>
-            </a:lvl6pPr>
-            <a:lvl7pPr marL="2743200" indent="0">
-              <a:buNone/>
-              <a:defRPr sz="1600">
-                <a:solidFill>
-                  <a:schemeClr val="tx1">
-                    <a:tint val="75000"/>
-                  </a:schemeClr>
-                </a:solidFill>
-              </a:defRPr>
-            </a:lvl7pPr>
-            <a:lvl8pPr marL="3200400" indent="0">
-              <a:buNone/>
-              <a:defRPr sz="1600">
-                <a:solidFill>
-                  <a:schemeClr val="tx1">
-                    <a:tint val="75000"/>
-                  </a:schemeClr>
-                </a:solidFill>
-              </a:defRPr>
-            </a:lvl8pPr>
-            <a:lvl9pPr marL="3657600" indent="0">
-              <a:buNone/>
-              <a:defRPr sz="1600">
-                <a:solidFill>
-                  <a:schemeClr val="tx1">
-                    <a:tint val="75000"/>
-                  </a:schemeClr>
-                </a:solidFill>
-              </a:defRPr>
-            </a:lvl9pPr>
-          </a:lstStyle>
-          <a:p>
-            <a:pPr lvl="0"/>
-            <a:r>
-              <a:rPr lang="de-DE" smtClean="0"/>
-              <a:t>Textmasterformat bearbeiten</a:t>
-            </a:r>
-          </a:p>
-        </p:txBody>
-      </p:sp>
-      <p:sp>
-        <p:nvSpPr>
-          <p:cNvPr id="4" name="Datumsplatzhalter 3"/>
-          <p:cNvSpPr>
-            <a:spLocks noGrp="1"/>
-          </p:cNvSpPr>
-          <p:nvPr>
-            <p:ph type="dt" sz="half" idx="10"/>
-          </p:nvPr>
-        </p:nvSpPr>
-        <p:spPr/>
-        <p:txBody>
-          <a:bodyPr/>
-          <a:lstStyle/>
-          <a:p>
             <a:fld id="{AA57E2F2-D16C-4543-AA4F-89E515367E7B}" type="datetimeFigureOut">
               <a:rPr lang="de-DE" smtClean="0"/>
-              <a:t>10.06.2015</a:t>
+              <a:t>11.06.2015</a:t>
             </a:fld>
             <a:endParaRPr lang="de-DE"/>
           </a:p>
@@ -2077,18 +2017,24 @@
       </p:sp>
       <p:sp>
         <p:nvSpPr>
-          <p:cNvPr id="5" name="Fußzeilenplatzhalter 4"/>
-          <p:cNvSpPr>
-            <a:spLocks noGrp="1"/>
+          <p:cNvPr id="5" name="Rectangle 5"/>
+          <p:cNvSpPr>
+            <a:spLocks noGrp="1" noChangeArrowheads="1"/>
           </p:cNvSpPr>
           <p:nvPr>
             <p:ph type="ftr" sz="quarter" idx="11"/>
           </p:nvPr>
         </p:nvSpPr>
-        <p:spPr/>
-        <p:txBody>
-          <a:bodyPr/>
-          <a:lstStyle/>
+        <p:spPr>
+          <a:ln/>
+        </p:spPr>
+        <p:txBody>
+          <a:bodyPr/>
+          <a:lstStyle>
+            <a:lvl1pPr>
+              <a:defRPr/>
+            </a:lvl1pPr>
+          </a:lstStyle>
           <a:p>
             <a:endParaRPr lang="de-DE"/>
           </a:p>
@@ -2096,18 +2042,24 @@
       </p:sp>
       <p:sp>
         <p:nvSpPr>
-          <p:cNvPr id="6" name="Foliennummernplatzhalter 5"/>
-          <p:cNvSpPr>
-            <a:spLocks noGrp="1"/>
+          <p:cNvPr id="6" name="Rectangle 6"/>
+          <p:cNvSpPr>
+            <a:spLocks noGrp="1" noChangeArrowheads="1"/>
           </p:cNvSpPr>
           <p:nvPr>
             <p:ph type="sldNum" sz="quarter" idx="12"/>
           </p:nvPr>
         </p:nvSpPr>
-        <p:spPr/>
-        <p:txBody>
-          <a:bodyPr/>
-          <a:lstStyle/>
+        <p:spPr>
+          <a:ln/>
+        </p:spPr>
+        <p:txBody>
+          <a:bodyPr/>
+          <a:lstStyle>
+            <a:lvl1pPr>
+              <a:defRPr/>
+            </a:lvl1pPr>
+          </a:lstStyle>
           <a:p>
             <a:fld id="{650C6515-04D2-4B67-93FB-B05FA1BD6D8B}" type="slidenum">
               <a:rPr lang="de-DE" smtClean="0"/>
@@ -2120,7 +2072,7 @@
     </p:spTree>
     <p:extLst>
       <p:ext uri="{BB962C8B-B14F-4D97-AF65-F5344CB8AC3E}">
-        <p14:creationId xmlns:p14="http://schemas.microsoft.com/office/powerpoint/2010/main" val="3687101926"/>
+        <p14:creationId xmlns:p14="http://schemas.microsoft.com/office/powerpoint/2010/main" val="4002597742"/>
       </p:ext>
     </p:extLst>
   </p:cSld>
@@ -2130,9 +2082,9 @@
 </p:sldLayout>
 </file>
 
-<file path=ppt/slideLayouts/slideLayout4.xml><?xml version="1.0" encoding="utf-8"?>
-<p:sldLayout xmlns:a="http://schemas.openxmlformats.org/drawingml/2006/main" xmlns:r="http://schemas.openxmlformats.org/officeDocument/2006/relationships" xmlns:p="http://schemas.openxmlformats.org/presentationml/2006/main" type="twoObj" preserve="1">
-  <p:cSld name="Zwei Inhalte">
+<file path=ppt/slideLayouts/slideLayout2.xml><?xml version="1.0" encoding="utf-8"?>
+<p:sldLayout xmlns:a="http://schemas.openxmlformats.org/drawingml/2006/main" xmlns:r="http://schemas.openxmlformats.org/officeDocument/2006/relationships" xmlns:p="http://schemas.openxmlformats.org/presentationml/2006/main" type="obj" preserve="1">
+  <p:cSld name="Título y objetos">
     <p:spTree>
       <p:nvGrpSpPr>
         <p:cNvPr id="1" name=""/>
@@ -2149,7 +2101,7 @@
       </p:grpSpPr>
       <p:sp>
         <p:nvSpPr>
-          <p:cNvPr id="2" name="Titel 1"/>
+          <p:cNvPr id="2" name="1 Título"/>
           <p:cNvSpPr>
             <a:spLocks noGrp="1"/>
           </p:cNvSpPr>
@@ -2166,142 +2118,86 @@
               <a:rPr lang="de-DE" smtClean="0"/>
               <a:t>Titelmasterformat durch Klicken bearbeiten</a:t>
             </a:r>
-            <a:endParaRPr lang="de-DE"/>
-          </a:p>
-        </p:txBody>
-      </p:sp>
-      <p:sp>
-        <p:nvSpPr>
-          <p:cNvPr id="3" name="Inhaltsplatzhalter 2"/>
+            <a:endParaRPr lang="en-US"/>
+          </a:p>
+        </p:txBody>
+      </p:sp>
+      <p:sp>
+        <p:nvSpPr>
+          <p:cNvPr id="3" name="2 Marcador de contenido"/>
           <p:cNvSpPr>
             <a:spLocks noGrp="1"/>
           </p:cNvSpPr>
           <p:nvPr>
-            <p:ph sz="half" idx="1"/>
+            <p:ph idx="1"/>
+          </p:nvPr>
+        </p:nvSpPr>
+        <p:spPr/>
+        <p:txBody>
+          <a:bodyPr/>
+          <a:lstStyle/>
+          <a:p>
+            <a:pPr lvl="0"/>
+            <a:r>
+              <a:rPr lang="de-DE" smtClean="0"/>
+              <a:t>Textmasterformat bearbeiten</a:t>
+            </a:r>
+          </a:p>
+          <a:p>
+            <a:pPr lvl="1"/>
+            <a:r>
+              <a:rPr lang="de-DE" smtClean="0"/>
+              <a:t>Zweite Ebene</a:t>
+            </a:r>
+          </a:p>
+          <a:p>
+            <a:pPr lvl="2"/>
+            <a:r>
+              <a:rPr lang="de-DE" smtClean="0"/>
+              <a:t>Dritte Ebene</a:t>
+            </a:r>
+          </a:p>
+          <a:p>
+            <a:pPr lvl="3"/>
+            <a:r>
+              <a:rPr lang="de-DE" smtClean="0"/>
+              <a:t>Vierte Ebene</a:t>
+            </a:r>
+          </a:p>
+          <a:p>
+            <a:pPr lvl="4"/>
+            <a:r>
+              <a:rPr lang="de-DE" smtClean="0"/>
+              <a:t>Fünfte Ebene</a:t>
+            </a:r>
+            <a:endParaRPr lang="en-US"/>
+          </a:p>
+        </p:txBody>
+      </p:sp>
+      <p:sp>
+        <p:nvSpPr>
+          <p:cNvPr id="4" name="Rectangle 4"/>
+          <p:cNvSpPr>
+            <a:spLocks noGrp="1" noChangeArrowheads="1"/>
+          </p:cNvSpPr>
+          <p:nvPr>
+            <p:ph type="dt" sz="half" idx="10"/>
           </p:nvPr>
         </p:nvSpPr>
         <p:spPr>
-          <a:xfrm>
-            <a:off x="838200" y="1825625"/>
-            <a:ext cx="5181600" cy="4351338"/>
-          </a:xfrm>
+          <a:ln/>
         </p:spPr>
         <p:txBody>
           <a:bodyPr/>
-          <a:lstStyle/>
-          <a:p>
-            <a:pPr lvl="0"/>
-            <a:r>
-              <a:rPr lang="de-DE" smtClean="0"/>
-              <a:t>Textmasterformat bearbeiten</a:t>
-            </a:r>
-          </a:p>
-          <a:p>
-            <a:pPr lvl="1"/>
-            <a:r>
-              <a:rPr lang="de-DE" smtClean="0"/>
-              <a:t>Zweite Ebene</a:t>
-            </a:r>
-          </a:p>
-          <a:p>
-            <a:pPr lvl="2"/>
-            <a:r>
-              <a:rPr lang="de-DE" smtClean="0"/>
-              <a:t>Dritte Ebene</a:t>
-            </a:r>
-          </a:p>
-          <a:p>
-            <a:pPr lvl="3"/>
-            <a:r>
-              <a:rPr lang="de-DE" smtClean="0"/>
-              <a:t>Vierte Ebene</a:t>
-            </a:r>
-          </a:p>
-          <a:p>
-            <a:pPr lvl="4"/>
-            <a:r>
-              <a:rPr lang="de-DE" smtClean="0"/>
-              <a:t>Fünfte Ebene</a:t>
-            </a:r>
-            <a:endParaRPr lang="de-DE"/>
-          </a:p>
-        </p:txBody>
-      </p:sp>
-      <p:sp>
-        <p:nvSpPr>
-          <p:cNvPr id="4" name="Inhaltsplatzhalter 3"/>
-          <p:cNvSpPr>
-            <a:spLocks noGrp="1"/>
-          </p:cNvSpPr>
-          <p:nvPr>
-            <p:ph sz="half" idx="2"/>
-          </p:nvPr>
-        </p:nvSpPr>
-        <p:spPr>
-          <a:xfrm>
-            <a:off x="6172200" y="1825625"/>
-            <a:ext cx="5181600" cy="4351338"/>
-          </a:xfrm>
-        </p:spPr>
-        <p:txBody>
-          <a:bodyPr/>
-          <a:lstStyle/>
-          <a:p>
-            <a:pPr lvl="0"/>
-            <a:r>
-              <a:rPr lang="de-DE" smtClean="0"/>
-              <a:t>Textmasterformat bearbeiten</a:t>
-            </a:r>
-          </a:p>
-          <a:p>
-            <a:pPr lvl="1"/>
-            <a:r>
-              <a:rPr lang="de-DE" smtClean="0"/>
-              <a:t>Zweite Ebene</a:t>
-            </a:r>
-          </a:p>
-          <a:p>
-            <a:pPr lvl="2"/>
-            <a:r>
-              <a:rPr lang="de-DE" smtClean="0"/>
-              <a:t>Dritte Ebene</a:t>
-            </a:r>
-          </a:p>
-          <a:p>
-            <a:pPr lvl="3"/>
-            <a:r>
-              <a:rPr lang="de-DE" smtClean="0"/>
-              <a:t>Vierte Ebene</a:t>
-            </a:r>
-          </a:p>
-          <a:p>
-            <a:pPr lvl="4"/>
-            <a:r>
-              <a:rPr lang="de-DE" smtClean="0"/>
-              <a:t>Fünfte Ebene</a:t>
-            </a:r>
-            <a:endParaRPr lang="de-DE"/>
-          </a:p>
-        </p:txBody>
-      </p:sp>
-      <p:sp>
-        <p:nvSpPr>
-          <p:cNvPr id="5" name="Datumsplatzhalter 4"/>
-          <p:cNvSpPr>
-            <a:spLocks noGrp="1"/>
-          </p:cNvSpPr>
-          <p:nvPr>
-            <p:ph type="dt" sz="half" idx="10"/>
-          </p:nvPr>
-        </p:nvSpPr>
-        <p:spPr/>
-        <p:txBody>
-          <a:bodyPr/>
-          <a:lstStyle/>
+          <a:lstStyle>
+            <a:lvl1pPr>
+              <a:defRPr/>
+            </a:lvl1pPr>
+          </a:lstStyle>
           <a:p>
             <a:fld id="{AA57E2F2-D16C-4543-AA4F-89E515367E7B}" type="datetimeFigureOut">
               <a:rPr lang="de-DE" smtClean="0"/>
-              <a:t>10.06.2015</a:t>
+              <a:t>11.06.2015</a:t>
             </a:fld>
             <a:endParaRPr lang="de-DE"/>
           </a:p>
@@ -2309,18 +2205,24 @@
       </p:sp>
       <p:sp>
         <p:nvSpPr>
-          <p:cNvPr id="6" name="Fußzeilenplatzhalter 5"/>
-          <p:cNvSpPr>
-            <a:spLocks noGrp="1"/>
+          <p:cNvPr id="5" name="Rectangle 5"/>
+          <p:cNvSpPr>
+            <a:spLocks noGrp="1" noChangeArrowheads="1"/>
           </p:cNvSpPr>
           <p:nvPr>
             <p:ph type="ftr" sz="quarter" idx="11"/>
           </p:nvPr>
         </p:nvSpPr>
-        <p:spPr/>
-        <p:txBody>
-          <a:bodyPr/>
-          <a:lstStyle/>
+        <p:spPr>
+          <a:ln/>
+        </p:spPr>
+        <p:txBody>
+          <a:bodyPr/>
+          <a:lstStyle>
+            <a:lvl1pPr>
+              <a:defRPr/>
+            </a:lvl1pPr>
+          </a:lstStyle>
           <a:p>
             <a:endParaRPr lang="de-DE"/>
           </a:p>
@@ -2328,18 +2230,24 @@
       </p:sp>
       <p:sp>
         <p:nvSpPr>
-          <p:cNvPr id="7" name="Foliennummernplatzhalter 6"/>
-          <p:cNvSpPr>
-            <a:spLocks noGrp="1"/>
+          <p:cNvPr id="6" name="Rectangle 6"/>
+          <p:cNvSpPr>
+            <a:spLocks noGrp="1" noChangeArrowheads="1"/>
           </p:cNvSpPr>
           <p:nvPr>
             <p:ph type="sldNum" sz="quarter" idx="12"/>
           </p:nvPr>
         </p:nvSpPr>
-        <p:spPr/>
-        <p:txBody>
-          <a:bodyPr/>
-          <a:lstStyle/>
+        <p:spPr>
+          <a:ln/>
+        </p:spPr>
+        <p:txBody>
+          <a:bodyPr/>
+          <a:lstStyle>
+            <a:lvl1pPr>
+              <a:defRPr/>
+            </a:lvl1pPr>
+          </a:lstStyle>
           <a:p>
             <a:fld id="{650C6515-04D2-4B67-93FB-B05FA1BD6D8B}" type="slidenum">
               <a:rPr lang="de-DE" smtClean="0"/>
@@ -2352,7 +2260,7 @@
     </p:spTree>
     <p:extLst>
       <p:ext uri="{BB962C8B-B14F-4D97-AF65-F5344CB8AC3E}">
-        <p14:creationId xmlns:p14="http://schemas.microsoft.com/office/powerpoint/2010/main" val="4221231325"/>
+        <p14:creationId xmlns:p14="http://schemas.microsoft.com/office/powerpoint/2010/main" val="3912921116"/>
       </p:ext>
     </p:extLst>
   </p:cSld>
@@ -2362,9 +2270,9 @@
 </p:sldLayout>
 </file>
 
-<file path=ppt/slideLayouts/slideLayout5.xml><?xml version="1.0" encoding="utf-8"?>
-<p:sldLayout xmlns:a="http://schemas.openxmlformats.org/drawingml/2006/main" xmlns:r="http://schemas.openxmlformats.org/officeDocument/2006/relationships" xmlns:p="http://schemas.openxmlformats.org/presentationml/2006/main" type="twoTxTwoObj" preserve="1">
-  <p:cSld name="Vergleich">
+<file path=ppt/slideLayouts/slideLayout3.xml><?xml version="1.0" encoding="utf-8"?>
+<p:sldLayout xmlns:a="http://schemas.openxmlformats.org/drawingml/2006/main" xmlns:r="http://schemas.openxmlformats.org/officeDocument/2006/relationships" xmlns:p="http://schemas.openxmlformats.org/presentationml/2006/main" type="secHead" preserve="1">
+  <p:cSld name="Encabezado de sección">
     <p:spTree>
       <p:nvGrpSpPr>
         <p:cNvPr id="1" name=""/>
@@ -2381,7 +2289,7 @@
       </p:grpSpPr>
       <p:sp>
         <p:nvSpPr>
-          <p:cNvPr id="2" name="Titel 1"/>
+          <p:cNvPr id="2" name="1 Título"/>
           <p:cNvSpPr>
             <a:spLocks noGrp="1"/>
           </p:cNvSpPr>
@@ -2391,25 +2299,29 @@
         </p:nvSpPr>
         <p:spPr>
           <a:xfrm>
-            <a:off x="839788" y="365125"/>
-            <a:ext cx="10515600" cy="1325563"/>
+            <a:off x="963084" y="4406901"/>
+            <a:ext cx="10363200" cy="1362075"/>
           </a:xfrm>
         </p:spPr>
         <p:txBody>
-          <a:bodyPr/>
-          <a:lstStyle/>
+          <a:bodyPr anchor="t"/>
+          <a:lstStyle>
+            <a:lvl1pPr algn="l">
+              <a:defRPr sz="4000" b="1" cap="all"/>
+            </a:lvl1pPr>
+          </a:lstStyle>
           <a:p>
             <a:r>
               <a:rPr lang="de-DE" smtClean="0"/>
               <a:t>Titelmasterformat durch Klicken bearbeiten</a:t>
             </a:r>
-            <a:endParaRPr lang="de-DE"/>
-          </a:p>
-        </p:txBody>
-      </p:sp>
-      <p:sp>
-        <p:nvSpPr>
-          <p:cNvPr id="3" name="Textplatzhalter 2"/>
+            <a:endParaRPr lang="en-US"/>
+          </a:p>
+        </p:txBody>
+      </p:sp>
+      <p:sp>
+        <p:nvSpPr>
+          <p:cNvPr id="3" name="2 Marcador de texto"/>
           <p:cNvSpPr>
             <a:spLocks noGrp="1"/>
           </p:cNvSpPr>
@@ -2419,8 +2331,519 @@
         </p:nvSpPr>
         <p:spPr>
           <a:xfrm>
-            <a:off x="839788" y="1681163"/>
-            <a:ext cx="5157787" cy="823912"/>
+            <a:off x="963084" y="2906713"/>
+            <a:ext cx="10363200" cy="1500187"/>
+          </a:xfrm>
+        </p:spPr>
+        <p:txBody>
+          <a:bodyPr anchor="b"/>
+          <a:lstStyle>
+            <a:lvl1pPr marL="0" indent="0">
+              <a:buNone/>
+              <a:defRPr sz="2000"/>
+            </a:lvl1pPr>
+            <a:lvl2pPr marL="457200" indent="0">
+              <a:buNone/>
+              <a:defRPr sz="1800"/>
+            </a:lvl2pPr>
+            <a:lvl3pPr marL="914400" indent="0">
+              <a:buNone/>
+              <a:defRPr sz="1600"/>
+            </a:lvl3pPr>
+            <a:lvl4pPr marL="1371600" indent="0">
+              <a:buNone/>
+              <a:defRPr sz="1400"/>
+            </a:lvl4pPr>
+            <a:lvl5pPr marL="1828800" indent="0">
+              <a:buNone/>
+              <a:defRPr sz="1400"/>
+            </a:lvl5pPr>
+            <a:lvl6pPr marL="2286000" indent="0">
+              <a:buNone/>
+              <a:defRPr sz="1400"/>
+            </a:lvl6pPr>
+            <a:lvl7pPr marL="2743200" indent="0">
+              <a:buNone/>
+              <a:defRPr sz="1400"/>
+            </a:lvl7pPr>
+            <a:lvl8pPr marL="3200400" indent="0">
+              <a:buNone/>
+              <a:defRPr sz="1400"/>
+            </a:lvl8pPr>
+            <a:lvl9pPr marL="3657600" indent="0">
+              <a:buNone/>
+              <a:defRPr sz="1400"/>
+            </a:lvl9pPr>
+          </a:lstStyle>
+          <a:p>
+            <a:pPr lvl="0"/>
+            <a:r>
+              <a:rPr lang="de-DE" smtClean="0"/>
+              <a:t>Textmasterformat bearbeiten</a:t>
+            </a:r>
+          </a:p>
+        </p:txBody>
+      </p:sp>
+      <p:sp>
+        <p:nvSpPr>
+          <p:cNvPr id="4" name="Rectangle 4"/>
+          <p:cNvSpPr>
+            <a:spLocks noGrp="1" noChangeArrowheads="1"/>
+          </p:cNvSpPr>
+          <p:nvPr>
+            <p:ph type="dt" sz="half" idx="10"/>
+          </p:nvPr>
+        </p:nvSpPr>
+        <p:spPr>
+          <a:ln/>
+        </p:spPr>
+        <p:txBody>
+          <a:bodyPr/>
+          <a:lstStyle>
+            <a:lvl1pPr>
+              <a:defRPr/>
+            </a:lvl1pPr>
+          </a:lstStyle>
+          <a:p>
+            <a:fld id="{AA57E2F2-D16C-4543-AA4F-89E515367E7B}" type="datetimeFigureOut">
+              <a:rPr lang="de-DE" smtClean="0"/>
+              <a:t>11.06.2015</a:t>
+            </a:fld>
+            <a:endParaRPr lang="de-DE"/>
+          </a:p>
+        </p:txBody>
+      </p:sp>
+      <p:sp>
+        <p:nvSpPr>
+          <p:cNvPr id="5" name="Rectangle 5"/>
+          <p:cNvSpPr>
+            <a:spLocks noGrp="1" noChangeArrowheads="1"/>
+          </p:cNvSpPr>
+          <p:nvPr>
+            <p:ph type="ftr" sz="quarter" idx="11"/>
+          </p:nvPr>
+        </p:nvSpPr>
+        <p:spPr>
+          <a:ln/>
+        </p:spPr>
+        <p:txBody>
+          <a:bodyPr/>
+          <a:lstStyle>
+            <a:lvl1pPr>
+              <a:defRPr/>
+            </a:lvl1pPr>
+          </a:lstStyle>
+          <a:p>
+            <a:endParaRPr lang="de-DE"/>
+          </a:p>
+        </p:txBody>
+      </p:sp>
+      <p:sp>
+        <p:nvSpPr>
+          <p:cNvPr id="6" name="Rectangle 6"/>
+          <p:cNvSpPr>
+            <a:spLocks noGrp="1" noChangeArrowheads="1"/>
+          </p:cNvSpPr>
+          <p:nvPr>
+            <p:ph type="sldNum" sz="quarter" idx="12"/>
+          </p:nvPr>
+        </p:nvSpPr>
+        <p:spPr>
+          <a:ln/>
+        </p:spPr>
+        <p:txBody>
+          <a:bodyPr/>
+          <a:lstStyle>
+            <a:lvl1pPr>
+              <a:defRPr/>
+            </a:lvl1pPr>
+          </a:lstStyle>
+          <a:p>
+            <a:fld id="{650C6515-04D2-4B67-93FB-B05FA1BD6D8B}" type="slidenum">
+              <a:rPr lang="de-DE" smtClean="0"/>
+              <a:t>‹Nr.›</a:t>
+            </a:fld>
+            <a:endParaRPr lang="de-DE"/>
+          </a:p>
+        </p:txBody>
+      </p:sp>
+    </p:spTree>
+    <p:extLst>
+      <p:ext uri="{BB962C8B-B14F-4D97-AF65-F5344CB8AC3E}">
+        <p14:creationId xmlns:p14="http://schemas.microsoft.com/office/powerpoint/2010/main" val="2459015300"/>
+      </p:ext>
+    </p:extLst>
+  </p:cSld>
+  <p:clrMapOvr>
+    <a:masterClrMapping/>
+  </p:clrMapOvr>
+</p:sldLayout>
+</file>
+
+<file path=ppt/slideLayouts/slideLayout4.xml><?xml version="1.0" encoding="utf-8"?>
+<p:sldLayout xmlns:a="http://schemas.openxmlformats.org/drawingml/2006/main" xmlns:r="http://schemas.openxmlformats.org/officeDocument/2006/relationships" xmlns:p="http://schemas.openxmlformats.org/presentationml/2006/main" type="twoObj" preserve="1">
+  <p:cSld name="Dos objetos">
+    <p:spTree>
+      <p:nvGrpSpPr>
+        <p:cNvPr id="1" name=""/>
+        <p:cNvGrpSpPr/>
+        <p:nvPr/>
+      </p:nvGrpSpPr>
+      <p:grpSpPr>
+        <a:xfrm>
+          <a:off x="0" y="0"/>
+          <a:ext cx="0" cy="0"/>
+          <a:chOff x="0" y="0"/>
+          <a:chExt cx="0" cy="0"/>
+        </a:xfrm>
+      </p:grpSpPr>
+      <p:sp>
+        <p:nvSpPr>
+          <p:cNvPr id="2" name="1 Título"/>
+          <p:cNvSpPr>
+            <a:spLocks noGrp="1"/>
+          </p:cNvSpPr>
+          <p:nvPr>
+            <p:ph type="title"/>
+          </p:nvPr>
+        </p:nvSpPr>
+        <p:spPr/>
+        <p:txBody>
+          <a:bodyPr/>
+          <a:lstStyle/>
+          <a:p>
+            <a:r>
+              <a:rPr lang="de-DE" smtClean="0"/>
+              <a:t>Titelmasterformat durch Klicken bearbeiten</a:t>
+            </a:r>
+            <a:endParaRPr lang="en-US"/>
+          </a:p>
+        </p:txBody>
+      </p:sp>
+      <p:sp>
+        <p:nvSpPr>
+          <p:cNvPr id="3" name="2 Marcador de contenido"/>
+          <p:cNvSpPr>
+            <a:spLocks noGrp="1"/>
+          </p:cNvSpPr>
+          <p:nvPr>
+            <p:ph sz="half" idx="1"/>
+          </p:nvPr>
+        </p:nvSpPr>
+        <p:spPr>
+          <a:xfrm>
+            <a:off x="609600" y="1600201"/>
+            <a:ext cx="5384800" cy="4525963"/>
+          </a:xfrm>
+        </p:spPr>
+        <p:txBody>
+          <a:bodyPr/>
+          <a:lstStyle>
+            <a:lvl1pPr>
+              <a:defRPr sz="2800"/>
+            </a:lvl1pPr>
+            <a:lvl2pPr>
+              <a:defRPr sz="2400"/>
+            </a:lvl2pPr>
+            <a:lvl3pPr>
+              <a:defRPr sz="2000"/>
+            </a:lvl3pPr>
+            <a:lvl4pPr>
+              <a:defRPr sz="1800"/>
+            </a:lvl4pPr>
+            <a:lvl5pPr>
+              <a:defRPr sz="1800"/>
+            </a:lvl5pPr>
+            <a:lvl6pPr>
+              <a:defRPr sz="1800"/>
+            </a:lvl6pPr>
+            <a:lvl7pPr>
+              <a:defRPr sz="1800"/>
+            </a:lvl7pPr>
+            <a:lvl8pPr>
+              <a:defRPr sz="1800"/>
+            </a:lvl8pPr>
+            <a:lvl9pPr>
+              <a:defRPr sz="1800"/>
+            </a:lvl9pPr>
+          </a:lstStyle>
+          <a:p>
+            <a:pPr lvl="0"/>
+            <a:r>
+              <a:rPr lang="de-DE" smtClean="0"/>
+              <a:t>Textmasterformat bearbeiten</a:t>
+            </a:r>
+          </a:p>
+          <a:p>
+            <a:pPr lvl="1"/>
+            <a:r>
+              <a:rPr lang="de-DE" smtClean="0"/>
+              <a:t>Zweite Ebene</a:t>
+            </a:r>
+          </a:p>
+          <a:p>
+            <a:pPr lvl="2"/>
+            <a:r>
+              <a:rPr lang="de-DE" smtClean="0"/>
+              <a:t>Dritte Ebene</a:t>
+            </a:r>
+          </a:p>
+          <a:p>
+            <a:pPr lvl="3"/>
+            <a:r>
+              <a:rPr lang="de-DE" smtClean="0"/>
+              <a:t>Vierte Ebene</a:t>
+            </a:r>
+          </a:p>
+          <a:p>
+            <a:pPr lvl="4"/>
+            <a:r>
+              <a:rPr lang="de-DE" smtClean="0"/>
+              <a:t>Fünfte Ebene</a:t>
+            </a:r>
+            <a:endParaRPr lang="en-US"/>
+          </a:p>
+        </p:txBody>
+      </p:sp>
+      <p:sp>
+        <p:nvSpPr>
+          <p:cNvPr id="4" name="3 Marcador de contenido"/>
+          <p:cNvSpPr>
+            <a:spLocks noGrp="1"/>
+          </p:cNvSpPr>
+          <p:nvPr>
+            <p:ph sz="half" idx="2"/>
+          </p:nvPr>
+        </p:nvSpPr>
+        <p:spPr>
+          <a:xfrm>
+            <a:off x="6197600" y="1600201"/>
+            <a:ext cx="5384800" cy="4525963"/>
+          </a:xfrm>
+        </p:spPr>
+        <p:txBody>
+          <a:bodyPr/>
+          <a:lstStyle>
+            <a:lvl1pPr>
+              <a:defRPr sz="2800"/>
+            </a:lvl1pPr>
+            <a:lvl2pPr>
+              <a:defRPr sz="2400"/>
+            </a:lvl2pPr>
+            <a:lvl3pPr>
+              <a:defRPr sz="2000"/>
+            </a:lvl3pPr>
+            <a:lvl4pPr>
+              <a:defRPr sz="1800"/>
+            </a:lvl4pPr>
+            <a:lvl5pPr>
+              <a:defRPr sz="1800"/>
+            </a:lvl5pPr>
+            <a:lvl6pPr>
+              <a:defRPr sz="1800"/>
+            </a:lvl6pPr>
+            <a:lvl7pPr>
+              <a:defRPr sz="1800"/>
+            </a:lvl7pPr>
+            <a:lvl8pPr>
+              <a:defRPr sz="1800"/>
+            </a:lvl8pPr>
+            <a:lvl9pPr>
+              <a:defRPr sz="1800"/>
+            </a:lvl9pPr>
+          </a:lstStyle>
+          <a:p>
+            <a:pPr lvl="0"/>
+            <a:r>
+              <a:rPr lang="de-DE" smtClean="0"/>
+              <a:t>Textmasterformat bearbeiten</a:t>
+            </a:r>
+          </a:p>
+          <a:p>
+            <a:pPr lvl="1"/>
+            <a:r>
+              <a:rPr lang="de-DE" smtClean="0"/>
+              <a:t>Zweite Ebene</a:t>
+            </a:r>
+          </a:p>
+          <a:p>
+            <a:pPr lvl="2"/>
+            <a:r>
+              <a:rPr lang="de-DE" smtClean="0"/>
+              <a:t>Dritte Ebene</a:t>
+            </a:r>
+          </a:p>
+          <a:p>
+            <a:pPr lvl="3"/>
+            <a:r>
+              <a:rPr lang="de-DE" smtClean="0"/>
+              <a:t>Vierte Ebene</a:t>
+            </a:r>
+          </a:p>
+          <a:p>
+            <a:pPr lvl="4"/>
+            <a:r>
+              <a:rPr lang="de-DE" smtClean="0"/>
+              <a:t>Fünfte Ebene</a:t>
+            </a:r>
+            <a:endParaRPr lang="en-US"/>
+          </a:p>
+        </p:txBody>
+      </p:sp>
+      <p:sp>
+        <p:nvSpPr>
+          <p:cNvPr id="5" name="Rectangle 4"/>
+          <p:cNvSpPr>
+            <a:spLocks noGrp="1" noChangeArrowheads="1"/>
+          </p:cNvSpPr>
+          <p:nvPr>
+            <p:ph type="dt" sz="half" idx="10"/>
+          </p:nvPr>
+        </p:nvSpPr>
+        <p:spPr>
+          <a:ln/>
+        </p:spPr>
+        <p:txBody>
+          <a:bodyPr/>
+          <a:lstStyle>
+            <a:lvl1pPr>
+              <a:defRPr/>
+            </a:lvl1pPr>
+          </a:lstStyle>
+          <a:p>
+            <a:fld id="{AA57E2F2-D16C-4543-AA4F-89E515367E7B}" type="datetimeFigureOut">
+              <a:rPr lang="de-DE" smtClean="0"/>
+              <a:t>11.06.2015</a:t>
+            </a:fld>
+            <a:endParaRPr lang="de-DE"/>
+          </a:p>
+        </p:txBody>
+      </p:sp>
+      <p:sp>
+        <p:nvSpPr>
+          <p:cNvPr id="6" name="Rectangle 5"/>
+          <p:cNvSpPr>
+            <a:spLocks noGrp="1" noChangeArrowheads="1"/>
+          </p:cNvSpPr>
+          <p:nvPr>
+            <p:ph type="ftr" sz="quarter" idx="11"/>
+          </p:nvPr>
+        </p:nvSpPr>
+        <p:spPr>
+          <a:ln/>
+        </p:spPr>
+        <p:txBody>
+          <a:bodyPr/>
+          <a:lstStyle>
+            <a:lvl1pPr>
+              <a:defRPr/>
+            </a:lvl1pPr>
+          </a:lstStyle>
+          <a:p>
+            <a:endParaRPr lang="de-DE"/>
+          </a:p>
+        </p:txBody>
+      </p:sp>
+      <p:sp>
+        <p:nvSpPr>
+          <p:cNvPr id="7" name="Rectangle 6"/>
+          <p:cNvSpPr>
+            <a:spLocks noGrp="1" noChangeArrowheads="1"/>
+          </p:cNvSpPr>
+          <p:nvPr>
+            <p:ph type="sldNum" sz="quarter" idx="12"/>
+          </p:nvPr>
+        </p:nvSpPr>
+        <p:spPr>
+          <a:ln/>
+        </p:spPr>
+        <p:txBody>
+          <a:bodyPr/>
+          <a:lstStyle>
+            <a:lvl1pPr>
+              <a:defRPr/>
+            </a:lvl1pPr>
+          </a:lstStyle>
+          <a:p>
+            <a:fld id="{650C6515-04D2-4B67-93FB-B05FA1BD6D8B}" type="slidenum">
+              <a:rPr lang="de-DE" smtClean="0"/>
+              <a:t>‹Nr.›</a:t>
+            </a:fld>
+            <a:endParaRPr lang="de-DE"/>
+          </a:p>
+        </p:txBody>
+      </p:sp>
+    </p:spTree>
+    <p:extLst>
+      <p:ext uri="{BB962C8B-B14F-4D97-AF65-F5344CB8AC3E}">
+        <p14:creationId xmlns:p14="http://schemas.microsoft.com/office/powerpoint/2010/main" val="3386644552"/>
+      </p:ext>
+    </p:extLst>
+  </p:cSld>
+  <p:clrMapOvr>
+    <a:masterClrMapping/>
+  </p:clrMapOvr>
+</p:sldLayout>
+</file>
+
+<file path=ppt/slideLayouts/slideLayout5.xml><?xml version="1.0" encoding="utf-8"?>
+<p:sldLayout xmlns:a="http://schemas.openxmlformats.org/drawingml/2006/main" xmlns:r="http://schemas.openxmlformats.org/officeDocument/2006/relationships" xmlns:p="http://schemas.openxmlformats.org/presentationml/2006/main" type="twoTxTwoObj" preserve="1">
+  <p:cSld name="Comparación">
+    <p:spTree>
+      <p:nvGrpSpPr>
+        <p:cNvPr id="1" name=""/>
+        <p:cNvGrpSpPr/>
+        <p:nvPr/>
+      </p:nvGrpSpPr>
+      <p:grpSpPr>
+        <a:xfrm>
+          <a:off x="0" y="0"/>
+          <a:ext cx="0" cy="0"/>
+          <a:chOff x="0" y="0"/>
+          <a:chExt cx="0" cy="0"/>
+        </a:xfrm>
+      </p:grpSpPr>
+      <p:sp>
+        <p:nvSpPr>
+          <p:cNvPr id="2" name="1 Título"/>
+          <p:cNvSpPr>
+            <a:spLocks noGrp="1"/>
+          </p:cNvSpPr>
+          <p:nvPr>
+            <p:ph type="title"/>
+          </p:nvPr>
+        </p:nvSpPr>
+        <p:spPr/>
+        <p:txBody>
+          <a:bodyPr/>
+          <a:lstStyle>
+            <a:lvl1pPr>
+              <a:defRPr/>
+            </a:lvl1pPr>
+          </a:lstStyle>
+          <a:p>
+            <a:r>
+              <a:rPr lang="de-DE" smtClean="0"/>
+              <a:t>Titelmasterformat durch Klicken bearbeiten</a:t>
+            </a:r>
+            <a:endParaRPr lang="en-US"/>
+          </a:p>
+        </p:txBody>
+      </p:sp>
+      <p:sp>
+        <p:nvSpPr>
+          <p:cNvPr id="3" name="2 Marcador de texto"/>
+          <p:cNvSpPr>
+            <a:spLocks noGrp="1"/>
+          </p:cNvSpPr>
+          <p:nvPr>
+            <p:ph type="body" idx="1"/>
+          </p:nvPr>
+        </p:nvSpPr>
+        <p:spPr>
+          <a:xfrm>
+            <a:off x="609600" y="1535113"/>
+            <a:ext cx="5386917" cy="639762"/>
           </a:xfrm>
         </p:spPr>
         <p:txBody>
@@ -2474,7 +2897,7 @@
       </p:sp>
       <p:sp>
         <p:nvSpPr>
-          <p:cNvPr id="4" name="Inhaltsplatzhalter 3"/>
+          <p:cNvPr id="4" name="3 Marcador de contenido"/>
           <p:cNvSpPr>
             <a:spLocks noGrp="1"/>
           </p:cNvSpPr>
@@ -2484,13 +2907,41 @@
         </p:nvSpPr>
         <p:spPr>
           <a:xfrm>
-            <a:off x="839788" y="2505075"/>
-            <a:ext cx="5157787" cy="3684588"/>
+            <a:off x="609600" y="2174875"/>
+            <a:ext cx="5386917" cy="3951288"/>
           </a:xfrm>
         </p:spPr>
         <p:txBody>
           <a:bodyPr/>
-          <a:lstStyle/>
+          <a:lstStyle>
+            <a:lvl1pPr>
+              <a:defRPr sz="2400"/>
+            </a:lvl1pPr>
+            <a:lvl2pPr>
+              <a:defRPr sz="2000"/>
+            </a:lvl2pPr>
+            <a:lvl3pPr>
+              <a:defRPr sz="1800"/>
+            </a:lvl3pPr>
+            <a:lvl4pPr>
+              <a:defRPr sz="1600"/>
+            </a:lvl4pPr>
+            <a:lvl5pPr>
+              <a:defRPr sz="1600"/>
+            </a:lvl5pPr>
+            <a:lvl6pPr>
+              <a:defRPr sz="1600"/>
+            </a:lvl6pPr>
+            <a:lvl7pPr>
+              <a:defRPr sz="1600"/>
+            </a:lvl7pPr>
+            <a:lvl8pPr>
+              <a:defRPr sz="1600"/>
+            </a:lvl8pPr>
+            <a:lvl9pPr>
+              <a:defRPr sz="1600"/>
+            </a:lvl9pPr>
+          </a:lstStyle>
           <a:p>
             <a:pPr lvl="0"/>
             <a:r>
@@ -2525,13 +2976,13 @@
               <a:rPr lang="de-DE" smtClean="0"/>
               <a:t>Fünfte Ebene</a:t>
             </a:r>
-            <a:endParaRPr lang="de-DE"/>
-          </a:p>
-        </p:txBody>
-      </p:sp>
-      <p:sp>
-        <p:nvSpPr>
-          <p:cNvPr id="5" name="Textplatzhalter 4"/>
+            <a:endParaRPr lang="en-US"/>
+          </a:p>
+        </p:txBody>
+      </p:sp>
+      <p:sp>
+        <p:nvSpPr>
+          <p:cNvPr id="5" name="4 Marcador de texto"/>
           <p:cNvSpPr>
             <a:spLocks noGrp="1"/>
           </p:cNvSpPr>
@@ -2541,8 +2992,8 @@
         </p:nvSpPr>
         <p:spPr>
           <a:xfrm>
-            <a:off x="6172200" y="1681163"/>
-            <a:ext cx="5183188" cy="823912"/>
+            <a:off x="6193368" y="1535113"/>
+            <a:ext cx="5389033" cy="639762"/>
           </a:xfrm>
         </p:spPr>
         <p:txBody>
@@ -2596,7 +3047,7 @@
       </p:sp>
       <p:sp>
         <p:nvSpPr>
-          <p:cNvPr id="6" name="Inhaltsplatzhalter 5"/>
+          <p:cNvPr id="6" name="5 Marcador de contenido"/>
           <p:cNvSpPr>
             <a:spLocks noGrp="1"/>
           </p:cNvSpPr>
@@ -2606,13 +3057,41 @@
         </p:nvSpPr>
         <p:spPr>
           <a:xfrm>
-            <a:off x="6172200" y="2505075"/>
-            <a:ext cx="5183188" cy="3684588"/>
+            <a:off x="6193368" y="2174875"/>
+            <a:ext cx="5389033" cy="3951288"/>
           </a:xfrm>
         </p:spPr>
         <p:txBody>
           <a:bodyPr/>
-          <a:lstStyle/>
+          <a:lstStyle>
+            <a:lvl1pPr>
+              <a:defRPr sz="2400"/>
+            </a:lvl1pPr>
+            <a:lvl2pPr>
+              <a:defRPr sz="2000"/>
+            </a:lvl2pPr>
+            <a:lvl3pPr>
+              <a:defRPr sz="1800"/>
+            </a:lvl3pPr>
+            <a:lvl4pPr>
+              <a:defRPr sz="1600"/>
+            </a:lvl4pPr>
+            <a:lvl5pPr>
+              <a:defRPr sz="1600"/>
+            </a:lvl5pPr>
+            <a:lvl6pPr>
+              <a:defRPr sz="1600"/>
+            </a:lvl6pPr>
+            <a:lvl7pPr>
+              <a:defRPr sz="1600"/>
+            </a:lvl7pPr>
+            <a:lvl8pPr>
+              <a:defRPr sz="1600"/>
+            </a:lvl8pPr>
+            <a:lvl9pPr>
+              <a:defRPr sz="1600"/>
+            </a:lvl9pPr>
+          </a:lstStyle>
           <a:p>
             <a:pPr lvl="0"/>
             <a:r>
@@ -2647,28 +3126,34 @@
               <a:rPr lang="de-DE" smtClean="0"/>
               <a:t>Fünfte Ebene</a:t>
             </a:r>
-            <a:endParaRPr lang="de-DE"/>
-          </a:p>
-        </p:txBody>
-      </p:sp>
-      <p:sp>
-        <p:nvSpPr>
-          <p:cNvPr id="7" name="Datumsplatzhalter 6"/>
-          <p:cNvSpPr>
-            <a:spLocks noGrp="1"/>
+            <a:endParaRPr lang="en-US"/>
+          </a:p>
+        </p:txBody>
+      </p:sp>
+      <p:sp>
+        <p:nvSpPr>
+          <p:cNvPr id="7" name="Rectangle 4"/>
+          <p:cNvSpPr>
+            <a:spLocks noGrp="1" noChangeArrowheads="1"/>
           </p:cNvSpPr>
           <p:nvPr>
             <p:ph type="dt" sz="half" idx="10"/>
           </p:nvPr>
         </p:nvSpPr>
-        <p:spPr/>
-        <p:txBody>
-          <a:bodyPr/>
-          <a:lstStyle/>
+        <p:spPr>
+          <a:ln/>
+        </p:spPr>
+        <p:txBody>
+          <a:bodyPr/>
+          <a:lstStyle>
+            <a:lvl1pPr>
+              <a:defRPr/>
+            </a:lvl1pPr>
+          </a:lstStyle>
           <a:p>
             <a:fld id="{AA57E2F2-D16C-4543-AA4F-89E515367E7B}" type="datetimeFigureOut">
               <a:rPr lang="de-DE" smtClean="0"/>
-              <a:t>10.06.2015</a:t>
+              <a:t>11.06.2015</a:t>
             </a:fld>
             <a:endParaRPr lang="de-DE"/>
           </a:p>
@@ -2676,18 +3161,24 @@
       </p:sp>
       <p:sp>
         <p:nvSpPr>
-          <p:cNvPr id="8" name="Fußzeilenplatzhalter 7"/>
-          <p:cNvSpPr>
-            <a:spLocks noGrp="1"/>
+          <p:cNvPr id="8" name="Rectangle 5"/>
+          <p:cNvSpPr>
+            <a:spLocks noGrp="1" noChangeArrowheads="1"/>
           </p:cNvSpPr>
           <p:nvPr>
             <p:ph type="ftr" sz="quarter" idx="11"/>
           </p:nvPr>
         </p:nvSpPr>
-        <p:spPr/>
-        <p:txBody>
-          <a:bodyPr/>
-          <a:lstStyle/>
+        <p:spPr>
+          <a:ln/>
+        </p:spPr>
+        <p:txBody>
+          <a:bodyPr/>
+          <a:lstStyle>
+            <a:lvl1pPr>
+              <a:defRPr/>
+            </a:lvl1pPr>
+          </a:lstStyle>
           <a:p>
             <a:endParaRPr lang="de-DE"/>
           </a:p>
@@ -2695,18 +3186,24 @@
       </p:sp>
       <p:sp>
         <p:nvSpPr>
-          <p:cNvPr id="9" name="Foliennummernplatzhalter 8"/>
-          <p:cNvSpPr>
-            <a:spLocks noGrp="1"/>
+          <p:cNvPr id="9" name="Rectangle 6"/>
+          <p:cNvSpPr>
+            <a:spLocks noGrp="1" noChangeArrowheads="1"/>
           </p:cNvSpPr>
           <p:nvPr>
             <p:ph type="sldNum" sz="quarter" idx="12"/>
           </p:nvPr>
         </p:nvSpPr>
-        <p:spPr/>
-        <p:txBody>
-          <a:bodyPr/>
-          <a:lstStyle/>
+        <p:spPr>
+          <a:ln/>
+        </p:spPr>
+        <p:txBody>
+          <a:bodyPr/>
+          <a:lstStyle>
+            <a:lvl1pPr>
+              <a:defRPr/>
+            </a:lvl1pPr>
+          </a:lstStyle>
           <a:p>
             <a:fld id="{650C6515-04D2-4B67-93FB-B05FA1BD6D8B}" type="slidenum">
               <a:rPr lang="de-DE" smtClean="0"/>
@@ -2719,7 +3216,7 @@
     </p:spTree>
     <p:extLst>
       <p:ext uri="{BB962C8B-B14F-4D97-AF65-F5344CB8AC3E}">
-        <p14:creationId xmlns:p14="http://schemas.microsoft.com/office/powerpoint/2010/main" val="4294726344"/>
+        <p14:creationId xmlns:p14="http://schemas.microsoft.com/office/powerpoint/2010/main" val="2950230706"/>
       </p:ext>
     </p:extLst>
   </p:cSld>
@@ -2731,7 +3228,7 @@
 
 <file path=ppt/slideLayouts/slideLayout6.xml><?xml version="1.0" encoding="utf-8"?>
 <p:sldLayout xmlns:a="http://schemas.openxmlformats.org/drawingml/2006/main" xmlns:r="http://schemas.openxmlformats.org/officeDocument/2006/relationships" xmlns:p="http://schemas.openxmlformats.org/presentationml/2006/main" type="titleOnly" preserve="1">
-  <p:cSld name="Nur Titel">
+  <p:cSld name="Sólo el título">
     <p:spTree>
       <p:nvGrpSpPr>
         <p:cNvPr id="1" name=""/>
@@ -2748,7 +3245,7 @@
       </p:grpSpPr>
       <p:sp>
         <p:nvSpPr>
-          <p:cNvPr id="2" name="Titel 1"/>
+          <p:cNvPr id="2" name="1 Título"/>
           <p:cNvSpPr>
             <a:spLocks noGrp="1"/>
           </p:cNvSpPr>
@@ -2765,28 +3262,34 @@
               <a:rPr lang="de-DE" smtClean="0"/>
               <a:t>Titelmasterformat durch Klicken bearbeiten</a:t>
             </a:r>
-            <a:endParaRPr lang="de-DE"/>
-          </a:p>
-        </p:txBody>
-      </p:sp>
-      <p:sp>
-        <p:nvSpPr>
-          <p:cNvPr id="3" name="Datumsplatzhalter 2"/>
-          <p:cNvSpPr>
-            <a:spLocks noGrp="1"/>
+            <a:endParaRPr lang="en-US"/>
+          </a:p>
+        </p:txBody>
+      </p:sp>
+      <p:sp>
+        <p:nvSpPr>
+          <p:cNvPr id="3" name="Rectangle 4"/>
+          <p:cNvSpPr>
+            <a:spLocks noGrp="1" noChangeArrowheads="1"/>
           </p:cNvSpPr>
           <p:nvPr>
             <p:ph type="dt" sz="half" idx="10"/>
           </p:nvPr>
         </p:nvSpPr>
-        <p:spPr/>
-        <p:txBody>
-          <a:bodyPr/>
-          <a:lstStyle/>
+        <p:spPr>
+          <a:ln/>
+        </p:spPr>
+        <p:txBody>
+          <a:bodyPr/>
+          <a:lstStyle>
+            <a:lvl1pPr>
+              <a:defRPr/>
+            </a:lvl1pPr>
+          </a:lstStyle>
           <a:p>
             <a:fld id="{AA57E2F2-D16C-4543-AA4F-89E515367E7B}" type="datetimeFigureOut">
               <a:rPr lang="de-DE" smtClean="0"/>
-              <a:t>10.06.2015</a:t>
+              <a:t>11.06.2015</a:t>
             </a:fld>
             <a:endParaRPr lang="de-DE"/>
           </a:p>
@@ -2794,18 +3297,24 @@
       </p:sp>
       <p:sp>
         <p:nvSpPr>
-          <p:cNvPr id="4" name="Fußzeilenplatzhalter 3"/>
-          <p:cNvSpPr>
-            <a:spLocks noGrp="1"/>
+          <p:cNvPr id="4" name="Rectangle 5"/>
+          <p:cNvSpPr>
+            <a:spLocks noGrp="1" noChangeArrowheads="1"/>
           </p:cNvSpPr>
           <p:nvPr>
             <p:ph type="ftr" sz="quarter" idx="11"/>
           </p:nvPr>
         </p:nvSpPr>
-        <p:spPr/>
-        <p:txBody>
-          <a:bodyPr/>
-          <a:lstStyle/>
+        <p:spPr>
+          <a:ln/>
+        </p:spPr>
+        <p:txBody>
+          <a:bodyPr/>
+          <a:lstStyle>
+            <a:lvl1pPr>
+              <a:defRPr/>
+            </a:lvl1pPr>
+          </a:lstStyle>
           <a:p>
             <a:endParaRPr lang="de-DE"/>
           </a:p>
@@ -2813,18 +3322,24 @@
       </p:sp>
       <p:sp>
         <p:nvSpPr>
-          <p:cNvPr id="5" name="Foliennummernplatzhalter 4"/>
-          <p:cNvSpPr>
-            <a:spLocks noGrp="1"/>
+          <p:cNvPr id="5" name="Rectangle 6"/>
+          <p:cNvSpPr>
+            <a:spLocks noGrp="1" noChangeArrowheads="1"/>
           </p:cNvSpPr>
           <p:nvPr>
             <p:ph type="sldNum" sz="quarter" idx="12"/>
           </p:nvPr>
         </p:nvSpPr>
-        <p:spPr/>
-        <p:txBody>
-          <a:bodyPr/>
-          <a:lstStyle/>
+        <p:spPr>
+          <a:ln/>
+        </p:spPr>
+        <p:txBody>
+          <a:bodyPr/>
+          <a:lstStyle>
+            <a:lvl1pPr>
+              <a:defRPr/>
+            </a:lvl1pPr>
+          </a:lstStyle>
           <a:p>
             <a:fld id="{650C6515-04D2-4B67-93FB-B05FA1BD6D8B}" type="slidenum">
               <a:rPr lang="de-DE" smtClean="0"/>
@@ -2837,7 +3352,7 @@
     </p:spTree>
     <p:extLst>
       <p:ext uri="{BB962C8B-B14F-4D97-AF65-F5344CB8AC3E}">
-        <p14:creationId xmlns:p14="http://schemas.microsoft.com/office/powerpoint/2010/main" val="4233913469"/>
+        <p14:creationId xmlns:p14="http://schemas.microsoft.com/office/powerpoint/2010/main" val="622504249"/>
       </p:ext>
     </p:extLst>
   </p:cSld>
@@ -2849,7 +3364,7 @@
 
 <file path=ppt/slideLayouts/slideLayout7.xml><?xml version="1.0" encoding="utf-8"?>
 <p:sldLayout xmlns:a="http://schemas.openxmlformats.org/drawingml/2006/main" xmlns:r="http://schemas.openxmlformats.org/officeDocument/2006/relationships" xmlns:p="http://schemas.openxmlformats.org/presentationml/2006/main" type="blank" preserve="1">
-  <p:cSld name="Leer">
+  <p:cSld name="En blanco">
     <p:spTree>
       <p:nvGrpSpPr>
         <p:cNvPr id="1" name=""/>
@@ -2866,22 +3381,28 @@
       </p:grpSpPr>
       <p:sp>
         <p:nvSpPr>
-          <p:cNvPr id="2" name="Datumsplatzhalter 1"/>
-          <p:cNvSpPr>
-            <a:spLocks noGrp="1"/>
+          <p:cNvPr id="2" name="Rectangle 4"/>
+          <p:cNvSpPr>
+            <a:spLocks noGrp="1" noChangeArrowheads="1"/>
           </p:cNvSpPr>
           <p:nvPr>
             <p:ph type="dt" sz="half" idx="10"/>
           </p:nvPr>
         </p:nvSpPr>
-        <p:spPr/>
-        <p:txBody>
-          <a:bodyPr/>
-          <a:lstStyle/>
+        <p:spPr>
+          <a:ln/>
+        </p:spPr>
+        <p:txBody>
+          <a:bodyPr/>
+          <a:lstStyle>
+            <a:lvl1pPr>
+              <a:defRPr/>
+            </a:lvl1pPr>
+          </a:lstStyle>
           <a:p>
             <a:fld id="{AA57E2F2-D16C-4543-AA4F-89E515367E7B}" type="datetimeFigureOut">
               <a:rPr lang="de-DE" smtClean="0"/>
-              <a:t>10.06.2015</a:t>
+              <a:t>11.06.2015</a:t>
             </a:fld>
             <a:endParaRPr lang="de-DE"/>
           </a:p>
@@ -2889,18 +3410,24 @@
       </p:sp>
       <p:sp>
         <p:nvSpPr>
-          <p:cNvPr id="3" name="Fußzeilenplatzhalter 2"/>
-          <p:cNvSpPr>
-            <a:spLocks noGrp="1"/>
+          <p:cNvPr id="3" name="Rectangle 5"/>
+          <p:cNvSpPr>
+            <a:spLocks noGrp="1" noChangeArrowheads="1"/>
           </p:cNvSpPr>
           <p:nvPr>
             <p:ph type="ftr" sz="quarter" idx="11"/>
           </p:nvPr>
         </p:nvSpPr>
-        <p:spPr/>
-        <p:txBody>
-          <a:bodyPr/>
-          <a:lstStyle/>
+        <p:spPr>
+          <a:ln/>
+        </p:spPr>
+        <p:txBody>
+          <a:bodyPr/>
+          <a:lstStyle>
+            <a:lvl1pPr>
+              <a:defRPr/>
+            </a:lvl1pPr>
+          </a:lstStyle>
           <a:p>
             <a:endParaRPr lang="de-DE"/>
           </a:p>
@@ -2908,18 +3435,24 @@
       </p:sp>
       <p:sp>
         <p:nvSpPr>
-          <p:cNvPr id="4" name="Foliennummernplatzhalter 3"/>
-          <p:cNvSpPr>
-            <a:spLocks noGrp="1"/>
+          <p:cNvPr id="4" name="Rectangle 6"/>
+          <p:cNvSpPr>
+            <a:spLocks noGrp="1" noChangeArrowheads="1"/>
           </p:cNvSpPr>
           <p:nvPr>
             <p:ph type="sldNum" sz="quarter" idx="12"/>
           </p:nvPr>
         </p:nvSpPr>
-        <p:spPr/>
-        <p:txBody>
-          <a:bodyPr/>
-          <a:lstStyle/>
+        <p:spPr>
+          <a:ln/>
+        </p:spPr>
+        <p:txBody>
+          <a:bodyPr/>
+          <a:lstStyle>
+            <a:lvl1pPr>
+              <a:defRPr/>
+            </a:lvl1pPr>
+          </a:lstStyle>
           <a:p>
             <a:fld id="{650C6515-04D2-4B67-93FB-B05FA1BD6D8B}" type="slidenum">
               <a:rPr lang="de-DE" smtClean="0"/>
@@ -2932,7 +3465,7 @@
     </p:spTree>
     <p:extLst>
       <p:ext uri="{BB962C8B-B14F-4D97-AF65-F5344CB8AC3E}">
-        <p14:creationId xmlns:p14="http://schemas.microsoft.com/office/powerpoint/2010/main" val="91731777"/>
+        <p14:creationId xmlns:p14="http://schemas.microsoft.com/office/powerpoint/2010/main" val="4289522897"/>
       </p:ext>
     </p:extLst>
   </p:cSld>
@@ -2944,7 +3477,7 @@
 
 <file path=ppt/slideLayouts/slideLayout8.xml><?xml version="1.0" encoding="utf-8"?>
 <p:sldLayout xmlns:a="http://schemas.openxmlformats.org/drawingml/2006/main" xmlns:r="http://schemas.openxmlformats.org/officeDocument/2006/relationships" xmlns:p="http://schemas.openxmlformats.org/presentationml/2006/main" type="objTx" preserve="1">
-  <p:cSld name="Inhalt mit Überschrift">
+  <p:cSld name="Contenido con título">
     <p:spTree>
       <p:nvGrpSpPr>
         <p:cNvPr id="1" name=""/>
@@ -2961,7 +3494,7 @@
       </p:grpSpPr>
       <p:sp>
         <p:nvSpPr>
-          <p:cNvPr id="2" name="Titel 1"/>
+          <p:cNvPr id="2" name="1 Título"/>
           <p:cNvSpPr>
             <a:spLocks noGrp="1"/>
           </p:cNvSpPr>
@@ -2971,15 +3504,15 @@
         </p:nvSpPr>
         <p:spPr>
           <a:xfrm>
-            <a:off x="839788" y="457200"/>
-            <a:ext cx="3932237" cy="1600200"/>
+            <a:off x="609601" y="273050"/>
+            <a:ext cx="4011084" cy="1162050"/>
           </a:xfrm>
         </p:spPr>
         <p:txBody>
           <a:bodyPr anchor="b"/>
           <a:lstStyle>
-            <a:lvl1pPr>
-              <a:defRPr sz="3200"/>
+            <a:lvl1pPr algn="l">
+              <a:defRPr sz="2000" b="1"/>
             </a:lvl1pPr>
           </a:lstStyle>
           <a:p>
@@ -2987,13 +3520,13 @@
               <a:rPr lang="de-DE" smtClean="0"/>
               <a:t>Titelmasterformat durch Klicken bearbeiten</a:t>
             </a:r>
-            <a:endParaRPr lang="de-DE"/>
-          </a:p>
-        </p:txBody>
-      </p:sp>
-      <p:sp>
-        <p:nvSpPr>
-          <p:cNvPr id="3" name="Inhaltsplatzhalter 2"/>
+            <a:endParaRPr lang="en-US"/>
+          </a:p>
+        </p:txBody>
+      </p:sp>
+      <p:sp>
+        <p:nvSpPr>
+          <p:cNvPr id="3" name="2 Marcador de contenido"/>
           <p:cNvSpPr>
             <a:spLocks noGrp="1"/>
           </p:cNvSpPr>
@@ -3003,8 +3536,8 @@
         </p:nvSpPr>
         <p:spPr>
           <a:xfrm>
-            <a:off x="5183188" y="987425"/>
-            <a:ext cx="6172200" cy="4873625"/>
+            <a:off x="4766733" y="273051"/>
+            <a:ext cx="6815667" cy="5853113"/>
           </a:xfrm>
         </p:spPr>
         <p:txBody>
@@ -3072,13 +3605,13 @@
               <a:rPr lang="de-DE" smtClean="0"/>
               <a:t>Fünfte Ebene</a:t>
             </a:r>
-            <a:endParaRPr lang="de-DE"/>
-          </a:p>
-        </p:txBody>
-      </p:sp>
-      <p:sp>
-        <p:nvSpPr>
-          <p:cNvPr id="4" name="Textplatzhalter 3"/>
+            <a:endParaRPr lang="en-US"/>
+          </a:p>
+        </p:txBody>
+      </p:sp>
+      <p:sp>
+        <p:nvSpPr>
+          <p:cNvPr id="4" name="3 Marcador de texto"/>
           <p:cNvSpPr>
             <a:spLocks noGrp="1"/>
           </p:cNvSpPr>
@@ -3088,8 +3621,8 @@
         </p:nvSpPr>
         <p:spPr>
           <a:xfrm>
-            <a:off x="839788" y="2057400"/>
-            <a:ext cx="3932237" cy="3811588"/>
+            <a:off x="609601" y="1435101"/>
+            <a:ext cx="4011084" cy="4691063"/>
           </a:xfrm>
         </p:spPr>
         <p:txBody>
@@ -3097,39 +3630,39 @@
           <a:lstStyle>
             <a:lvl1pPr marL="0" indent="0">
               <a:buNone/>
-              <a:defRPr sz="1600"/>
+              <a:defRPr sz="1400"/>
             </a:lvl1pPr>
             <a:lvl2pPr marL="457200" indent="0">
               <a:buNone/>
-              <a:defRPr sz="1400"/>
+              <a:defRPr sz="1200"/>
             </a:lvl2pPr>
             <a:lvl3pPr marL="914400" indent="0">
               <a:buNone/>
-              <a:defRPr sz="1200"/>
+              <a:defRPr sz="1000"/>
             </a:lvl3pPr>
             <a:lvl4pPr marL="1371600" indent="0">
               <a:buNone/>
-              <a:defRPr sz="1000"/>
+              <a:defRPr sz="900"/>
             </a:lvl4pPr>
             <a:lvl5pPr marL="1828800" indent="0">
               <a:buNone/>
-              <a:defRPr sz="1000"/>
+              <a:defRPr sz="900"/>
             </a:lvl5pPr>
             <a:lvl6pPr marL="2286000" indent="0">
               <a:buNone/>
-              <a:defRPr sz="1000"/>
+              <a:defRPr sz="900"/>
             </a:lvl6pPr>
             <a:lvl7pPr marL="2743200" indent="0">
               <a:buNone/>
-              <a:defRPr sz="1000"/>
+              <a:defRPr sz="900"/>
             </a:lvl7pPr>
             <a:lvl8pPr marL="3200400" indent="0">
               <a:buNone/>
-              <a:defRPr sz="1000"/>
+              <a:defRPr sz="900"/>
             </a:lvl8pPr>
             <a:lvl9pPr marL="3657600" indent="0">
               <a:buNone/>
-              <a:defRPr sz="1000"/>
+              <a:defRPr sz="900"/>
             </a:lvl9pPr>
           </a:lstStyle>
           <a:p>
@@ -3143,22 +3676,28 @@
       </p:sp>
       <p:sp>
         <p:nvSpPr>
-          <p:cNvPr id="5" name="Datumsplatzhalter 4"/>
-          <p:cNvSpPr>
-            <a:spLocks noGrp="1"/>
+          <p:cNvPr id="5" name="Rectangle 4"/>
+          <p:cNvSpPr>
+            <a:spLocks noGrp="1" noChangeArrowheads="1"/>
           </p:cNvSpPr>
           <p:nvPr>
             <p:ph type="dt" sz="half" idx="10"/>
           </p:nvPr>
         </p:nvSpPr>
-        <p:spPr/>
-        <p:txBody>
-          <a:bodyPr/>
-          <a:lstStyle/>
+        <p:spPr>
+          <a:ln/>
+        </p:spPr>
+        <p:txBody>
+          <a:bodyPr/>
+          <a:lstStyle>
+            <a:lvl1pPr>
+              <a:defRPr/>
+            </a:lvl1pPr>
+          </a:lstStyle>
           <a:p>
             <a:fld id="{AA57E2F2-D16C-4543-AA4F-89E515367E7B}" type="datetimeFigureOut">
               <a:rPr lang="de-DE" smtClean="0"/>
-              <a:t>10.06.2015</a:t>
+              <a:t>11.06.2015</a:t>
             </a:fld>
             <a:endParaRPr lang="de-DE"/>
           </a:p>
@@ -3166,18 +3705,24 @@
       </p:sp>
       <p:sp>
         <p:nvSpPr>
-          <p:cNvPr id="6" name="Fußzeilenplatzhalter 5"/>
-          <p:cNvSpPr>
-            <a:spLocks noGrp="1"/>
+          <p:cNvPr id="6" name="Rectangle 5"/>
+          <p:cNvSpPr>
+            <a:spLocks noGrp="1" noChangeArrowheads="1"/>
           </p:cNvSpPr>
           <p:nvPr>
             <p:ph type="ftr" sz="quarter" idx="11"/>
           </p:nvPr>
         </p:nvSpPr>
-        <p:spPr/>
-        <p:txBody>
-          <a:bodyPr/>
-          <a:lstStyle/>
+        <p:spPr>
+          <a:ln/>
+        </p:spPr>
+        <p:txBody>
+          <a:bodyPr/>
+          <a:lstStyle>
+            <a:lvl1pPr>
+              <a:defRPr/>
+            </a:lvl1pPr>
+          </a:lstStyle>
           <a:p>
             <a:endParaRPr lang="de-DE"/>
           </a:p>
@@ -3185,18 +3730,24 @@
       </p:sp>
       <p:sp>
         <p:nvSpPr>
-          <p:cNvPr id="7" name="Foliennummernplatzhalter 6"/>
-          <p:cNvSpPr>
-            <a:spLocks noGrp="1"/>
+          <p:cNvPr id="7" name="Rectangle 6"/>
+          <p:cNvSpPr>
+            <a:spLocks noGrp="1" noChangeArrowheads="1"/>
           </p:cNvSpPr>
           <p:nvPr>
             <p:ph type="sldNum" sz="quarter" idx="12"/>
           </p:nvPr>
         </p:nvSpPr>
-        <p:spPr/>
-        <p:txBody>
-          <a:bodyPr/>
-          <a:lstStyle/>
+        <p:spPr>
+          <a:ln/>
+        </p:spPr>
+        <p:txBody>
+          <a:bodyPr/>
+          <a:lstStyle>
+            <a:lvl1pPr>
+              <a:defRPr/>
+            </a:lvl1pPr>
+          </a:lstStyle>
           <a:p>
             <a:fld id="{650C6515-04D2-4B67-93FB-B05FA1BD6D8B}" type="slidenum">
               <a:rPr lang="de-DE" smtClean="0"/>
@@ -3209,7 +3760,7 @@
     </p:spTree>
     <p:extLst>
       <p:ext uri="{BB962C8B-B14F-4D97-AF65-F5344CB8AC3E}">
-        <p14:creationId xmlns:p14="http://schemas.microsoft.com/office/powerpoint/2010/main" val="1526616232"/>
+        <p14:creationId xmlns:p14="http://schemas.microsoft.com/office/powerpoint/2010/main" val="3830911485"/>
       </p:ext>
     </p:extLst>
   </p:cSld>
@@ -3221,7 +3772,7 @@
 
 <file path=ppt/slideLayouts/slideLayout9.xml><?xml version="1.0" encoding="utf-8"?>
 <p:sldLayout xmlns:a="http://schemas.openxmlformats.org/drawingml/2006/main" xmlns:r="http://schemas.openxmlformats.org/officeDocument/2006/relationships" xmlns:p="http://schemas.openxmlformats.org/presentationml/2006/main" type="picTx" preserve="1">
-  <p:cSld name="Bild mit Überschrift">
+  <p:cSld name="Imagen con título">
     <p:spTree>
       <p:nvGrpSpPr>
         <p:cNvPr id="1" name=""/>
@@ -3238,7 +3789,7 @@
       </p:grpSpPr>
       <p:sp>
         <p:nvSpPr>
-          <p:cNvPr id="2" name="Titel 1"/>
+          <p:cNvPr id="2" name="1 Título"/>
           <p:cNvSpPr>
             <a:spLocks noGrp="1"/>
           </p:cNvSpPr>
@@ -3248,15 +3799,15 @@
         </p:nvSpPr>
         <p:spPr>
           <a:xfrm>
-            <a:off x="839788" y="457200"/>
-            <a:ext cx="3932237" cy="1600200"/>
+            <a:off x="2389717" y="4800600"/>
+            <a:ext cx="7315200" cy="566738"/>
           </a:xfrm>
         </p:spPr>
         <p:txBody>
           <a:bodyPr anchor="b"/>
           <a:lstStyle>
-            <a:lvl1pPr>
-              <a:defRPr sz="3200"/>
+            <a:lvl1pPr algn="l">
+              <a:defRPr sz="2000" b="1"/>
             </a:lvl1pPr>
           </a:lstStyle>
           <a:p>
@@ -3264,13 +3815,13 @@
               <a:rPr lang="de-DE" smtClean="0"/>
               <a:t>Titelmasterformat durch Klicken bearbeiten</a:t>
             </a:r>
-            <a:endParaRPr lang="de-DE"/>
-          </a:p>
-        </p:txBody>
-      </p:sp>
-      <p:sp>
-        <p:nvSpPr>
-          <p:cNvPr id="3" name="Bildplatzhalter 2"/>
+            <a:endParaRPr lang="en-US"/>
+          </a:p>
+        </p:txBody>
+      </p:sp>
+      <p:sp>
+        <p:nvSpPr>
+          <p:cNvPr id="3" name="2 Marcador de posición de imagen"/>
           <p:cNvSpPr>
             <a:spLocks noGrp="1"/>
           </p:cNvSpPr>
@@ -3280,8 +3831,8 @@
         </p:nvSpPr>
         <p:spPr>
           <a:xfrm>
-            <a:off x="5183188" y="987425"/>
-            <a:ext cx="6172200" cy="4873625"/>
+            <a:off x="2389717" y="612775"/>
+            <a:ext cx="7315200" cy="4114800"/>
           </a:xfrm>
         </p:spPr>
         <p:txBody>
@@ -3325,13 +3876,18 @@
             </a:lvl9pPr>
           </a:lstStyle>
           <a:p>
-            <a:endParaRPr lang="de-DE"/>
-          </a:p>
-        </p:txBody>
-      </p:sp>
-      <p:sp>
-        <p:nvSpPr>
-          <p:cNvPr id="4" name="Textplatzhalter 3"/>
+            <a:pPr lvl="0"/>
+            <a:r>
+              <a:rPr lang="de-DE" noProof="0" smtClean="0"/>
+              <a:t>Bild durch Klicken auf Symbol hinzufügen</a:t>
+            </a:r>
+            <a:endParaRPr lang="en-US" noProof="0" dirty="0" smtClean="0"/>
+          </a:p>
+        </p:txBody>
+      </p:sp>
+      <p:sp>
+        <p:nvSpPr>
+          <p:cNvPr id="4" name="3 Marcador de texto"/>
           <p:cNvSpPr>
             <a:spLocks noGrp="1"/>
           </p:cNvSpPr>
@@ -3341,8 +3897,8 @@
         </p:nvSpPr>
         <p:spPr>
           <a:xfrm>
-            <a:off x="839788" y="2057400"/>
-            <a:ext cx="3932237" cy="3811588"/>
+            <a:off x="2389717" y="5367338"/>
+            <a:ext cx="7315200" cy="804862"/>
           </a:xfrm>
         </p:spPr>
         <p:txBody>
@@ -3350,39 +3906,39 @@
           <a:lstStyle>
             <a:lvl1pPr marL="0" indent="0">
               <a:buNone/>
-              <a:defRPr sz="1600"/>
+              <a:defRPr sz="1400"/>
             </a:lvl1pPr>
             <a:lvl2pPr marL="457200" indent="0">
               <a:buNone/>
-              <a:defRPr sz="1400"/>
+              <a:defRPr sz="1200"/>
             </a:lvl2pPr>
             <a:lvl3pPr marL="914400" indent="0">
               <a:buNone/>
-              <a:defRPr sz="1200"/>
+              <a:defRPr sz="1000"/>
             </a:lvl3pPr>
             <a:lvl4pPr marL="1371600" indent="0">
               <a:buNone/>
-              <a:defRPr sz="1000"/>
+              <a:defRPr sz="900"/>
             </a:lvl4pPr>
             <a:lvl5pPr marL="1828800" indent="0">
               <a:buNone/>
-              <a:defRPr sz="1000"/>
+              <a:defRPr sz="900"/>
             </a:lvl5pPr>
             <a:lvl6pPr marL="2286000" indent="0">
               <a:buNone/>
-              <a:defRPr sz="1000"/>
+              <a:defRPr sz="900"/>
             </a:lvl6pPr>
             <a:lvl7pPr marL="2743200" indent="0">
               <a:buNone/>
-              <a:defRPr sz="1000"/>
+              <a:defRPr sz="900"/>
             </a:lvl7pPr>
             <a:lvl8pPr marL="3200400" indent="0">
               <a:buNone/>
-              <a:defRPr sz="1000"/>
+              <a:defRPr sz="900"/>
             </a:lvl8pPr>
             <a:lvl9pPr marL="3657600" indent="0">
               <a:buNone/>
-              <a:defRPr sz="1000"/>
+              <a:defRPr sz="900"/>
             </a:lvl9pPr>
           </a:lstStyle>
           <a:p>
@@ -3396,22 +3952,28 @@
       </p:sp>
       <p:sp>
         <p:nvSpPr>
-          <p:cNvPr id="5" name="Datumsplatzhalter 4"/>
-          <p:cNvSpPr>
-            <a:spLocks noGrp="1"/>
+          <p:cNvPr id="5" name="Rectangle 4"/>
+          <p:cNvSpPr>
+            <a:spLocks noGrp="1" noChangeArrowheads="1"/>
           </p:cNvSpPr>
           <p:nvPr>
             <p:ph type="dt" sz="half" idx="10"/>
           </p:nvPr>
         </p:nvSpPr>
-        <p:spPr/>
-        <p:txBody>
-          <a:bodyPr/>
-          <a:lstStyle/>
+        <p:spPr>
+          <a:ln/>
+        </p:spPr>
+        <p:txBody>
+          <a:bodyPr/>
+          <a:lstStyle>
+            <a:lvl1pPr>
+              <a:defRPr/>
+            </a:lvl1pPr>
+          </a:lstStyle>
           <a:p>
             <a:fld id="{AA57E2F2-D16C-4543-AA4F-89E515367E7B}" type="datetimeFigureOut">
               <a:rPr lang="de-DE" smtClean="0"/>
-              <a:t>10.06.2015</a:t>
+              <a:t>11.06.2015</a:t>
             </a:fld>
             <a:endParaRPr lang="de-DE"/>
           </a:p>
@@ -3419,18 +3981,24 @@
       </p:sp>
       <p:sp>
         <p:nvSpPr>
-          <p:cNvPr id="6" name="Fußzeilenplatzhalter 5"/>
-          <p:cNvSpPr>
-            <a:spLocks noGrp="1"/>
+          <p:cNvPr id="6" name="Rectangle 5"/>
+          <p:cNvSpPr>
+            <a:spLocks noGrp="1" noChangeArrowheads="1"/>
           </p:cNvSpPr>
           <p:nvPr>
             <p:ph type="ftr" sz="quarter" idx="11"/>
           </p:nvPr>
         </p:nvSpPr>
-        <p:spPr/>
-        <p:txBody>
-          <a:bodyPr/>
-          <a:lstStyle/>
+        <p:spPr>
+          <a:ln/>
+        </p:spPr>
+        <p:txBody>
+          <a:bodyPr/>
+          <a:lstStyle>
+            <a:lvl1pPr>
+              <a:defRPr/>
+            </a:lvl1pPr>
+          </a:lstStyle>
           <a:p>
             <a:endParaRPr lang="de-DE"/>
           </a:p>
@@ -3438,18 +4006,24 @@
       </p:sp>
       <p:sp>
         <p:nvSpPr>
-          <p:cNvPr id="7" name="Foliennummernplatzhalter 6"/>
-          <p:cNvSpPr>
-            <a:spLocks noGrp="1"/>
+          <p:cNvPr id="7" name="Rectangle 6"/>
+          <p:cNvSpPr>
+            <a:spLocks noGrp="1" noChangeArrowheads="1"/>
           </p:cNvSpPr>
           <p:nvPr>
             <p:ph type="sldNum" sz="quarter" idx="12"/>
           </p:nvPr>
         </p:nvSpPr>
-        <p:spPr/>
-        <p:txBody>
-          <a:bodyPr/>
-          <a:lstStyle/>
+        <p:spPr>
+          <a:ln/>
+        </p:spPr>
+        <p:txBody>
+          <a:bodyPr/>
+          <a:lstStyle>
+            <a:lvl1pPr>
+              <a:defRPr/>
+            </a:lvl1pPr>
+          </a:lstStyle>
           <a:p>
             <a:fld id="{650C6515-04D2-4B67-93FB-B05FA1BD6D8B}" type="slidenum">
               <a:rPr lang="de-DE" smtClean="0"/>
@@ -3462,7 +4036,7 @@
     </p:spTree>
     <p:extLst>
       <p:ext uri="{BB962C8B-B14F-4D97-AF65-F5344CB8AC3E}">
-        <p14:creationId xmlns:p14="http://schemas.microsoft.com/office/powerpoint/2010/main" val="3321876832"/>
+        <p14:creationId xmlns:p14="http://schemas.microsoft.com/office/powerpoint/2010/main" val="365846189"/>
       </p:ext>
     </p:extLst>
   </p:cSld>
@@ -3476,9 +4050,19 @@
 <p:sldMaster xmlns:a="http://schemas.openxmlformats.org/drawingml/2006/main" xmlns:r="http://schemas.openxmlformats.org/officeDocument/2006/relationships" xmlns:p="http://schemas.openxmlformats.org/presentationml/2006/main">
   <p:cSld>
     <p:bg>
-      <p:bgRef idx="1001">
-        <a:schemeClr val="bg1"/>
-      </p:bgRef>
+      <p:bgPr>
+        <a:blipFill dpi="0" rotWithShape="0">
+          <a:blip r:embed="rId13">
+            <a:alphaModFix amt="78000"/>
+            <a:lum/>
+          </a:blip>
+          <a:srcRect/>
+          <a:stretch>
+            <a:fillRect t="-4000"/>
+          </a:stretch>
+        </a:blipFill>
+        <a:effectLst/>
+      </p:bgPr>
     </p:bg>
     <p:spTree>
       <p:nvGrpSpPr>
@@ -3496,135 +4080,238 @@
       </p:grpSpPr>
       <p:sp>
         <p:nvSpPr>
-          <p:cNvPr id="2" name="Titelplatzhalter 1"/>
-          <p:cNvSpPr>
-            <a:spLocks noGrp="1"/>
+          <p:cNvPr id="1026" name="Rectangle 2"/>
+          <p:cNvSpPr>
+            <a:spLocks noGrp="1" noChangeArrowheads="1"/>
           </p:cNvSpPr>
           <p:nvPr>
             <p:ph type="title"/>
           </p:nvPr>
         </p:nvSpPr>
-        <p:spPr>
+        <p:spPr bwMode="auto">
           <a:xfrm>
-            <a:off x="838200" y="365125"/>
-            <a:ext cx="10515600" cy="1325563"/>
+            <a:off x="609600" y="274638"/>
+            <a:ext cx="10972800" cy="1143000"/>
           </a:xfrm>
           <a:prstGeom prst="rect">
             <a:avLst/>
           </a:prstGeom>
+          <a:noFill/>
+          <a:ln>
+            <a:noFill/>
+          </a:ln>
+          <a:effectLst/>
+          <a:extLst>
+            <a:ext uri="{909E8E84-426E-40DD-AFC4-6F175D3DCCD1}">
+              <a14:hiddenFill xmlns:a14="http://schemas.microsoft.com/office/drawing/2010/main">
+                <a:solidFill>
+                  <a:schemeClr val="accent1"/>
+                </a:solidFill>
+              </a14:hiddenFill>
+            </a:ext>
+            <a:ext uri="{91240B29-F687-4F45-9708-019B960494DF}">
+              <a14:hiddenLine xmlns:a14="http://schemas.microsoft.com/office/drawing/2010/main" w="9525">
+                <a:solidFill>
+                  <a:schemeClr val="tx1"/>
+                </a:solidFill>
+                <a:miter lim="800000"/>
+                <a:headEnd/>
+                <a:tailEnd/>
+              </a14:hiddenLine>
+            </a:ext>
+            <a:ext uri="{AF507438-7753-43E0-B8FC-AC1667EBCBE1}">
+              <a14:hiddenEffects xmlns:a14="http://schemas.microsoft.com/office/drawing/2010/main">
+                <a:effectLst>
+                  <a:outerShdw dist="35921" dir="2700000" algn="ctr" rotWithShape="0">
+                    <a:schemeClr val="bg2"/>
+                  </a:outerShdw>
+                </a:effectLst>
+              </a14:hiddenEffects>
+            </a:ext>
+          </a:extLst>
         </p:spPr>
         <p:txBody>
-          <a:bodyPr vert="horz" lIns="91440" tIns="45720" rIns="91440" bIns="45720" rtlCol="0" anchor="ctr">
-            <a:normAutofit/>
+          <a:bodyPr vert="horz" wrap="square" lIns="91440" tIns="45720" rIns="91440" bIns="45720" numCol="1" anchor="ctr" anchorCtr="0" compatLnSpc="1">
+            <a:prstTxWarp prst="textNoShape">
+              <a:avLst/>
+            </a:prstTxWarp>
           </a:bodyPr>
           <a:lstStyle/>
           <a:p>
-            <a:r>
-              <a:rPr lang="de-DE" smtClean="0"/>
-              <a:t>Titelmasterformat durch Klicken bearbeiten</a:t>
-            </a:r>
-            <a:endParaRPr lang="de-DE"/>
-          </a:p>
-        </p:txBody>
-      </p:sp>
-      <p:sp>
-        <p:nvSpPr>
-          <p:cNvPr id="3" name="Textplatzhalter 2"/>
-          <p:cNvSpPr>
-            <a:spLocks noGrp="1"/>
+            <a:pPr lvl="0"/>
+            <a:r>
+              <a:rPr lang="es-ES" altLang="de-DE" smtClean="0"/>
+              <a:t>Haga clic para cambiar el estilo de título	</a:t>
+            </a:r>
+          </a:p>
+        </p:txBody>
+      </p:sp>
+      <p:sp>
+        <p:nvSpPr>
+          <p:cNvPr id="1027" name="Rectangle 3"/>
+          <p:cNvSpPr>
+            <a:spLocks noGrp="1" noChangeArrowheads="1"/>
           </p:cNvSpPr>
           <p:nvPr>
             <p:ph type="body" idx="1"/>
           </p:nvPr>
         </p:nvSpPr>
-        <p:spPr>
+        <p:spPr bwMode="auto">
           <a:xfrm>
-            <a:off x="838200" y="1825625"/>
-            <a:ext cx="10515600" cy="4351338"/>
+            <a:off x="609600" y="1600201"/>
+            <a:ext cx="10972800" cy="4525963"/>
           </a:xfrm>
           <a:prstGeom prst="rect">
             <a:avLst/>
           </a:prstGeom>
+          <a:noFill/>
+          <a:ln>
+            <a:noFill/>
+          </a:ln>
+          <a:effectLst/>
+          <a:extLst>
+            <a:ext uri="{909E8E84-426E-40DD-AFC4-6F175D3DCCD1}">
+              <a14:hiddenFill xmlns:a14="http://schemas.microsoft.com/office/drawing/2010/main">
+                <a:solidFill>
+                  <a:schemeClr val="accent1"/>
+                </a:solidFill>
+              </a14:hiddenFill>
+            </a:ext>
+            <a:ext uri="{91240B29-F687-4F45-9708-019B960494DF}">
+              <a14:hiddenLine xmlns:a14="http://schemas.microsoft.com/office/drawing/2010/main" w="9525">
+                <a:solidFill>
+                  <a:schemeClr val="tx1"/>
+                </a:solidFill>
+                <a:miter lim="800000"/>
+                <a:headEnd/>
+                <a:tailEnd/>
+              </a14:hiddenLine>
+            </a:ext>
+            <a:ext uri="{AF507438-7753-43E0-B8FC-AC1667EBCBE1}">
+              <a14:hiddenEffects xmlns:a14="http://schemas.microsoft.com/office/drawing/2010/main">
+                <a:effectLst>
+                  <a:outerShdw dist="35921" dir="2700000" algn="ctr" rotWithShape="0">
+                    <a:schemeClr val="bg2"/>
+                  </a:outerShdw>
+                </a:effectLst>
+              </a14:hiddenEffects>
+            </a:ext>
+          </a:extLst>
         </p:spPr>
         <p:txBody>
-          <a:bodyPr vert="horz" lIns="91440" tIns="45720" rIns="91440" bIns="45720" rtlCol="0">
-            <a:normAutofit/>
+          <a:bodyPr vert="horz" wrap="square" lIns="91440" tIns="45720" rIns="91440" bIns="45720" numCol="1" anchor="t" anchorCtr="0" compatLnSpc="1">
+            <a:prstTxWarp prst="textNoShape">
+              <a:avLst/>
+            </a:prstTxWarp>
           </a:bodyPr>
           <a:lstStyle/>
           <a:p>
             <a:pPr lvl="0"/>
             <a:r>
-              <a:rPr lang="de-DE" smtClean="0"/>
-              <a:t>Textmasterformat bearbeiten</a:t>
+              <a:rPr lang="es-ES" altLang="de-DE" smtClean="0"/>
+              <a:t>Haga clic para modificar el estilo de texto del patrón</a:t>
             </a:r>
           </a:p>
           <a:p>
             <a:pPr lvl="1"/>
             <a:r>
-              <a:rPr lang="de-DE" smtClean="0"/>
-              <a:t>Zweite Ebene</a:t>
+              <a:rPr lang="es-ES" altLang="de-DE" smtClean="0"/>
+              <a:t>Segundo nivel</a:t>
             </a:r>
           </a:p>
           <a:p>
             <a:pPr lvl="2"/>
             <a:r>
-              <a:rPr lang="de-DE" smtClean="0"/>
-              <a:t>Dritte Ebene</a:t>
+              <a:rPr lang="es-ES" altLang="de-DE" smtClean="0"/>
+              <a:t>Tercer nivel</a:t>
             </a:r>
           </a:p>
           <a:p>
             <a:pPr lvl="3"/>
             <a:r>
-              <a:rPr lang="de-DE" smtClean="0"/>
-              <a:t>Vierte Ebene</a:t>
+              <a:rPr lang="es-ES" altLang="de-DE" smtClean="0"/>
+              <a:t>Cuarto nivel</a:t>
             </a:r>
           </a:p>
           <a:p>
             <a:pPr lvl="4"/>
             <a:r>
-              <a:rPr lang="de-DE" smtClean="0"/>
-              <a:t>Fünfte Ebene</a:t>
-            </a:r>
-            <a:endParaRPr lang="de-DE"/>
-          </a:p>
-        </p:txBody>
-      </p:sp>
-      <p:sp>
-        <p:nvSpPr>
-          <p:cNvPr id="4" name="Datumsplatzhalter 3"/>
-          <p:cNvSpPr>
-            <a:spLocks noGrp="1"/>
+              <a:rPr lang="es-ES" altLang="de-DE" smtClean="0"/>
+              <a:t>Quinto nivel</a:t>
+            </a:r>
+          </a:p>
+        </p:txBody>
+      </p:sp>
+      <p:sp>
+        <p:nvSpPr>
+          <p:cNvPr id="1028" name="Rectangle 4"/>
+          <p:cNvSpPr>
+            <a:spLocks noGrp="1" noChangeArrowheads="1"/>
           </p:cNvSpPr>
           <p:nvPr>
             <p:ph type="dt" sz="half" idx="2"/>
           </p:nvPr>
         </p:nvSpPr>
-        <p:spPr>
+        <p:spPr bwMode="auto">
           <a:xfrm>
-            <a:off x="838200" y="6356350"/>
-            <a:ext cx="2743200" cy="365125"/>
+            <a:off x="609600" y="6245225"/>
+            <a:ext cx="2844800" cy="476250"/>
           </a:xfrm>
           <a:prstGeom prst="rect">
             <a:avLst/>
           </a:prstGeom>
+          <a:noFill/>
+          <a:ln>
+            <a:noFill/>
+          </a:ln>
+          <a:effectLst/>
+          <a:extLst>
+            <a:ext uri="{909E8E84-426E-40DD-AFC4-6F175D3DCCD1}">
+              <a14:hiddenFill xmlns:a14="http://schemas.microsoft.com/office/drawing/2010/main">
+                <a:solidFill>
+                  <a:schemeClr val="accent1"/>
+                </a:solidFill>
+              </a14:hiddenFill>
+            </a:ext>
+            <a:ext uri="{91240B29-F687-4F45-9708-019B960494DF}">
+              <a14:hiddenLine xmlns:a14="http://schemas.microsoft.com/office/drawing/2010/main" w="9525">
+                <a:solidFill>
+                  <a:schemeClr val="tx1"/>
+                </a:solidFill>
+                <a:miter lim="800000"/>
+                <a:headEnd/>
+                <a:tailEnd/>
+              </a14:hiddenLine>
+            </a:ext>
+            <a:ext uri="{AF507438-7753-43E0-B8FC-AC1667EBCBE1}">
+              <a14:hiddenEffects xmlns:a14="http://schemas.microsoft.com/office/drawing/2010/main">
+                <a:effectLst>
+                  <a:outerShdw dist="35921" dir="2700000" algn="ctr" rotWithShape="0">
+                    <a:schemeClr val="bg2"/>
+                  </a:outerShdw>
+                </a:effectLst>
+              </a14:hiddenEffects>
+            </a:ext>
+          </a:extLst>
         </p:spPr>
         <p:txBody>
-          <a:bodyPr vert="horz" lIns="91440" tIns="45720" rIns="91440" bIns="45720" rtlCol="0" anchor="ctr"/>
+          <a:bodyPr vert="horz" wrap="square" lIns="91440" tIns="45720" rIns="91440" bIns="45720" numCol="1" anchor="t" anchorCtr="0" compatLnSpc="1">
+            <a:prstTxWarp prst="textNoShape">
+              <a:avLst/>
+            </a:prstTxWarp>
+          </a:bodyPr>
           <a:lstStyle>
-            <a:lvl1pPr algn="l">
-              <a:defRPr sz="1200">
-                <a:solidFill>
-                  <a:schemeClr val="tx1">
-                    <a:tint val="75000"/>
-                  </a:schemeClr>
-                </a:solidFill>
+            <a:lvl1pPr>
+              <a:defRPr sz="1400" dirty="0">
+                <a:latin typeface="Arial" charset="0"/>
+                <a:cs typeface="Arial" charset="0"/>
               </a:defRPr>
             </a:lvl1pPr>
           </a:lstStyle>
           <a:p>
             <a:fld id="{AA57E2F2-D16C-4543-AA4F-89E515367E7B}" type="datetimeFigureOut">
               <a:rPr lang="de-DE" smtClean="0"/>
-              <a:t>10.06.2015</a:t>
+              <a:t>11.06.2015</a:t>
             </a:fld>
             <a:endParaRPr lang="de-DE"/>
           </a:p>
@@ -3632,33 +4319,67 @@
       </p:sp>
       <p:sp>
         <p:nvSpPr>
-          <p:cNvPr id="5" name="Fußzeilenplatzhalter 4"/>
-          <p:cNvSpPr>
-            <a:spLocks noGrp="1"/>
+          <p:cNvPr id="1029" name="Rectangle 5"/>
+          <p:cNvSpPr>
+            <a:spLocks noGrp="1" noChangeArrowheads="1"/>
           </p:cNvSpPr>
           <p:nvPr>
             <p:ph type="ftr" sz="quarter" idx="3"/>
           </p:nvPr>
         </p:nvSpPr>
-        <p:spPr>
+        <p:spPr bwMode="auto">
           <a:xfrm>
-            <a:off x="4038600" y="6356350"/>
-            <a:ext cx="4114800" cy="365125"/>
+            <a:off x="4165600" y="6245225"/>
+            <a:ext cx="3860800" cy="476250"/>
           </a:xfrm>
           <a:prstGeom prst="rect">
             <a:avLst/>
           </a:prstGeom>
+          <a:noFill/>
+          <a:ln>
+            <a:noFill/>
+          </a:ln>
+          <a:effectLst/>
+          <a:extLst>
+            <a:ext uri="{909E8E84-426E-40DD-AFC4-6F175D3DCCD1}">
+              <a14:hiddenFill xmlns:a14="http://schemas.microsoft.com/office/drawing/2010/main">
+                <a:solidFill>
+                  <a:schemeClr val="accent1"/>
+                </a:solidFill>
+              </a14:hiddenFill>
+            </a:ext>
+            <a:ext uri="{91240B29-F687-4F45-9708-019B960494DF}">
+              <a14:hiddenLine xmlns:a14="http://schemas.microsoft.com/office/drawing/2010/main" w="9525">
+                <a:solidFill>
+                  <a:schemeClr val="tx1"/>
+                </a:solidFill>
+                <a:miter lim="800000"/>
+                <a:headEnd/>
+                <a:tailEnd/>
+              </a14:hiddenLine>
+            </a:ext>
+            <a:ext uri="{AF507438-7753-43E0-B8FC-AC1667EBCBE1}">
+              <a14:hiddenEffects xmlns:a14="http://schemas.microsoft.com/office/drawing/2010/main">
+                <a:effectLst>
+                  <a:outerShdw dist="35921" dir="2700000" algn="ctr" rotWithShape="0">
+                    <a:schemeClr val="bg2"/>
+                  </a:outerShdw>
+                </a:effectLst>
+              </a14:hiddenEffects>
+            </a:ext>
+          </a:extLst>
         </p:spPr>
         <p:txBody>
-          <a:bodyPr vert="horz" lIns="91440" tIns="45720" rIns="91440" bIns="45720" rtlCol="0" anchor="ctr"/>
+          <a:bodyPr vert="horz" wrap="square" lIns="91440" tIns="45720" rIns="91440" bIns="45720" numCol="1" anchor="t" anchorCtr="0" compatLnSpc="1">
+            <a:prstTxWarp prst="textNoShape">
+              <a:avLst/>
+            </a:prstTxWarp>
+          </a:bodyPr>
           <a:lstStyle>
             <a:lvl1pPr algn="ctr">
-              <a:defRPr sz="1200">
-                <a:solidFill>
-                  <a:schemeClr val="tx1">
-                    <a:tint val="75000"/>
-                  </a:schemeClr>
-                </a:solidFill>
+              <a:defRPr sz="1400" dirty="0">
+                <a:latin typeface="Arial" charset="0"/>
+                <a:cs typeface="Arial" charset="0"/>
               </a:defRPr>
             </a:lvl1pPr>
           </a:lstStyle>
@@ -3669,34 +4390,65 @@
       </p:sp>
       <p:sp>
         <p:nvSpPr>
-          <p:cNvPr id="6" name="Foliennummernplatzhalter 5"/>
-          <p:cNvSpPr>
-            <a:spLocks noGrp="1"/>
+          <p:cNvPr id="1030" name="Rectangle 6"/>
+          <p:cNvSpPr>
+            <a:spLocks noGrp="1" noChangeArrowheads="1"/>
           </p:cNvSpPr>
           <p:nvPr>
             <p:ph type="sldNum" sz="quarter" idx="4"/>
           </p:nvPr>
         </p:nvSpPr>
-        <p:spPr>
+        <p:spPr bwMode="auto">
           <a:xfrm>
-            <a:off x="8610600" y="6356350"/>
-            <a:ext cx="2743200" cy="365125"/>
+            <a:off x="8737600" y="6245225"/>
+            <a:ext cx="2844800" cy="476250"/>
           </a:xfrm>
           <a:prstGeom prst="rect">
             <a:avLst/>
           </a:prstGeom>
+          <a:noFill/>
+          <a:ln>
+            <a:noFill/>
+          </a:ln>
+          <a:effectLst/>
+          <a:extLst>
+            <a:ext uri="{909E8E84-426E-40DD-AFC4-6F175D3DCCD1}">
+              <a14:hiddenFill xmlns:a14="http://schemas.microsoft.com/office/drawing/2010/main">
+                <a:solidFill>
+                  <a:schemeClr val="accent1"/>
+                </a:solidFill>
+              </a14:hiddenFill>
+            </a:ext>
+            <a:ext uri="{91240B29-F687-4F45-9708-019B960494DF}">
+              <a14:hiddenLine xmlns:a14="http://schemas.microsoft.com/office/drawing/2010/main" w="9525">
+                <a:solidFill>
+                  <a:schemeClr val="tx1"/>
+                </a:solidFill>
+                <a:miter lim="800000"/>
+                <a:headEnd/>
+                <a:tailEnd/>
+              </a14:hiddenLine>
+            </a:ext>
+            <a:ext uri="{AF507438-7753-43E0-B8FC-AC1667EBCBE1}">
+              <a14:hiddenEffects xmlns:a14="http://schemas.microsoft.com/office/drawing/2010/main">
+                <a:effectLst>
+                  <a:outerShdw dist="35921" dir="2700000" algn="ctr" rotWithShape="0">
+                    <a:schemeClr val="bg2"/>
+                  </a:outerShdw>
+                </a:effectLst>
+              </a14:hiddenEffects>
+            </a:ext>
+          </a:extLst>
         </p:spPr>
         <p:txBody>
-          <a:bodyPr vert="horz" lIns="91440" tIns="45720" rIns="91440" bIns="45720" rtlCol="0" anchor="ctr"/>
+          <a:bodyPr vert="horz" wrap="square" lIns="91440" tIns="45720" rIns="91440" bIns="45720" numCol="1" anchor="t" anchorCtr="0" compatLnSpc="1">
+            <a:prstTxWarp prst="textNoShape">
+              <a:avLst/>
+            </a:prstTxWarp>
+          </a:bodyPr>
           <a:lstStyle>
             <a:lvl1pPr algn="r">
-              <a:defRPr sz="1200">
-                <a:solidFill>
-                  <a:schemeClr val="tx1">
-                    <a:tint val="75000"/>
-                  </a:schemeClr>
-                </a:solidFill>
-              </a:defRPr>
+              <a:defRPr sz="1400"/>
             </a:lvl1pPr>
           </a:lstStyle>
           <a:p>
@@ -3711,55 +4463,173 @@
     </p:spTree>
     <p:extLst>
       <p:ext uri="{BB962C8B-B14F-4D97-AF65-F5344CB8AC3E}">
-        <p14:creationId xmlns:p14="http://schemas.microsoft.com/office/powerpoint/2010/main" val="2754899301"/>
+        <p14:creationId xmlns:p14="http://schemas.microsoft.com/office/powerpoint/2010/main" val="3415042913"/>
       </p:ext>
     </p:extLst>
   </p:cSld>
   <p:clrMap bg1="lt1" tx1="dk1" bg2="lt2" tx2="dk2" accent1="accent1" accent2="accent2" accent3="accent3" accent4="accent4" accent5="accent5" accent6="accent6" hlink="hlink" folHlink="folHlink"/>
   <p:sldLayoutIdLst>
-    <p:sldLayoutId id="2147483649" r:id="rId1"/>
-    <p:sldLayoutId id="2147483650" r:id="rId2"/>
-    <p:sldLayoutId id="2147483651" r:id="rId3"/>
-    <p:sldLayoutId id="2147483652" r:id="rId4"/>
-    <p:sldLayoutId id="2147483653" r:id="rId5"/>
-    <p:sldLayoutId id="2147483654" r:id="rId6"/>
-    <p:sldLayoutId id="2147483655" r:id="rId7"/>
-    <p:sldLayoutId id="2147483656" r:id="rId8"/>
-    <p:sldLayoutId id="2147483657" r:id="rId9"/>
-    <p:sldLayoutId id="2147483658" r:id="rId10"/>
-    <p:sldLayoutId id="2147483659" r:id="rId11"/>
+    <p:sldLayoutId id="2147483661" r:id="rId1"/>
+    <p:sldLayoutId id="2147483662" r:id="rId2"/>
+    <p:sldLayoutId id="2147483663" r:id="rId3"/>
+    <p:sldLayoutId id="2147483664" r:id="rId4"/>
+    <p:sldLayoutId id="2147483665" r:id="rId5"/>
+    <p:sldLayoutId id="2147483666" r:id="rId6"/>
+    <p:sldLayoutId id="2147483667" r:id="rId7"/>
+    <p:sldLayoutId id="2147483668" r:id="rId8"/>
+    <p:sldLayoutId id="2147483669" r:id="rId9"/>
+    <p:sldLayoutId id="2147483670" r:id="rId10"/>
+    <p:sldLayoutId id="2147483671" r:id="rId11"/>
   </p:sldLayoutIdLst>
   <p:txStyles>
     <p:titleStyle>
-      <a:lvl1pPr algn="l" defTabSz="914400" rtl="0" eaLnBrk="1" latinLnBrk="0" hangingPunct="1">
-        <a:lnSpc>
-          <a:spcPct val="90000"/>
-        </a:lnSpc>
+      <a:lvl1pPr algn="ctr" rtl="0" eaLnBrk="1" fontAlgn="base" hangingPunct="1">
         <a:spcBef>
           <a:spcPct val="0"/>
         </a:spcBef>
-        <a:buNone/>
-        <a:defRPr sz="4400" kern="1200">
+        <a:spcAft>
+          <a:spcPct val="0"/>
+        </a:spcAft>
+        <a:defRPr sz="4400">
           <a:solidFill>
-            <a:schemeClr val="tx1"/>
+            <a:schemeClr val="tx2"/>
           </a:solidFill>
           <a:latin typeface="+mj-lt"/>
           <a:ea typeface="+mj-ea"/>
           <a:cs typeface="+mj-cs"/>
         </a:defRPr>
       </a:lvl1pPr>
+      <a:lvl2pPr algn="ctr" rtl="0" eaLnBrk="1" fontAlgn="base" hangingPunct="1">
+        <a:spcBef>
+          <a:spcPct val="0"/>
+        </a:spcBef>
+        <a:spcAft>
+          <a:spcPct val="0"/>
+        </a:spcAft>
+        <a:defRPr sz="4400">
+          <a:solidFill>
+            <a:schemeClr val="tx2"/>
+          </a:solidFill>
+          <a:latin typeface="Arial" charset="0"/>
+          <a:cs typeface="Arial" charset="0"/>
+        </a:defRPr>
+      </a:lvl2pPr>
+      <a:lvl3pPr algn="ctr" rtl="0" eaLnBrk="1" fontAlgn="base" hangingPunct="1">
+        <a:spcBef>
+          <a:spcPct val="0"/>
+        </a:spcBef>
+        <a:spcAft>
+          <a:spcPct val="0"/>
+        </a:spcAft>
+        <a:defRPr sz="4400">
+          <a:solidFill>
+            <a:schemeClr val="tx2"/>
+          </a:solidFill>
+          <a:latin typeface="Arial" charset="0"/>
+          <a:cs typeface="Arial" charset="0"/>
+        </a:defRPr>
+      </a:lvl3pPr>
+      <a:lvl4pPr algn="ctr" rtl="0" eaLnBrk="1" fontAlgn="base" hangingPunct="1">
+        <a:spcBef>
+          <a:spcPct val="0"/>
+        </a:spcBef>
+        <a:spcAft>
+          <a:spcPct val="0"/>
+        </a:spcAft>
+        <a:defRPr sz="4400">
+          <a:solidFill>
+            <a:schemeClr val="tx2"/>
+          </a:solidFill>
+          <a:latin typeface="Arial" charset="0"/>
+          <a:cs typeface="Arial" charset="0"/>
+        </a:defRPr>
+      </a:lvl4pPr>
+      <a:lvl5pPr algn="ctr" rtl="0" eaLnBrk="1" fontAlgn="base" hangingPunct="1">
+        <a:spcBef>
+          <a:spcPct val="0"/>
+        </a:spcBef>
+        <a:spcAft>
+          <a:spcPct val="0"/>
+        </a:spcAft>
+        <a:defRPr sz="4400">
+          <a:solidFill>
+            <a:schemeClr val="tx2"/>
+          </a:solidFill>
+          <a:latin typeface="Arial" charset="0"/>
+          <a:cs typeface="Arial" charset="0"/>
+        </a:defRPr>
+      </a:lvl5pPr>
+      <a:lvl6pPr marL="457200" algn="ctr" rtl="0" eaLnBrk="1" fontAlgn="base" hangingPunct="1">
+        <a:spcBef>
+          <a:spcPct val="0"/>
+        </a:spcBef>
+        <a:spcAft>
+          <a:spcPct val="0"/>
+        </a:spcAft>
+        <a:defRPr sz="4400">
+          <a:solidFill>
+            <a:schemeClr val="tx2"/>
+          </a:solidFill>
+          <a:latin typeface="Arial" charset="0"/>
+          <a:cs typeface="Arial" charset="0"/>
+        </a:defRPr>
+      </a:lvl6pPr>
+      <a:lvl7pPr marL="914400" algn="ctr" rtl="0" eaLnBrk="1" fontAlgn="base" hangingPunct="1">
+        <a:spcBef>
+          <a:spcPct val="0"/>
+        </a:spcBef>
+        <a:spcAft>
+          <a:spcPct val="0"/>
+        </a:spcAft>
+        <a:defRPr sz="4400">
+          <a:solidFill>
+            <a:schemeClr val="tx2"/>
+          </a:solidFill>
+          <a:latin typeface="Arial" charset="0"/>
+          <a:cs typeface="Arial" charset="0"/>
+        </a:defRPr>
+      </a:lvl7pPr>
+      <a:lvl8pPr marL="1371600" algn="ctr" rtl="0" eaLnBrk="1" fontAlgn="base" hangingPunct="1">
+        <a:spcBef>
+          <a:spcPct val="0"/>
+        </a:spcBef>
+        <a:spcAft>
+          <a:spcPct val="0"/>
+        </a:spcAft>
+        <a:defRPr sz="4400">
+          <a:solidFill>
+            <a:schemeClr val="tx2"/>
+          </a:solidFill>
+          <a:latin typeface="Arial" charset="0"/>
+          <a:cs typeface="Arial" charset="0"/>
+        </a:defRPr>
+      </a:lvl8pPr>
+      <a:lvl9pPr marL="1828800" algn="ctr" rtl="0" eaLnBrk="1" fontAlgn="base" hangingPunct="1">
+        <a:spcBef>
+          <a:spcPct val="0"/>
+        </a:spcBef>
+        <a:spcAft>
+          <a:spcPct val="0"/>
+        </a:spcAft>
+        <a:defRPr sz="4400">
+          <a:solidFill>
+            <a:schemeClr val="tx2"/>
+          </a:solidFill>
+          <a:latin typeface="Arial" charset="0"/>
+          <a:cs typeface="Arial" charset="0"/>
+        </a:defRPr>
+      </a:lvl9pPr>
     </p:titleStyle>
     <p:bodyStyle>
-      <a:lvl1pPr marL="228600" indent="-228600" algn="l" defTabSz="914400" rtl="0" eaLnBrk="1" latinLnBrk="0" hangingPunct="1">
-        <a:lnSpc>
-          <a:spcPct val="90000"/>
-        </a:lnSpc>
+      <a:lvl1pPr marL="342900" indent="-342900" algn="l" rtl="0" eaLnBrk="1" fontAlgn="base" hangingPunct="1">
         <a:spcBef>
-          <a:spcPts val="1000"/>
+          <a:spcPct val="20000"/>
         </a:spcBef>
-        <a:buFont typeface="Arial" panose="020B0604020202020204" pitchFamily="34" charset="0"/>
+        <a:spcAft>
+          <a:spcPct val="0"/>
+        </a:spcAft>
         <a:buChar char="•"/>
-        <a:defRPr sz="2800" kern="1200">
+        <a:defRPr sz="3200">
           <a:solidFill>
             <a:schemeClr val="tx1"/>
           </a:solidFill>
@@ -3768,154 +4638,138 @@
           <a:cs typeface="+mn-cs"/>
         </a:defRPr>
       </a:lvl1pPr>
-      <a:lvl2pPr marL="685800" indent="-228600" algn="l" defTabSz="914400" rtl="0" eaLnBrk="1" latinLnBrk="0" hangingPunct="1">
-        <a:lnSpc>
-          <a:spcPct val="90000"/>
-        </a:lnSpc>
+      <a:lvl2pPr marL="742950" indent="-285750" algn="l" rtl="0" eaLnBrk="1" fontAlgn="base" hangingPunct="1">
         <a:spcBef>
-          <a:spcPts val="500"/>
+          <a:spcPct val="20000"/>
         </a:spcBef>
-        <a:buFont typeface="Arial" panose="020B0604020202020204" pitchFamily="34" charset="0"/>
-        <a:buChar char="•"/>
-        <a:defRPr sz="2400" kern="1200">
+        <a:spcAft>
+          <a:spcPct val="0"/>
+        </a:spcAft>
+        <a:buChar char="–"/>
+        <a:defRPr sz="2800">
           <a:solidFill>
             <a:schemeClr val="tx1"/>
           </a:solidFill>
           <a:latin typeface="+mn-lt"/>
-          <a:ea typeface="+mn-ea"/>
           <a:cs typeface="+mn-cs"/>
         </a:defRPr>
       </a:lvl2pPr>
-      <a:lvl3pPr marL="1143000" indent="-228600" algn="l" defTabSz="914400" rtl="0" eaLnBrk="1" latinLnBrk="0" hangingPunct="1">
-        <a:lnSpc>
-          <a:spcPct val="90000"/>
-        </a:lnSpc>
+      <a:lvl3pPr marL="1143000" indent="-228600" algn="l" rtl="0" eaLnBrk="1" fontAlgn="base" hangingPunct="1">
         <a:spcBef>
-          <a:spcPts val="500"/>
+          <a:spcPct val="20000"/>
         </a:spcBef>
-        <a:buFont typeface="Arial" panose="020B0604020202020204" pitchFamily="34" charset="0"/>
+        <a:spcAft>
+          <a:spcPct val="0"/>
+        </a:spcAft>
         <a:buChar char="•"/>
-        <a:defRPr sz="2000" kern="1200">
+        <a:defRPr sz="2400">
           <a:solidFill>
             <a:schemeClr val="tx1"/>
           </a:solidFill>
           <a:latin typeface="+mn-lt"/>
-          <a:ea typeface="+mn-ea"/>
           <a:cs typeface="+mn-cs"/>
         </a:defRPr>
       </a:lvl3pPr>
-      <a:lvl4pPr marL="1600200" indent="-228600" algn="l" defTabSz="914400" rtl="0" eaLnBrk="1" latinLnBrk="0" hangingPunct="1">
-        <a:lnSpc>
-          <a:spcPct val="90000"/>
-        </a:lnSpc>
+      <a:lvl4pPr marL="1600200" indent="-228600" algn="l" rtl="0" eaLnBrk="1" fontAlgn="base" hangingPunct="1">
         <a:spcBef>
-          <a:spcPts val="500"/>
+          <a:spcPct val="20000"/>
         </a:spcBef>
-        <a:buFont typeface="Arial" panose="020B0604020202020204" pitchFamily="34" charset="0"/>
-        <a:buChar char="•"/>
-        <a:defRPr sz="1800" kern="1200">
+        <a:spcAft>
+          <a:spcPct val="0"/>
+        </a:spcAft>
+        <a:buChar char="–"/>
+        <a:defRPr sz="2000">
           <a:solidFill>
             <a:schemeClr val="tx1"/>
           </a:solidFill>
           <a:latin typeface="+mn-lt"/>
-          <a:ea typeface="+mn-ea"/>
           <a:cs typeface="+mn-cs"/>
         </a:defRPr>
       </a:lvl4pPr>
-      <a:lvl5pPr marL="2057400" indent="-228600" algn="l" defTabSz="914400" rtl="0" eaLnBrk="1" latinLnBrk="0" hangingPunct="1">
-        <a:lnSpc>
-          <a:spcPct val="90000"/>
-        </a:lnSpc>
+      <a:lvl5pPr marL="2057400" indent="-228600" algn="l" rtl="0" eaLnBrk="1" fontAlgn="base" hangingPunct="1">
         <a:spcBef>
-          <a:spcPts val="500"/>
+          <a:spcPct val="20000"/>
         </a:spcBef>
-        <a:buFont typeface="Arial" panose="020B0604020202020204" pitchFamily="34" charset="0"/>
-        <a:buChar char="•"/>
-        <a:defRPr sz="1800" kern="1200">
+        <a:spcAft>
+          <a:spcPct val="0"/>
+        </a:spcAft>
+        <a:buChar char="»"/>
+        <a:defRPr sz="2000">
           <a:solidFill>
             <a:schemeClr val="tx1"/>
           </a:solidFill>
           <a:latin typeface="+mn-lt"/>
-          <a:ea typeface="+mn-ea"/>
           <a:cs typeface="+mn-cs"/>
         </a:defRPr>
       </a:lvl5pPr>
-      <a:lvl6pPr marL="2514600" indent="-228600" algn="l" defTabSz="914400" rtl="0" eaLnBrk="1" latinLnBrk="0" hangingPunct="1">
-        <a:lnSpc>
-          <a:spcPct val="90000"/>
-        </a:lnSpc>
+      <a:lvl6pPr marL="2514600" indent="-228600" algn="l" rtl="0" eaLnBrk="1" fontAlgn="base" hangingPunct="1">
         <a:spcBef>
-          <a:spcPts val="500"/>
+          <a:spcPct val="20000"/>
         </a:spcBef>
-        <a:buFont typeface="Arial" panose="020B0604020202020204" pitchFamily="34" charset="0"/>
-        <a:buChar char="•"/>
-        <a:defRPr sz="1800" kern="1200">
+        <a:spcAft>
+          <a:spcPct val="0"/>
+        </a:spcAft>
+        <a:buChar char="»"/>
+        <a:defRPr sz="2000">
           <a:solidFill>
             <a:schemeClr val="tx1"/>
           </a:solidFill>
           <a:latin typeface="+mn-lt"/>
-          <a:ea typeface="+mn-ea"/>
           <a:cs typeface="+mn-cs"/>
         </a:defRPr>
       </a:lvl6pPr>
-      <a:lvl7pPr marL="2971800" indent="-228600" algn="l" defTabSz="914400" rtl="0" eaLnBrk="1" latinLnBrk="0" hangingPunct="1">
-        <a:lnSpc>
-          <a:spcPct val="90000"/>
-        </a:lnSpc>
+      <a:lvl7pPr marL="2971800" indent="-228600" algn="l" rtl="0" eaLnBrk="1" fontAlgn="base" hangingPunct="1">
         <a:spcBef>
-          <a:spcPts val="500"/>
+          <a:spcPct val="20000"/>
         </a:spcBef>
-        <a:buFont typeface="Arial" panose="020B0604020202020204" pitchFamily="34" charset="0"/>
-        <a:buChar char="•"/>
-        <a:defRPr sz="1800" kern="1200">
+        <a:spcAft>
+          <a:spcPct val="0"/>
+        </a:spcAft>
+        <a:buChar char="»"/>
+        <a:defRPr sz="2000">
           <a:solidFill>
             <a:schemeClr val="tx1"/>
           </a:solidFill>
           <a:latin typeface="+mn-lt"/>
-          <a:ea typeface="+mn-ea"/>
           <a:cs typeface="+mn-cs"/>
         </a:defRPr>
       </a:lvl7pPr>
-      <a:lvl8pPr marL="3429000" indent="-228600" algn="l" defTabSz="914400" rtl="0" eaLnBrk="1" latinLnBrk="0" hangingPunct="1">
-        <a:lnSpc>
-          <a:spcPct val="90000"/>
-        </a:lnSpc>
+      <a:lvl8pPr marL="3429000" indent="-228600" algn="l" rtl="0" eaLnBrk="1" fontAlgn="base" hangingPunct="1">
         <a:spcBef>
-          <a:spcPts val="500"/>
+          <a:spcPct val="20000"/>
         </a:spcBef>
-        <a:buFont typeface="Arial" panose="020B0604020202020204" pitchFamily="34" charset="0"/>
-        <a:buChar char="•"/>
-        <a:defRPr sz="1800" kern="1200">
+        <a:spcAft>
+          <a:spcPct val="0"/>
+        </a:spcAft>
+        <a:buChar char="»"/>
+        <a:defRPr sz="2000">
           <a:solidFill>
             <a:schemeClr val="tx1"/>
           </a:solidFill>
           <a:latin typeface="+mn-lt"/>
-          <a:ea typeface="+mn-ea"/>
           <a:cs typeface="+mn-cs"/>
         </a:defRPr>
       </a:lvl8pPr>
-      <a:lvl9pPr marL="3886200" indent="-228600" algn="l" defTabSz="914400" rtl="0" eaLnBrk="1" latinLnBrk="0" hangingPunct="1">
-        <a:lnSpc>
-          <a:spcPct val="90000"/>
-        </a:lnSpc>
+      <a:lvl9pPr marL="3886200" indent="-228600" algn="l" rtl="0" eaLnBrk="1" fontAlgn="base" hangingPunct="1">
         <a:spcBef>
-          <a:spcPts val="500"/>
+          <a:spcPct val="20000"/>
         </a:spcBef>
-        <a:buFont typeface="Arial" panose="020B0604020202020204" pitchFamily="34" charset="0"/>
-        <a:buChar char="•"/>
-        <a:defRPr sz="1800" kern="1200">
+        <a:spcAft>
+          <a:spcPct val="0"/>
+        </a:spcAft>
+        <a:buChar char="»"/>
+        <a:defRPr sz="2000">
           <a:solidFill>
             <a:schemeClr val="tx1"/>
           </a:solidFill>
           <a:latin typeface="+mn-lt"/>
-          <a:ea typeface="+mn-ea"/>
           <a:cs typeface="+mn-cs"/>
         </a:defRPr>
       </a:lvl9pPr>
     </p:bodyStyle>
     <p:otherStyle>
       <a:defPPr>
-        <a:defRPr lang="de-DE"/>
+        <a:defRPr lang="en-US"/>
       </a:defPPr>
       <a:lvl1pPr marL="0" algn="l" defTabSz="914400" rtl="0" eaLnBrk="1" latinLnBrk="0" hangingPunct="1">
         <a:defRPr sz="1800" kern="1200">
@@ -4052,25 +4906,6 @@
           </a:p>
         </p:txBody>
       </p:sp>
-      <p:sp>
-        <p:nvSpPr>
-          <p:cNvPr id="3" name="Inhaltsplatzhalter 2"/>
-          <p:cNvSpPr>
-            <a:spLocks noGrp="1"/>
-          </p:cNvSpPr>
-          <p:nvPr>
-            <p:ph idx="1"/>
-          </p:nvPr>
-        </p:nvSpPr>
-        <p:spPr/>
-        <p:txBody>
-          <a:bodyPr/>
-          <a:lstStyle/>
-          <a:p>
-            <a:endParaRPr lang="de-DE"/>
-          </a:p>
-        </p:txBody>
-      </p:sp>
     </p:spTree>
     <p:extLst>
       <p:ext uri="{BB962C8B-B14F-4D97-AF65-F5344CB8AC3E}">
@@ -4081,10 +4916,17 @@
   <p:clrMapOvr>
     <a:masterClrMapping/>
   </p:clrMapOvr>
+  <p:timing>
+    <p:tnLst>
+      <p:par>
+        <p:cTn id="1" dur="indefinite" restart="never" nodeType="tmRoot"/>
+      </p:par>
+    </p:tnLst>
+  </p:timing>
 </p:sld>
 </file>
 
-<file path=ppt/slides/slide2.xml><?xml version="1.0" encoding="utf-8"?>
+<file path=ppt/slides/slide10.xml><?xml version="1.0" encoding="utf-8"?>
 <p:sld xmlns:a="http://schemas.openxmlformats.org/drawingml/2006/main" xmlns:r="http://schemas.openxmlformats.org/officeDocument/2006/relationships" xmlns:p="http://schemas.openxmlformats.org/presentationml/2006/main">
   <p:cSld>
     <p:spTree>
@@ -4108,38 +4950,306 @@
             <a:spLocks noGrp="1"/>
           </p:cNvSpPr>
           <p:nvPr>
+            <p:ph type="title"/>
+          </p:nvPr>
+        </p:nvSpPr>
+        <p:spPr/>
+        <p:txBody>
+          <a:bodyPr/>
+          <a:lstStyle/>
+          <a:p>
+            <a:r>
+              <a:rPr lang="de-DE" dirty="0" smtClean="0"/>
+              <a:t>Fazit</a:t>
+            </a:r>
+            <a:endParaRPr lang="de-DE" dirty="0"/>
+          </a:p>
+        </p:txBody>
+      </p:sp>
+      <p:sp>
+        <p:nvSpPr>
+          <p:cNvPr id="3" name="Inhaltsplatzhalter 2"/>
+          <p:cNvSpPr>
+            <a:spLocks noGrp="1"/>
+          </p:cNvSpPr>
+          <p:nvPr>
+            <p:ph idx="1"/>
+          </p:nvPr>
+        </p:nvSpPr>
+        <p:spPr/>
+        <p:txBody>
+          <a:bodyPr/>
+          <a:lstStyle/>
+          <a:p>
+            <a:endParaRPr lang="de-DE"/>
+          </a:p>
+        </p:txBody>
+      </p:sp>
+    </p:spTree>
+    <p:extLst>
+      <p:ext uri="{BB962C8B-B14F-4D97-AF65-F5344CB8AC3E}">
+        <p14:creationId xmlns:p14="http://schemas.microsoft.com/office/powerpoint/2010/main" val="4203000700"/>
+      </p:ext>
+    </p:extLst>
+  </p:cSld>
+  <p:clrMapOvr>
+    <a:masterClrMapping/>
+  </p:clrMapOvr>
+  <p:timing>
+    <p:tnLst>
+      <p:par>
+        <p:cTn id="1" dur="indefinite" restart="never" nodeType="tmRoot"/>
+      </p:par>
+    </p:tnLst>
+  </p:timing>
+</p:sld>
+</file>
+
+<file path=ppt/slides/slide11.xml><?xml version="1.0" encoding="utf-8"?>
+<p:sld xmlns:a="http://schemas.openxmlformats.org/drawingml/2006/main" xmlns:r="http://schemas.openxmlformats.org/officeDocument/2006/relationships" xmlns:p="http://schemas.openxmlformats.org/presentationml/2006/main">
+  <p:cSld>
+    <p:spTree>
+      <p:nvGrpSpPr>
+        <p:cNvPr id="1" name=""/>
+        <p:cNvGrpSpPr/>
+        <p:nvPr/>
+      </p:nvGrpSpPr>
+      <p:grpSpPr>
+        <a:xfrm>
+          <a:off x="0" y="0"/>
+          <a:ext cx="0" cy="0"/>
+          <a:chOff x="0" y="0"/>
+          <a:chExt cx="0" cy="0"/>
+        </a:xfrm>
+      </p:grpSpPr>
+      <p:sp>
+        <p:nvSpPr>
+          <p:cNvPr id="2" name="Titel 1"/>
+          <p:cNvSpPr>
+            <a:spLocks noGrp="1"/>
+          </p:cNvSpPr>
+          <p:nvPr>
+            <p:ph type="title"/>
+          </p:nvPr>
+        </p:nvSpPr>
+        <p:spPr/>
+        <p:txBody>
+          <a:bodyPr/>
+          <a:lstStyle/>
+          <a:p>
+            <a:r>
+              <a:rPr lang="de-DE" dirty="0" smtClean="0"/>
+              <a:t>Fragen?</a:t>
+            </a:r>
+            <a:endParaRPr lang="de-DE" dirty="0"/>
+          </a:p>
+        </p:txBody>
+      </p:sp>
+      <p:sp>
+        <p:nvSpPr>
+          <p:cNvPr id="3" name="Inhaltsplatzhalter 2"/>
+          <p:cNvSpPr>
+            <a:spLocks noGrp="1"/>
+          </p:cNvSpPr>
+          <p:nvPr>
+            <p:ph idx="1"/>
+          </p:nvPr>
+        </p:nvSpPr>
+        <p:spPr>
+          <a:xfrm>
+            <a:off x="171450" y="5810250"/>
+            <a:ext cx="10972800" cy="571500"/>
+          </a:xfrm>
+        </p:spPr>
+        <p:txBody>
+          <a:bodyPr/>
+          <a:lstStyle/>
+          <a:p>
+            <a:pPr marL="0" indent="0" algn="ctr">
+              <a:buNone/>
+            </a:pPr>
+            <a:r>
+              <a:rPr lang="de-DE" dirty="0" smtClean="0"/>
+              <a:t>JETZT DOWNLOADEN: LINK</a:t>
+            </a:r>
+            <a:endParaRPr lang="de-DE" dirty="0"/>
+          </a:p>
+        </p:txBody>
+      </p:sp>
+    </p:spTree>
+    <p:extLst>
+      <p:ext uri="{BB962C8B-B14F-4D97-AF65-F5344CB8AC3E}">
+        <p14:creationId xmlns:p14="http://schemas.microsoft.com/office/powerpoint/2010/main" val="1914667302"/>
+      </p:ext>
+    </p:extLst>
+  </p:cSld>
+  <p:clrMapOvr>
+    <a:masterClrMapping/>
+  </p:clrMapOvr>
+  <p:timing>
+    <p:tnLst>
+      <p:par>
+        <p:cTn id="1" dur="indefinite" restart="never" nodeType="tmRoot"/>
+      </p:par>
+    </p:tnLst>
+  </p:timing>
+</p:sld>
+</file>
+
+<file path=ppt/slides/slide2.xml><?xml version="1.0" encoding="utf-8"?>
+<p:sld xmlns:a="http://schemas.openxmlformats.org/drawingml/2006/main" xmlns:r="http://schemas.openxmlformats.org/officeDocument/2006/relationships" xmlns:p="http://schemas.openxmlformats.org/presentationml/2006/main">
+  <p:cSld>
+    <p:bg>
+      <p:bgPr>
+        <a:blipFill dpi="0" rotWithShape="0">
+          <a:blip r:embed="rId2">
+            <a:alphaModFix amt="78000"/>
+            <a:lum/>
+          </a:blip>
+          <a:srcRect/>
+          <a:stretch>
+            <a:fillRect t="-17000" b="-17000"/>
+          </a:stretch>
+        </a:blipFill>
+        <a:effectLst/>
+      </p:bgPr>
+    </p:bg>
+    <p:spTree>
+      <p:nvGrpSpPr>
+        <p:cNvPr id="1" name=""/>
+        <p:cNvGrpSpPr/>
+        <p:nvPr/>
+      </p:nvGrpSpPr>
+      <p:grpSpPr>
+        <a:xfrm>
+          <a:off x="0" y="0"/>
+          <a:ext cx="0" cy="0"/>
+          <a:chOff x="0" y="0"/>
+          <a:chExt cx="0" cy="0"/>
+        </a:xfrm>
+      </p:grpSpPr>
+      <p:sp>
+        <p:nvSpPr>
+          <p:cNvPr id="2" name="Titel 1"/>
+          <p:cNvSpPr>
+            <a:spLocks noGrp="1"/>
+          </p:cNvSpPr>
+          <p:nvPr>
             <p:ph type="ctrTitle"/>
           </p:nvPr>
         </p:nvSpPr>
-        <p:spPr/>
+        <p:spPr>
+          <a:xfrm>
+            <a:off x="914400" y="3536439"/>
+            <a:ext cx="10363200" cy="1470025"/>
+          </a:xfrm>
+        </p:spPr>
         <p:txBody>
           <a:bodyPr/>
           <a:lstStyle/>
           <a:p>
             <a:r>
-              <a:rPr lang="de-DE" dirty="0" err="1" smtClean="0"/>
-              <a:t>UnrealCup</a:t>
-            </a:r>
+              <a:rPr lang="de-DE" sz="8000" b="1" dirty="0" smtClean="0">
+                <a:ln w="10160">
+                  <a:solidFill>
+                    <a:schemeClr val="accent5"/>
+                  </a:solidFill>
+                  <a:prstDash val="solid"/>
+                </a:ln>
+                <a:solidFill>
+                  <a:srgbClr val="FFFFFF"/>
+                </a:solidFill>
+                <a:effectLst>
+                  <a:outerShdw blurRad="38100" dist="22860" dir="5400000" algn="tl" rotWithShape="0">
+                    <a:srgbClr val="000000">
+                      <a:alpha val="30000"/>
+                    </a:srgbClr>
+                  </a:outerShdw>
+                </a:effectLst>
+                <a:latin typeface="Calibri Light" panose="020F0302020204030204" pitchFamily="34" charset="0"/>
+              </a:rPr>
+              <a:t>UNREALCUP</a:t>
+            </a:r>
+            <a:endParaRPr lang="de-DE" sz="8000" b="1" dirty="0">
+              <a:ln w="10160">
+                <a:solidFill>
+                  <a:schemeClr val="accent5"/>
+                </a:solidFill>
+                <a:prstDash val="solid"/>
+              </a:ln>
+              <a:solidFill>
+                <a:srgbClr val="FFFFFF"/>
+              </a:solidFill>
+              <a:effectLst>
+                <a:outerShdw blurRad="38100" dist="22860" dir="5400000" algn="tl" rotWithShape="0">
+                  <a:srgbClr val="000000">
+                    <a:alpha val="30000"/>
+                  </a:srgbClr>
+                </a:outerShdw>
+              </a:effectLst>
+              <a:latin typeface="Calibri Light" panose="020F0302020204030204" pitchFamily="34" charset="0"/>
+            </a:endParaRPr>
+          </a:p>
+        </p:txBody>
+      </p:sp>
+      <p:sp>
+        <p:nvSpPr>
+          <p:cNvPr id="3" name="Untertitel 2"/>
+          <p:cNvSpPr>
+            <a:spLocks noGrp="1"/>
+          </p:cNvSpPr>
+          <p:nvPr>
+            <p:ph type="subTitle" idx="1"/>
+          </p:nvPr>
+        </p:nvSpPr>
+        <p:spPr>
+          <a:xfrm>
+            <a:off x="0" y="5006464"/>
+            <a:ext cx="12192000" cy="1873659"/>
+          </a:xfrm>
+        </p:spPr>
+        <p:txBody>
+          <a:bodyPr/>
+          <a:lstStyle/>
+          <a:p>
+            <a:pPr algn="just"/>
+            <a:r>
+              <a:rPr lang="de-DE" dirty="0" smtClean="0">
+                <a:latin typeface="Calibri Light" panose="020F0302020204030204" pitchFamily="34" charset="0"/>
+              </a:rPr>
+              <a:t>Maximilian Schmitz – Michael Möbius – Daniel Rapp Michael </a:t>
+            </a:r>
+            <a:r>
+              <a:rPr lang="de-DE" dirty="0" err="1" smtClean="0">
+                <a:latin typeface="Calibri Light" panose="020F0302020204030204" pitchFamily="34" charset="0"/>
+              </a:rPr>
+              <a:t>Kekeisen</a:t>
+            </a:r>
+            <a:r>
+              <a:rPr lang="de-DE" dirty="0" smtClean="0">
+                <a:latin typeface="Calibri Light" panose="020F0302020204030204" pitchFamily="34" charset="0"/>
+              </a:rPr>
+              <a:t/>
+            </a:r>
+            <a:br>
+              <a:rPr lang="de-DE" dirty="0" smtClean="0">
+                <a:latin typeface="Calibri Light" panose="020F0302020204030204" pitchFamily="34" charset="0"/>
+              </a:rPr>
+            </a:br>
+            <a:endParaRPr lang="de-DE" dirty="0">
+              <a:latin typeface="Calibri Light" panose="020F0302020204030204" pitchFamily="34" charset="0"/>
+            </a:endParaRPr>
+          </a:p>
+          <a:p>
+            <a:r>
+              <a:rPr lang="de-DE" sz="3600" dirty="0" smtClean="0">
+                <a:latin typeface="Calibri Light" panose="020F0302020204030204" pitchFamily="34" charset="0"/>
+              </a:rPr>
+              <a:t>Studienarbeit TIT12</a:t>
+            </a:r>
+          </a:p>
+          <a:p>
             <a:endParaRPr lang="de-DE" dirty="0"/>
-          </a:p>
-        </p:txBody>
-      </p:sp>
-      <p:sp>
-        <p:nvSpPr>
-          <p:cNvPr id="3" name="Untertitel 2"/>
-          <p:cNvSpPr>
-            <a:spLocks noGrp="1"/>
-          </p:cNvSpPr>
-          <p:nvPr>
-            <p:ph type="subTitle" idx="1"/>
-          </p:nvPr>
-        </p:nvSpPr>
-        <p:spPr/>
-        <p:txBody>
-          <a:bodyPr/>
-          <a:lstStyle/>
-          <a:p>
-            <a:endParaRPr lang="de-DE"/>
           </a:p>
         </p:txBody>
       </p:sp>
@@ -4153,6 +5263,13 @@
   <p:clrMapOvr>
     <a:masterClrMapping/>
   </p:clrMapOvr>
+  <p:timing>
+    <p:tnLst>
+      <p:par>
+        <p:cTn id="1" dur="indefinite" restart="never" nodeType="tmRoot"/>
+      </p:par>
+    </p:tnLst>
+  </p:timing>
 </p:sld>
 </file>
 
@@ -4225,6 +5342,13 @@
   <p:clrMapOvr>
     <a:masterClrMapping/>
   </p:clrMapOvr>
+  <p:timing>
+    <p:tnLst>
+      <p:par>
+        <p:cTn id="1" dur="indefinite" restart="never" nodeType="tmRoot"/>
+      </p:par>
+    </p:tnLst>
+  </p:timing>
 </p:sld>
 </file>
 
@@ -4297,6 +5421,13 @@
   <p:clrMapOvr>
     <a:masterClrMapping/>
   </p:clrMapOvr>
+  <p:timing>
+    <p:tnLst>
+      <p:par>
+        <p:cTn id="1" dur="indefinite" restart="never" nodeType="tmRoot"/>
+      </p:par>
+    </p:tnLst>
+  </p:timing>
 </p:sld>
 </file>
 
@@ -4369,6 +5500,13 @@
   <p:clrMapOvr>
     <a:masterClrMapping/>
   </p:clrMapOvr>
+  <p:timing>
+    <p:tnLst>
+      <p:par>
+        <p:cTn id="1" dur="indefinite" restart="never" nodeType="tmRoot"/>
+      </p:par>
+    </p:tnLst>
+  </p:timing>
 </p:sld>
 </file>
 
@@ -4441,6 +5579,13 @@
   <p:clrMapOvr>
     <a:masterClrMapping/>
   </p:clrMapOvr>
+  <p:timing>
+    <p:tnLst>
+      <p:par>
+        <p:cTn id="1" dur="indefinite" restart="never" nodeType="tmRoot"/>
+      </p:par>
+    </p:tnLst>
+  </p:timing>
 </p:sld>
 </file>
 
@@ -4484,25 +5629,35 @@
           </a:p>
         </p:txBody>
       </p:sp>
-      <p:sp>
-        <p:nvSpPr>
-          <p:cNvPr id="3" name="Inhaltsplatzhalter 2"/>
-          <p:cNvSpPr>
-            <a:spLocks noGrp="1"/>
-          </p:cNvSpPr>
+      <p:pic>
+        <p:nvPicPr>
+          <p:cNvPr id="4" name="Inhaltsplatzhalter 3"/>
+          <p:cNvPicPr>
+            <a:picLocks noGrp="1" noChangeAspect="1"/>
+          </p:cNvPicPr>
           <p:nvPr>
             <p:ph idx="1"/>
           </p:nvPr>
-        </p:nvSpPr>
-        <p:spPr/>
-        <p:txBody>
-          <a:bodyPr/>
-          <a:lstStyle/>
-          <a:p>
-            <a:endParaRPr lang="de-DE"/>
-          </a:p>
-        </p:txBody>
-      </p:sp>
+        </p:nvPicPr>
+        <p:blipFill>
+          <a:blip r:embed="rId3">
+            <a:extLst>
+              <a:ext uri="{28A0092B-C50C-407E-A947-70E740481C1C}">
+                <a14:useLocalDpi xmlns:a14="http://schemas.microsoft.com/office/drawing/2010/main" val="0"/>
+              </a:ext>
+            </a:extLst>
+          </a:blip>
+          <a:stretch>
+            <a:fillRect/>
+          </a:stretch>
+        </p:blipFill>
+        <p:spPr>
+          <a:xfrm>
+            <a:off x="2619080" y="1417638"/>
+            <a:ext cx="6953840" cy="4933567"/>
+          </a:xfrm>
+        </p:spPr>
+      </p:pic>
     </p:spTree>
     <p:extLst>
       <p:ext uri="{BB962C8B-B14F-4D97-AF65-F5344CB8AC3E}">
@@ -4513,6 +5668,13 @@
   <p:clrMapOvr>
     <a:masterClrMapping/>
   </p:clrMapOvr>
+  <p:timing>
+    <p:tnLst>
+      <p:par>
+        <p:cTn id="1" dur="indefinite" restart="never" nodeType="tmRoot"/>
+      </p:par>
+    </p:tnLst>
+  </p:timing>
 </p:sld>
 </file>
 
@@ -4550,41 +5712,52 @@
           <a:p>
             <a:r>
               <a:rPr lang="de-DE" dirty="0" smtClean="0"/>
-              <a:t>Vorführung</a:t>
+              <a:t>Umsetzung</a:t>
             </a:r>
             <a:endParaRPr lang="de-DE" dirty="0"/>
           </a:p>
         </p:txBody>
       </p:sp>
-      <p:sp>
-        <p:nvSpPr>
-          <p:cNvPr id="3" name="Inhaltsplatzhalter 2"/>
-          <p:cNvSpPr>
-            <a:spLocks noGrp="1"/>
-          </p:cNvSpPr>
-          <p:nvPr>
-            <p:ph idx="1"/>
-          </p:nvPr>
-        </p:nvSpPr>
-        <p:spPr/>
-        <p:txBody>
-          <a:bodyPr/>
-          <a:lstStyle/>
-          <a:p>
-            <a:endParaRPr lang="de-DE" dirty="0"/>
-          </a:p>
-        </p:txBody>
-      </p:sp>
+      <p:pic>
+        <p:nvPicPr>
+          <p:cNvPr id="5" name="Grafik 4"/>
+          <p:cNvPicPr>
+            <a:picLocks noChangeAspect="1"/>
+          </p:cNvPicPr>
+          <p:nvPr/>
+        </p:nvPicPr>
+        <p:blipFill rotWithShape="1">
+          <a:blip r:embed="rId3"/>
+          <a:srcRect l="-92" t="13254" r="39199" b="5465"/>
+          <a:stretch/>
+        </p:blipFill>
+        <p:spPr>
+          <a:xfrm>
+            <a:off x="2595751" y="1417638"/>
+            <a:ext cx="7000497" cy="5061529"/>
+          </a:xfrm>
+          <a:prstGeom prst="rect">
+            <a:avLst/>
+          </a:prstGeom>
+        </p:spPr>
+      </p:pic>
     </p:spTree>
     <p:extLst>
       <p:ext uri="{BB962C8B-B14F-4D97-AF65-F5344CB8AC3E}">
-        <p14:creationId xmlns:p14="http://schemas.microsoft.com/office/powerpoint/2010/main" val="2753955894"/>
+        <p14:creationId xmlns:p14="http://schemas.microsoft.com/office/powerpoint/2010/main" val="1369855418"/>
       </p:ext>
     </p:extLst>
   </p:cSld>
   <p:clrMapOvr>
     <a:masterClrMapping/>
   </p:clrMapOvr>
+  <p:timing>
+    <p:tnLst>
+      <p:par>
+        <p:cTn id="1" dur="indefinite" restart="never" nodeType="tmRoot"/>
+      </p:par>
+    </p:tnLst>
+  </p:timing>
 </p:sld>
 </file>
 
@@ -4622,7 +5795,7 @@
           <a:p>
             <a:r>
               <a:rPr lang="de-DE" dirty="0" smtClean="0"/>
-              <a:t>Fazit</a:t>
+              <a:t>Vorführung</a:t>
             </a:r>
             <a:endParaRPr lang="de-DE" dirty="0"/>
           </a:p>
@@ -4643,134 +5816,81 @@
           <a:bodyPr/>
           <a:lstStyle/>
           <a:p>
-            <a:endParaRPr lang="de-DE"/>
+            <a:endParaRPr lang="de-DE" dirty="0"/>
           </a:p>
         </p:txBody>
       </p:sp>
     </p:spTree>
     <p:extLst>
       <p:ext uri="{BB962C8B-B14F-4D97-AF65-F5344CB8AC3E}">
-        <p14:creationId xmlns:p14="http://schemas.microsoft.com/office/powerpoint/2010/main" val="4203000700"/>
+        <p14:creationId xmlns:p14="http://schemas.microsoft.com/office/powerpoint/2010/main" val="2753955894"/>
       </p:ext>
     </p:extLst>
   </p:cSld>
   <p:clrMapOvr>
     <a:masterClrMapping/>
   </p:clrMapOvr>
+  <p:timing>
+    <p:tnLst>
+      <p:par>
+        <p:cTn id="1" dur="indefinite" restart="never" nodeType="tmRoot"/>
+      </p:par>
+    </p:tnLst>
+  </p:timing>
 </p:sld>
 </file>
 
 <file path=ppt/theme/theme1.xml><?xml version="1.0" encoding="utf-8"?>
-<a:theme xmlns:a="http://schemas.openxmlformats.org/drawingml/2006/main" name="Office Theme">
+<a:theme xmlns:a="http://schemas.openxmlformats.org/drawingml/2006/main" name="Diseño predeterminado">
   <a:themeElements>
-    <a:clrScheme name="Office">
+    <a:clrScheme name="Diseño predeterminado 1">
       <a:dk1>
-        <a:sysClr val="windowText" lastClr="000000"/>
+        <a:srgbClr val="000000"/>
       </a:dk1>
       <a:lt1>
-        <a:sysClr val="window" lastClr="FFFFFF"/>
+        <a:srgbClr val="FFFFFF"/>
       </a:lt1>
       <a:dk2>
-        <a:srgbClr val="44546A"/>
+        <a:srgbClr val="000000"/>
       </a:dk2>
       <a:lt2>
-        <a:srgbClr val="E7E6E6"/>
+        <a:srgbClr val="808080"/>
       </a:lt2>
       <a:accent1>
-        <a:srgbClr val="5B9BD5"/>
+        <a:srgbClr val="BBE0E3"/>
       </a:accent1>
       <a:accent2>
-        <a:srgbClr val="ED7D31"/>
+        <a:srgbClr val="333399"/>
       </a:accent2>
       <a:accent3>
-        <a:srgbClr val="A5A5A5"/>
+        <a:srgbClr val="FFFFFF"/>
       </a:accent3>
       <a:accent4>
-        <a:srgbClr val="FFC000"/>
+        <a:srgbClr val="000000"/>
       </a:accent4>
       <a:accent5>
-        <a:srgbClr val="4472C4"/>
+        <a:srgbClr val="DAEDEF"/>
       </a:accent5>
       <a:accent6>
-        <a:srgbClr val="70AD47"/>
+        <a:srgbClr val="2D2D8A"/>
       </a:accent6>
       <a:hlink>
-        <a:srgbClr val="0563C1"/>
+        <a:srgbClr val="009999"/>
       </a:hlink>
       <a:folHlink>
-        <a:srgbClr val="954F72"/>
+        <a:srgbClr val="99CC00"/>
       </a:folHlink>
     </a:clrScheme>
-    <a:fontScheme name="Office">
+    <a:fontScheme name="Diseño predeterminado">
       <a:majorFont>
-        <a:latin typeface="Calibri Light" panose="020F0302020204030204"/>
+        <a:latin typeface="Arial"/>
         <a:ea typeface=""/>
-        <a:cs typeface=""/>
-        <a:font script="Jpan" typeface="ＭＳ Ｐゴシック"/>
-        <a:font script="Hang" typeface="맑은 고딕"/>
-        <a:font script="Hans" typeface="宋体"/>
-        <a:font script="Hant" typeface="新細明體"/>
-        <a:font script="Arab" typeface="Times New Roman"/>
-        <a:font script="Hebr" typeface="Times New Roman"/>
-        <a:font script="Thai" typeface="Angsana New"/>
-        <a:font script="Ethi" typeface="Nyala"/>
-        <a:font script="Beng" typeface="Vrinda"/>
-        <a:font script="Gujr" typeface="Shruti"/>
-        <a:font script="Khmr" typeface="MoolBoran"/>
-        <a:font script="Knda" typeface="Tunga"/>
-        <a:font script="Guru" typeface="Raavi"/>
-        <a:font script="Cans" typeface="Euphemia"/>
-        <a:font script="Cher" typeface="Plantagenet Cherokee"/>
-        <a:font script="Yiii" typeface="Microsoft Yi Baiti"/>
-        <a:font script="Tibt" typeface="Microsoft Himalaya"/>
-        <a:font script="Thaa" typeface="MV Boli"/>
-        <a:font script="Deva" typeface="Mangal"/>
-        <a:font script="Telu" typeface="Gautami"/>
-        <a:font script="Taml" typeface="Latha"/>
-        <a:font script="Syrc" typeface="Estrangelo Edessa"/>
-        <a:font script="Orya" typeface="Kalinga"/>
-        <a:font script="Mlym" typeface="Kartika"/>
-        <a:font script="Laoo" typeface="DokChampa"/>
-        <a:font script="Sinh" typeface="Iskoola Pota"/>
-        <a:font script="Mong" typeface="Mongolian Baiti"/>
-        <a:font script="Viet" typeface="Times New Roman"/>
-        <a:font script="Uigh" typeface="Microsoft Uighur"/>
-        <a:font script="Geor" typeface="Sylfaen"/>
+        <a:cs typeface="Arial"/>
       </a:majorFont>
       <a:minorFont>
-        <a:latin typeface="Calibri" panose="020F0502020204030204"/>
+        <a:latin typeface="Arial"/>
         <a:ea typeface=""/>
-        <a:cs typeface=""/>
-        <a:font script="Jpan" typeface="ＭＳ Ｐゴシック"/>
-        <a:font script="Hang" typeface="맑은 고딕"/>
-        <a:font script="Hans" typeface="宋体"/>
-        <a:font script="Hant" typeface="新細明體"/>
-        <a:font script="Arab" typeface="Arial"/>
-        <a:font script="Hebr" typeface="Arial"/>
-        <a:font script="Thai" typeface="Cordia New"/>
-        <a:font script="Ethi" typeface="Nyala"/>
-        <a:font script="Beng" typeface="Vrinda"/>
-        <a:font script="Gujr" typeface="Shruti"/>
-        <a:font script="Khmr" typeface="DaunPenh"/>
-        <a:font script="Knda" typeface="Tunga"/>
-        <a:font script="Guru" typeface="Raavi"/>
-        <a:font script="Cans" typeface="Euphemia"/>
-        <a:font script="Cher" typeface="Plantagenet Cherokee"/>
-        <a:font script="Yiii" typeface="Microsoft Yi Baiti"/>
-        <a:font script="Tibt" typeface="Microsoft Himalaya"/>
-        <a:font script="Thaa" typeface="MV Boli"/>
-        <a:font script="Deva" typeface="Mangal"/>
-        <a:font script="Telu" typeface="Gautami"/>
-        <a:font script="Taml" typeface="Latha"/>
-        <a:font script="Syrc" typeface="Estrangelo Edessa"/>
-        <a:font script="Orya" typeface="Kalinga"/>
-        <a:font script="Mlym" typeface="Kartika"/>
-        <a:font script="Laoo" typeface="DokChampa"/>
-        <a:font script="Sinh" typeface="Iskoola Pota"/>
-        <a:font script="Mong" typeface="Mongolian Baiti"/>
-        <a:font script="Viet" typeface="Arial"/>
-        <a:font script="Uigh" typeface="Microsoft Uighur"/>
-        <a:font script="Geor" typeface="Sylfaen"/>
+        <a:cs typeface="Arial"/>
       </a:minorFont>
     </a:fontScheme>
     <a:fmtScheme name="Office">
@@ -4782,142 +5902,659 @@
           <a:gsLst>
             <a:gs pos="0">
               <a:schemeClr val="phClr">
-                <a:lumMod val="110000"/>
-                <a:satMod val="105000"/>
-                <a:tint val="67000"/>
+                <a:tint val="50000"/>
+                <a:satMod val="300000"/>
               </a:schemeClr>
             </a:gs>
-            <a:gs pos="50000">
+            <a:gs pos="35000">
               <a:schemeClr val="phClr">
-                <a:lumMod val="105000"/>
-                <a:satMod val="103000"/>
-                <a:tint val="73000"/>
+                <a:tint val="37000"/>
+                <a:satMod val="300000"/>
               </a:schemeClr>
             </a:gs>
             <a:gs pos="100000">
               <a:schemeClr val="phClr">
-                <a:lumMod val="105000"/>
-                <a:satMod val="109000"/>
-                <a:tint val="81000"/>
+                <a:tint val="15000"/>
+                <a:satMod val="350000"/>
               </a:schemeClr>
             </a:gs>
           </a:gsLst>
-          <a:lin ang="5400000" scaled="0"/>
+          <a:lin ang="16200000" scaled="1"/>
         </a:gradFill>
         <a:gradFill rotWithShape="1">
           <a:gsLst>
             <a:gs pos="0">
               <a:schemeClr val="phClr">
-                <a:satMod val="103000"/>
-                <a:lumMod val="102000"/>
-                <a:tint val="94000"/>
+                <a:shade val="51000"/>
+                <a:satMod val="130000"/>
               </a:schemeClr>
             </a:gs>
-            <a:gs pos="50000">
+            <a:gs pos="80000">
               <a:schemeClr val="phClr">
-                <a:satMod val="110000"/>
-                <a:lumMod val="100000"/>
-                <a:shade val="100000"/>
+                <a:shade val="93000"/>
+                <a:satMod val="130000"/>
               </a:schemeClr>
             </a:gs>
             <a:gs pos="100000">
               <a:schemeClr val="phClr">
-                <a:lumMod val="99000"/>
-                <a:satMod val="120000"/>
-                <a:shade val="78000"/>
+                <a:shade val="94000"/>
+                <a:satMod val="135000"/>
               </a:schemeClr>
             </a:gs>
           </a:gsLst>
-          <a:lin ang="5400000" scaled="0"/>
+          <a:lin ang="16200000" scaled="0"/>
         </a:gradFill>
       </a:fillStyleLst>
       <a:lnStyleLst>
-        <a:ln w="6350" cap="flat" cmpd="sng" algn="ctr">
+        <a:ln w="9525" cap="flat" cmpd="sng" algn="ctr">
+          <a:solidFill>
+            <a:schemeClr val="phClr">
+              <a:shade val="95000"/>
+              <a:satMod val="105000"/>
+            </a:schemeClr>
+          </a:solidFill>
+          <a:prstDash val="solid"/>
+        </a:ln>
+        <a:ln w="25400" cap="flat" cmpd="sng" algn="ctr">
           <a:solidFill>
             <a:schemeClr val="phClr"/>
           </a:solidFill>
           <a:prstDash val="solid"/>
-          <a:miter lim="800000"/>
         </a:ln>
-        <a:ln w="12700" cap="flat" cmpd="sng" algn="ctr">
+        <a:ln w="38100" cap="flat" cmpd="sng" algn="ctr">
           <a:solidFill>
             <a:schemeClr val="phClr"/>
           </a:solidFill>
           <a:prstDash val="solid"/>
-          <a:miter lim="800000"/>
-        </a:ln>
-        <a:ln w="19050" cap="flat" cmpd="sng" algn="ctr">
-          <a:solidFill>
-            <a:schemeClr val="phClr"/>
-          </a:solidFill>
-          <a:prstDash val="solid"/>
-          <a:miter lim="800000"/>
         </a:ln>
       </a:lnStyleLst>
       <a:effectStyleLst>
         <a:effectStyle>
-          <a:effectLst/>
-        </a:effectStyle>
-        <a:effectStyle>
-          <a:effectLst/>
+          <a:effectLst>
+            <a:outerShdw blurRad="40000" dist="20000" dir="5400000" rotWithShape="0">
+              <a:srgbClr val="000000">
+                <a:alpha val="38000"/>
+              </a:srgbClr>
+            </a:outerShdw>
+          </a:effectLst>
         </a:effectStyle>
         <a:effectStyle>
           <a:effectLst>
-            <a:outerShdw blurRad="57150" dist="19050" dir="5400000" algn="ctr" rotWithShape="0">
+            <a:outerShdw blurRad="40000" dist="23000" dir="5400000" rotWithShape="0">
               <a:srgbClr val="000000">
-                <a:alpha val="63000"/>
+                <a:alpha val="35000"/>
               </a:srgbClr>
             </a:outerShdw>
           </a:effectLst>
+        </a:effectStyle>
+        <a:effectStyle>
+          <a:effectLst>
+            <a:outerShdw blurRad="40000" dist="23000" dir="5400000" rotWithShape="0">
+              <a:srgbClr val="000000">
+                <a:alpha val="35000"/>
+              </a:srgbClr>
+            </a:outerShdw>
+          </a:effectLst>
+          <a:scene3d>
+            <a:camera prst="orthographicFront">
+              <a:rot lat="0" lon="0" rev="0"/>
+            </a:camera>
+            <a:lightRig rig="threePt" dir="t">
+              <a:rot lat="0" lon="0" rev="1200000"/>
+            </a:lightRig>
+          </a:scene3d>
+          <a:sp3d>
+            <a:bevelT w="63500" h="25400"/>
+          </a:sp3d>
         </a:effectStyle>
       </a:effectStyleLst>
       <a:bgFillStyleLst>
         <a:solidFill>
           <a:schemeClr val="phClr"/>
         </a:solidFill>
-        <a:solidFill>
-          <a:schemeClr val="phClr">
-            <a:tint val="95000"/>
-            <a:satMod val="170000"/>
-          </a:schemeClr>
-        </a:solidFill>
         <a:gradFill rotWithShape="1">
           <a:gsLst>
             <a:gs pos="0">
               <a:schemeClr val="phClr">
-                <a:tint val="93000"/>
-                <a:satMod val="150000"/>
-                <a:shade val="98000"/>
-                <a:lumMod val="102000"/>
+                <a:tint val="40000"/>
+                <a:satMod val="350000"/>
               </a:schemeClr>
             </a:gs>
-            <a:gs pos="50000">
+            <a:gs pos="40000">
               <a:schemeClr val="phClr">
-                <a:tint val="98000"/>
-                <a:satMod val="130000"/>
-                <a:shade val="90000"/>
-                <a:lumMod val="103000"/>
+                <a:tint val="45000"/>
+                <a:shade val="99000"/>
+                <a:satMod val="350000"/>
               </a:schemeClr>
             </a:gs>
             <a:gs pos="100000">
               <a:schemeClr val="phClr">
-                <a:shade val="63000"/>
-                <a:satMod val="120000"/>
+                <a:shade val="20000"/>
+                <a:satMod val="255000"/>
               </a:schemeClr>
             </a:gs>
           </a:gsLst>
-          <a:lin ang="5400000" scaled="0"/>
+          <a:path path="circle">
+            <a:fillToRect l="50000" t="-80000" r="50000" b="180000"/>
+          </a:path>
+        </a:gradFill>
+        <a:gradFill rotWithShape="1">
+          <a:gsLst>
+            <a:gs pos="0">
+              <a:schemeClr val="phClr">
+                <a:tint val="80000"/>
+                <a:satMod val="300000"/>
+              </a:schemeClr>
+            </a:gs>
+            <a:gs pos="100000">
+              <a:schemeClr val="phClr">
+                <a:shade val="30000"/>
+                <a:satMod val="200000"/>
+              </a:schemeClr>
+            </a:gs>
+          </a:gsLst>
+          <a:path path="circle">
+            <a:fillToRect l="50000" t="50000" r="50000" b="50000"/>
+          </a:path>
         </a:gradFill>
       </a:bgFillStyleLst>
     </a:fmtScheme>
   </a:themeElements>
   <a:objectDefaults/>
-  <a:extraClrSchemeLst/>
-  <a:extLst>
-    <a:ext uri="{05A4C25C-085E-4340-85A3-A5531E510DB2}">
-      <thm15:themeFamily xmlns:thm15="http://schemas.microsoft.com/office/thememl/2012/main" name="Office Theme" id="{62F939B6-93AF-4DB8-9C6B-D6C7DFDC589F}" vid="{4A3C46E8-61CC-4603-A589-7422A47A8E4A}"/>
-    </a:ext>
-  </a:extLst>
+  <a:extraClrSchemeLst>
+    <a:extraClrScheme>
+      <a:clrScheme name="Diseño predeterminado 1">
+        <a:dk1>
+          <a:srgbClr val="000000"/>
+        </a:dk1>
+        <a:lt1>
+          <a:srgbClr val="FFFFFF"/>
+        </a:lt1>
+        <a:dk2>
+          <a:srgbClr val="000000"/>
+        </a:dk2>
+        <a:lt2>
+          <a:srgbClr val="808080"/>
+        </a:lt2>
+        <a:accent1>
+          <a:srgbClr val="BBE0E3"/>
+        </a:accent1>
+        <a:accent2>
+          <a:srgbClr val="333399"/>
+        </a:accent2>
+        <a:accent3>
+          <a:srgbClr val="FFFFFF"/>
+        </a:accent3>
+        <a:accent4>
+          <a:srgbClr val="000000"/>
+        </a:accent4>
+        <a:accent5>
+          <a:srgbClr val="DAEDEF"/>
+        </a:accent5>
+        <a:accent6>
+          <a:srgbClr val="2D2D8A"/>
+        </a:accent6>
+        <a:hlink>
+          <a:srgbClr val="009999"/>
+        </a:hlink>
+        <a:folHlink>
+          <a:srgbClr val="99CC00"/>
+        </a:folHlink>
+      </a:clrScheme>
+      <a:clrMap bg1="lt1" tx1="dk1" bg2="lt2" tx2="dk2" accent1="accent1" accent2="accent2" accent3="accent3" accent4="accent4" accent5="accent5" accent6="accent6" hlink="hlink" folHlink="folHlink"/>
+    </a:extraClrScheme>
+    <a:extraClrScheme>
+      <a:clrScheme name="Diseño predeterminado 2">
+        <a:dk1>
+          <a:srgbClr val="000000"/>
+        </a:dk1>
+        <a:lt1>
+          <a:srgbClr val="FFFFFF"/>
+        </a:lt1>
+        <a:dk2>
+          <a:srgbClr val="000000"/>
+        </a:dk2>
+        <a:lt2>
+          <a:srgbClr val="969696"/>
+        </a:lt2>
+        <a:accent1>
+          <a:srgbClr val="FBDF53"/>
+        </a:accent1>
+        <a:accent2>
+          <a:srgbClr val="FF9966"/>
+        </a:accent2>
+        <a:accent3>
+          <a:srgbClr val="FFFFFF"/>
+        </a:accent3>
+        <a:accent4>
+          <a:srgbClr val="000000"/>
+        </a:accent4>
+        <a:accent5>
+          <a:srgbClr val="FDECB3"/>
+        </a:accent5>
+        <a:accent6>
+          <a:srgbClr val="E78A5C"/>
+        </a:accent6>
+        <a:hlink>
+          <a:srgbClr val="CC3300"/>
+        </a:hlink>
+        <a:folHlink>
+          <a:srgbClr val="996600"/>
+        </a:folHlink>
+      </a:clrScheme>
+      <a:clrMap bg1="lt1" tx1="dk1" bg2="lt2" tx2="dk2" accent1="accent1" accent2="accent2" accent3="accent3" accent4="accent4" accent5="accent5" accent6="accent6" hlink="hlink" folHlink="folHlink"/>
+    </a:extraClrScheme>
+    <a:extraClrScheme>
+      <a:clrScheme name="Diseño predeterminado 3">
+        <a:dk1>
+          <a:srgbClr val="000000"/>
+        </a:dk1>
+        <a:lt1>
+          <a:srgbClr val="FFFFFF"/>
+        </a:lt1>
+        <a:dk2>
+          <a:srgbClr val="000000"/>
+        </a:dk2>
+        <a:lt2>
+          <a:srgbClr val="808080"/>
+        </a:lt2>
+        <a:accent1>
+          <a:srgbClr val="99CCFF"/>
+        </a:accent1>
+        <a:accent2>
+          <a:srgbClr val="CCCCFF"/>
+        </a:accent2>
+        <a:accent3>
+          <a:srgbClr val="FFFFFF"/>
+        </a:accent3>
+        <a:accent4>
+          <a:srgbClr val="000000"/>
+        </a:accent4>
+        <a:accent5>
+          <a:srgbClr val="CAE2FF"/>
+        </a:accent5>
+        <a:accent6>
+          <a:srgbClr val="B9B9E7"/>
+        </a:accent6>
+        <a:hlink>
+          <a:srgbClr val="3333CC"/>
+        </a:hlink>
+        <a:folHlink>
+          <a:srgbClr val="AF67FF"/>
+        </a:folHlink>
+      </a:clrScheme>
+      <a:clrMap bg1="lt1" tx1="dk1" bg2="lt2" tx2="dk2" accent1="accent1" accent2="accent2" accent3="accent3" accent4="accent4" accent5="accent5" accent6="accent6" hlink="hlink" folHlink="folHlink"/>
+    </a:extraClrScheme>
+    <a:extraClrScheme>
+      <a:clrScheme name="Diseño predeterminado 4">
+        <a:dk1>
+          <a:srgbClr val="000000"/>
+        </a:dk1>
+        <a:lt1>
+          <a:srgbClr val="DEF6F1"/>
+        </a:lt1>
+        <a:dk2>
+          <a:srgbClr val="000000"/>
+        </a:dk2>
+        <a:lt2>
+          <a:srgbClr val="969696"/>
+        </a:lt2>
+        <a:accent1>
+          <a:srgbClr val="FFFFFF"/>
+        </a:accent1>
+        <a:accent2>
+          <a:srgbClr val="8DC6FF"/>
+        </a:accent2>
+        <a:accent3>
+          <a:srgbClr val="ECFAF7"/>
+        </a:accent3>
+        <a:accent4>
+          <a:srgbClr val="000000"/>
+        </a:accent4>
+        <a:accent5>
+          <a:srgbClr val="FFFFFF"/>
+        </a:accent5>
+        <a:accent6>
+          <a:srgbClr val="7FB3E7"/>
+        </a:accent6>
+        <a:hlink>
+          <a:srgbClr val="0066CC"/>
+        </a:hlink>
+        <a:folHlink>
+          <a:srgbClr val="00A800"/>
+        </a:folHlink>
+      </a:clrScheme>
+      <a:clrMap bg1="lt1" tx1="dk1" bg2="lt2" tx2="dk2" accent1="accent1" accent2="accent2" accent3="accent3" accent4="accent4" accent5="accent5" accent6="accent6" hlink="hlink" folHlink="folHlink"/>
+    </a:extraClrScheme>
+    <a:extraClrScheme>
+      <a:clrScheme name="Diseño predeterminado 5">
+        <a:dk1>
+          <a:srgbClr val="000000"/>
+        </a:dk1>
+        <a:lt1>
+          <a:srgbClr val="FFFFD9"/>
+        </a:lt1>
+        <a:dk2>
+          <a:srgbClr val="000000"/>
+        </a:dk2>
+        <a:lt2>
+          <a:srgbClr val="777777"/>
+        </a:lt2>
+        <a:accent1>
+          <a:srgbClr val="FFFFF7"/>
+        </a:accent1>
+        <a:accent2>
+          <a:srgbClr val="33CCCC"/>
+        </a:accent2>
+        <a:accent3>
+          <a:srgbClr val="FFFFE9"/>
+        </a:accent3>
+        <a:accent4>
+          <a:srgbClr val="000000"/>
+        </a:accent4>
+        <a:accent5>
+          <a:srgbClr val="FFFFFA"/>
+        </a:accent5>
+        <a:accent6>
+          <a:srgbClr val="2DB9B9"/>
+        </a:accent6>
+        <a:hlink>
+          <a:srgbClr val="FF5050"/>
+        </a:hlink>
+        <a:folHlink>
+          <a:srgbClr val="FF9900"/>
+        </a:folHlink>
+      </a:clrScheme>
+      <a:clrMap bg1="lt1" tx1="dk1" bg2="lt2" tx2="dk2" accent1="accent1" accent2="accent2" accent3="accent3" accent4="accent4" accent5="accent5" accent6="accent6" hlink="hlink" folHlink="folHlink"/>
+    </a:extraClrScheme>
+    <a:extraClrScheme>
+      <a:clrScheme name="Diseño predeterminado 6">
+        <a:dk1>
+          <a:srgbClr val="005A58"/>
+        </a:dk1>
+        <a:lt1>
+          <a:srgbClr val="FFFFFF"/>
+        </a:lt1>
+        <a:dk2>
+          <a:srgbClr val="008080"/>
+        </a:dk2>
+        <a:lt2>
+          <a:srgbClr val="FFFF99"/>
+        </a:lt2>
+        <a:accent1>
+          <a:srgbClr val="006462"/>
+        </a:accent1>
+        <a:accent2>
+          <a:srgbClr val="6D6FC7"/>
+        </a:accent2>
+        <a:accent3>
+          <a:srgbClr val="AAC0C0"/>
+        </a:accent3>
+        <a:accent4>
+          <a:srgbClr val="DADADA"/>
+        </a:accent4>
+        <a:accent5>
+          <a:srgbClr val="AAB8B7"/>
+        </a:accent5>
+        <a:accent6>
+          <a:srgbClr val="6264B4"/>
+        </a:accent6>
+        <a:hlink>
+          <a:srgbClr val="00FFFF"/>
+        </a:hlink>
+        <a:folHlink>
+          <a:srgbClr val="00FF00"/>
+        </a:folHlink>
+      </a:clrScheme>
+      <a:clrMap bg1="dk2" tx1="lt1" bg2="dk1" tx2="lt2" accent1="accent1" accent2="accent2" accent3="accent3" accent4="accent4" accent5="accent5" accent6="accent6" hlink="hlink" folHlink="folHlink"/>
+    </a:extraClrScheme>
+    <a:extraClrScheme>
+      <a:clrScheme name="Diseño predeterminado 7">
+        <a:dk1>
+          <a:srgbClr val="5C1F00"/>
+        </a:dk1>
+        <a:lt1>
+          <a:srgbClr val="FFFFFF"/>
+        </a:lt1>
+        <a:dk2>
+          <a:srgbClr val="800000"/>
+        </a:dk2>
+        <a:lt2>
+          <a:srgbClr val="DFD293"/>
+        </a:lt2>
+        <a:accent1>
+          <a:srgbClr val="CC3300"/>
+        </a:accent1>
+        <a:accent2>
+          <a:srgbClr val="BE7960"/>
+        </a:accent2>
+        <a:accent3>
+          <a:srgbClr val="C0AAAA"/>
+        </a:accent3>
+        <a:accent4>
+          <a:srgbClr val="DADADA"/>
+        </a:accent4>
+        <a:accent5>
+          <a:srgbClr val="E2ADAA"/>
+        </a:accent5>
+        <a:accent6>
+          <a:srgbClr val="AC6D56"/>
+        </a:accent6>
+        <a:hlink>
+          <a:srgbClr val="FFFF99"/>
+        </a:hlink>
+        <a:folHlink>
+          <a:srgbClr val="D3A219"/>
+        </a:folHlink>
+      </a:clrScheme>
+      <a:clrMap bg1="dk2" tx1="lt1" bg2="dk1" tx2="lt2" accent1="accent1" accent2="accent2" accent3="accent3" accent4="accent4" accent5="accent5" accent6="accent6" hlink="hlink" folHlink="folHlink"/>
+    </a:extraClrScheme>
+    <a:extraClrScheme>
+      <a:clrScheme name="Diseño predeterminado 8">
+        <a:dk1>
+          <a:srgbClr val="003366"/>
+        </a:dk1>
+        <a:lt1>
+          <a:srgbClr val="FFFFFF"/>
+        </a:lt1>
+        <a:dk2>
+          <a:srgbClr val="000099"/>
+        </a:dk2>
+        <a:lt2>
+          <a:srgbClr val="CCFFFF"/>
+        </a:lt2>
+        <a:accent1>
+          <a:srgbClr val="3366CC"/>
+        </a:accent1>
+        <a:accent2>
+          <a:srgbClr val="00B000"/>
+        </a:accent2>
+        <a:accent3>
+          <a:srgbClr val="AAAACA"/>
+        </a:accent3>
+        <a:accent4>
+          <a:srgbClr val="DADADA"/>
+        </a:accent4>
+        <a:accent5>
+          <a:srgbClr val="ADB8E2"/>
+        </a:accent5>
+        <a:accent6>
+          <a:srgbClr val="009F00"/>
+        </a:accent6>
+        <a:hlink>
+          <a:srgbClr val="66CCFF"/>
+        </a:hlink>
+        <a:folHlink>
+          <a:srgbClr val="FFE701"/>
+        </a:folHlink>
+      </a:clrScheme>
+      <a:clrMap bg1="dk2" tx1="lt1" bg2="dk1" tx2="lt2" accent1="accent1" accent2="accent2" accent3="accent3" accent4="accent4" accent5="accent5" accent6="accent6" hlink="hlink" folHlink="folHlink"/>
+    </a:extraClrScheme>
+    <a:extraClrScheme>
+      <a:clrScheme name="Diseño predeterminado 9">
+        <a:dk1>
+          <a:srgbClr val="336699"/>
+        </a:dk1>
+        <a:lt1>
+          <a:srgbClr val="FFFFFF"/>
+        </a:lt1>
+        <a:dk2>
+          <a:srgbClr val="000000"/>
+        </a:dk2>
+        <a:lt2>
+          <a:srgbClr val="E3EBF1"/>
+        </a:lt2>
+        <a:accent1>
+          <a:srgbClr val="003399"/>
+        </a:accent1>
+        <a:accent2>
+          <a:srgbClr val="468A4B"/>
+        </a:accent2>
+        <a:accent3>
+          <a:srgbClr val="AAAAAA"/>
+        </a:accent3>
+        <a:accent4>
+          <a:srgbClr val="DADADA"/>
+        </a:accent4>
+        <a:accent5>
+          <a:srgbClr val="AAADCA"/>
+        </a:accent5>
+        <a:accent6>
+          <a:srgbClr val="3F7D43"/>
+        </a:accent6>
+        <a:hlink>
+          <a:srgbClr val="66CCFF"/>
+        </a:hlink>
+        <a:folHlink>
+          <a:srgbClr val="F0E500"/>
+        </a:folHlink>
+      </a:clrScheme>
+      <a:clrMap bg1="dk2" tx1="lt1" bg2="dk1" tx2="lt2" accent1="accent1" accent2="accent2" accent3="accent3" accent4="accent4" accent5="accent5" accent6="accent6" hlink="hlink" folHlink="folHlink"/>
+    </a:extraClrScheme>
+    <a:extraClrScheme>
+      <a:clrScheme name="Diseño predeterminado 10">
+        <a:dk1>
+          <a:srgbClr val="777777"/>
+        </a:dk1>
+        <a:lt1>
+          <a:srgbClr val="FFFFFF"/>
+        </a:lt1>
+        <a:dk2>
+          <a:srgbClr val="686B5D"/>
+        </a:dk2>
+        <a:lt2>
+          <a:srgbClr val="D1D1CB"/>
+        </a:lt2>
+        <a:accent1>
+          <a:srgbClr val="909082"/>
+        </a:accent1>
+        <a:accent2>
+          <a:srgbClr val="809EA8"/>
+        </a:accent2>
+        <a:accent3>
+          <a:srgbClr val="B9BAB6"/>
+        </a:accent3>
+        <a:accent4>
+          <a:srgbClr val="DADADA"/>
+        </a:accent4>
+        <a:accent5>
+          <a:srgbClr val="C6C6C1"/>
+        </a:accent5>
+        <a:accent6>
+          <a:srgbClr val="738F98"/>
+        </a:accent6>
+        <a:hlink>
+          <a:srgbClr val="FFCC66"/>
+        </a:hlink>
+        <a:folHlink>
+          <a:srgbClr val="E9DCB9"/>
+        </a:folHlink>
+      </a:clrScheme>
+      <a:clrMap bg1="dk2" tx1="lt1" bg2="dk1" tx2="lt2" accent1="accent1" accent2="accent2" accent3="accent3" accent4="accent4" accent5="accent5" accent6="accent6" hlink="hlink" folHlink="folHlink"/>
+    </a:extraClrScheme>
+    <a:extraClrScheme>
+      <a:clrScheme name="Diseño predeterminado 11">
+        <a:dk1>
+          <a:srgbClr val="3E3E5C"/>
+        </a:dk1>
+        <a:lt1>
+          <a:srgbClr val="FFFFFF"/>
+        </a:lt1>
+        <a:dk2>
+          <a:srgbClr val="666699"/>
+        </a:dk2>
+        <a:lt2>
+          <a:srgbClr val="FFFFFF"/>
+        </a:lt2>
+        <a:accent1>
+          <a:srgbClr val="60597B"/>
+        </a:accent1>
+        <a:accent2>
+          <a:srgbClr val="6666FF"/>
+        </a:accent2>
+        <a:accent3>
+          <a:srgbClr val="B8B8CA"/>
+        </a:accent3>
+        <a:accent4>
+          <a:srgbClr val="DADADA"/>
+        </a:accent4>
+        <a:accent5>
+          <a:srgbClr val="B6B5BF"/>
+        </a:accent5>
+        <a:accent6>
+          <a:srgbClr val="5C5CE7"/>
+        </a:accent6>
+        <a:hlink>
+          <a:srgbClr val="99CCFF"/>
+        </a:hlink>
+        <a:folHlink>
+          <a:srgbClr val="FFFF99"/>
+        </a:folHlink>
+      </a:clrScheme>
+      <a:clrMap bg1="dk2" tx1="lt1" bg2="dk1" tx2="lt2" accent1="accent1" accent2="accent2" accent3="accent3" accent4="accent4" accent5="accent5" accent6="accent6" hlink="hlink" folHlink="folHlink"/>
+    </a:extraClrScheme>
+    <a:extraClrScheme>
+      <a:clrScheme name="Diseño predeterminado 12">
+        <a:dk1>
+          <a:srgbClr val="2D2015"/>
+        </a:dk1>
+        <a:lt1>
+          <a:srgbClr val="FFFFFF"/>
+        </a:lt1>
+        <a:dk2>
+          <a:srgbClr val="523E26"/>
+        </a:dk2>
+        <a:lt2>
+          <a:srgbClr val="DFC08D"/>
+        </a:lt2>
+        <a:accent1>
+          <a:srgbClr val="8C7B70"/>
+        </a:accent1>
+        <a:accent2>
+          <a:srgbClr val="8F5F2F"/>
+        </a:accent2>
+        <a:accent3>
+          <a:srgbClr val="B3AFAC"/>
+        </a:accent3>
+        <a:accent4>
+          <a:srgbClr val="DADADA"/>
+        </a:accent4>
+        <a:accent5>
+          <a:srgbClr val="C5BFBB"/>
+        </a:accent5>
+        <a:accent6>
+          <a:srgbClr val="81552A"/>
+        </a:accent6>
+        <a:hlink>
+          <a:srgbClr val="CCB400"/>
+        </a:hlink>
+        <a:folHlink>
+          <a:srgbClr val="8C9EA0"/>
+        </a:folHlink>
+      </a:clrScheme>
+      <a:clrMap bg1="dk2" tx1="lt1" bg2="dk1" tx2="lt2" accent1="accent1" accent2="accent2" accent3="accent3" accent4="accent4" accent5="accent5" accent6="accent6" hlink="hlink" folHlink="folHlink"/>
+    </a:extraClrScheme>
+  </a:extraClrSchemeLst>
 </a:theme>
 </file>
 
